--- a/_book/plot/unnamed-chunk-49-1.pptx
+++ b/_book/plot/unnamed-chunk-49-1.pptx
@@ -3218,7 +3218,7 @@
           </p:nvSpPr>
           <p:spPr>
             <a:xfrm>
-              <a:off x="2179881" y="4383995"/>
+              <a:off x="2179881" y="4549058"/>
               <a:ext cx="1295770" cy="0"/>
             </a:xfrm>
             <a:custGeom>
@@ -3261,7 +3261,7 @@
           </p:nvSpPr>
           <p:spPr>
             <a:xfrm>
-              <a:off x="2179881" y="3337744"/>
+              <a:off x="2179881" y="3832936"/>
               <a:ext cx="1295770" cy="0"/>
             </a:xfrm>
             <a:custGeom>
@@ -3304,7 +3304,7 @@
           </p:nvSpPr>
           <p:spPr>
             <a:xfrm>
-              <a:off x="2179881" y="2291494"/>
+              <a:off x="2179881" y="3116813"/>
               <a:ext cx="1295770" cy="0"/>
             </a:xfrm>
             <a:custGeom>
@@ -3342,6 +3342,49 @@
         <p:sp>
           <p:nvSpPr>
             <p:cNvPr id="9" name="pl9"/>
+            <p:cNvSpPr/>
+            <p:nvPr/>
+          </p:nvSpPr>
+          <p:spPr>
+            <a:xfrm>
+              <a:off x="2179881" y="2400690"/>
+              <a:ext cx="1295770" cy="0"/>
+            </a:xfrm>
+            <a:custGeom>
+              <a:avLst/>
+              <a:pathLst>
+                <a:path w="1295770" h="0">
+                  <a:moveTo>
+                    <a:pt x="0" y="0"/>
+                  </a:moveTo>
+                  <a:lnTo>
+                    <a:pt x="1295770" y="0"/>
+                  </a:lnTo>
+                  <a:lnTo>
+                    <a:pt x="1295770" y="0"/>
+                  </a:lnTo>
+                </a:path>
+              </a:pathLst>
+            </a:custGeom>
+            <a:ln w="6775" cap="flat">
+              <a:solidFill>
+                <a:srgbClr val="EBEBEB">
+                  <a:alpha val="100000"/>
+                </a:srgbClr>
+              </a:solidFill>
+              <a:prstDash val="solid"/>
+              <a:round/>
+            </a:ln>
+          </p:spPr>
+          <p:txBody>
+            <a:bodyPr/>
+            <a:lstStyle/>
+            <a:p/>
+          </p:txBody>
+        </p:sp>
+        <p:sp>
+          <p:nvSpPr>
+            <p:cNvPr id="10" name="pl10"/>
             <p:cNvSpPr/>
             <p:nvPr/>
           </p:nvSpPr>
@@ -3384,13 +3427,13 @@
         </p:sp>
         <p:sp>
           <p:nvSpPr>
-            <p:cNvPr id="10" name="pl10"/>
-            <p:cNvSpPr/>
-            <p:nvPr/>
-          </p:nvSpPr>
-          <p:spPr>
-            <a:xfrm>
-              <a:off x="2179881" y="3860869"/>
+            <p:cNvPr id="11" name="pl11"/>
+            <p:cNvSpPr/>
+            <p:nvPr/>
+          </p:nvSpPr>
+          <p:spPr>
+            <a:xfrm>
+              <a:off x="2179881" y="4190997"/>
               <a:ext cx="1295770" cy="0"/>
             </a:xfrm>
             <a:custGeom>
@@ -3427,13 +3470,13 @@
         </p:sp>
         <p:sp>
           <p:nvSpPr>
-            <p:cNvPr id="11" name="pl11"/>
-            <p:cNvSpPr/>
-            <p:nvPr/>
-          </p:nvSpPr>
-          <p:spPr>
-            <a:xfrm>
-              <a:off x="2179881" y="2814619"/>
+            <p:cNvPr id="12" name="pl12"/>
+            <p:cNvSpPr/>
+            <p:nvPr/>
+          </p:nvSpPr>
+          <p:spPr>
+            <a:xfrm>
+              <a:off x="2179881" y="3474874"/>
               <a:ext cx="1295770" cy="0"/>
             </a:xfrm>
             <a:custGeom>
@@ -3470,7 +3513,93 @@
         </p:sp>
         <p:sp>
           <p:nvSpPr>
-            <p:cNvPr id="12" name="pl12"/>
+            <p:cNvPr id="13" name="pl13"/>
+            <p:cNvSpPr/>
+            <p:nvPr/>
+          </p:nvSpPr>
+          <p:spPr>
+            <a:xfrm>
+              <a:off x="2179881" y="2758751"/>
+              <a:ext cx="1295770" cy="0"/>
+            </a:xfrm>
+            <a:custGeom>
+              <a:avLst/>
+              <a:pathLst>
+                <a:path w="1295770" h="0">
+                  <a:moveTo>
+                    <a:pt x="0" y="0"/>
+                  </a:moveTo>
+                  <a:lnTo>
+                    <a:pt x="1295770" y="0"/>
+                  </a:lnTo>
+                  <a:lnTo>
+                    <a:pt x="1295770" y="0"/>
+                  </a:lnTo>
+                </a:path>
+              </a:pathLst>
+            </a:custGeom>
+            <a:ln w="13550" cap="flat">
+              <a:solidFill>
+                <a:srgbClr val="EBEBEB">
+                  <a:alpha val="100000"/>
+                </a:srgbClr>
+              </a:solidFill>
+              <a:prstDash val="solid"/>
+              <a:round/>
+            </a:ln>
+          </p:spPr>
+          <p:txBody>
+            <a:bodyPr/>
+            <a:lstStyle/>
+            <a:p/>
+          </p:txBody>
+        </p:sp>
+        <p:sp>
+          <p:nvSpPr>
+            <p:cNvPr id="14" name="pl14"/>
+            <p:cNvSpPr/>
+            <p:nvPr/>
+          </p:nvSpPr>
+          <p:spPr>
+            <a:xfrm>
+              <a:off x="2179881" y="2042629"/>
+              <a:ext cx="1295770" cy="0"/>
+            </a:xfrm>
+            <a:custGeom>
+              <a:avLst/>
+              <a:pathLst>
+                <a:path w="1295770" h="0">
+                  <a:moveTo>
+                    <a:pt x="0" y="0"/>
+                  </a:moveTo>
+                  <a:lnTo>
+                    <a:pt x="1295770" y="0"/>
+                  </a:lnTo>
+                  <a:lnTo>
+                    <a:pt x="1295770" y="0"/>
+                  </a:lnTo>
+                </a:path>
+              </a:pathLst>
+            </a:custGeom>
+            <a:ln w="13550" cap="flat">
+              <a:solidFill>
+                <a:srgbClr val="EBEBEB">
+                  <a:alpha val="100000"/>
+                </a:srgbClr>
+              </a:solidFill>
+              <a:prstDash val="solid"/>
+              <a:round/>
+            </a:ln>
+          </p:spPr>
+          <p:txBody>
+            <a:bodyPr/>
+            <a:lstStyle/>
+            <a:p/>
+          </p:txBody>
+        </p:sp>
+        <p:sp>
+          <p:nvSpPr>
+            <p:cNvPr id="15" name="pl15"/>
             <p:cNvSpPr/>
             <p:nvPr/>
           </p:nvSpPr>
@@ -3513,7 +3642,7 @@
         </p:sp>
         <p:sp>
           <p:nvSpPr>
-            <p:cNvPr id="13" name="pl13"/>
+            <p:cNvPr id="16" name="pl16"/>
             <p:cNvSpPr/>
             <p:nvPr/>
           </p:nvSpPr>
@@ -3556,7 +3685,7 @@
         </p:sp>
         <p:sp>
           <p:nvSpPr>
-            <p:cNvPr id="14" name="pl14"/>
+            <p:cNvPr id="17" name="pl17"/>
             <p:cNvSpPr/>
             <p:nvPr/>
           </p:nvSpPr>
@@ -3599,7 +3728,7 @@
         </p:sp>
         <p:sp>
           <p:nvSpPr>
-            <p:cNvPr id="15" name="pl15"/>
+            <p:cNvPr id="18" name="pl18"/>
             <p:cNvSpPr/>
             <p:nvPr/>
           </p:nvSpPr>
@@ -3642,7 +3771,7 @@
         </p:sp>
         <p:sp>
           <p:nvSpPr>
-            <p:cNvPr id="16" name="pl16"/>
+            <p:cNvPr id="19" name="pl19"/>
             <p:cNvSpPr/>
             <p:nvPr/>
           </p:nvSpPr>
@@ -3685,7 +3814,7 @@
         </p:sp>
         <p:sp>
           <p:nvSpPr>
-            <p:cNvPr id="17" name="pl17"/>
+            <p:cNvPr id="20" name="pl20"/>
             <p:cNvSpPr/>
             <p:nvPr/>
           </p:nvSpPr>
@@ -3728,7 +3857,7 @@
         </p:sp>
         <p:sp>
           <p:nvSpPr>
-            <p:cNvPr id="18" name="pl18"/>
+            <p:cNvPr id="21" name="pl21"/>
             <p:cNvSpPr/>
             <p:nvPr/>
           </p:nvSpPr>
@@ -3771,7 +3900,7 @@
         </p:sp>
         <p:sp>
           <p:nvSpPr>
-            <p:cNvPr id="19" name="pl19"/>
+            <p:cNvPr id="22" name="pl22"/>
             <p:cNvSpPr/>
             <p:nvPr/>
           </p:nvSpPr>
@@ -3814,14 +3943,14 @@
         </p:sp>
         <p:sp>
           <p:nvSpPr>
-            <p:cNvPr id="20" name="rc20"/>
-            <p:cNvSpPr/>
-            <p:nvPr/>
-          </p:nvSpPr>
-          <p:spPr>
-            <a:xfrm>
-              <a:off x="2203584" y="1956694"/>
-              <a:ext cx="142218" cy="2950425"/>
+            <p:cNvPr id="23" name="rc23"/>
+            <p:cNvSpPr/>
+            <p:nvPr/>
+          </p:nvSpPr>
+          <p:spPr>
+            <a:xfrm>
+              <a:off x="2203584" y="3990483"/>
+              <a:ext cx="142218" cy="916637"/>
             </a:xfrm>
             <a:prstGeom prst="rect">
               <a:avLst/>
@@ -3840,14 +3969,14 @@
         </p:sp>
         <p:sp>
           <p:nvSpPr>
-            <p:cNvPr id="21" name="rc21"/>
-            <p:cNvSpPr/>
-            <p:nvPr/>
-          </p:nvSpPr>
-          <p:spPr>
-            <a:xfrm>
-              <a:off x="2361605" y="4823420"/>
-              <a:ext cx="142218" cy="83700"/>
+            <p:cNvPr id="24" name="rc24"/>
+            <p:cNvSpPr/>
+            <p:nvPr/>
+          </p:nvSpPr>
+          <p:spPr>
+            <a:xfrm>
+              <a:off x="2361605" y="4105062"/>
+              <a:ext cx="142218" cy="802057"/>
             </a:xfrm>
             <a:prstGeom prst="rect">
               <a:avLst/>
@@ -3866,14 +3995,14 @@
         </p:sp>
         <p:sp>
           <p:nvSpPr>
-            <p:cNvPr id="22" name="rc22"/>
-            <p:cNvSpPr/>
-            <p:nvPr/>
-          </p:nvSpPr>
-          <p:spPr>
-            <a:xfrm>
-              <a:off x="2519626" y="2563519"/>
-              <a:ext cx="142218" cy="2343600"/>
+            <p:cNvPr id="25" name="rc25"/>
+            <p:cNvSpPr/>
+            <p:nvPr/>
+          </p:nvSpPr>
+          <p:spPr>
+            <a:xfrm>
+              <a:off x="2519626" y="4019127"/>
+              <a:ext cx="142218" cy="887992"/>
             </a:xfrm>
             <a:prstGeom prst="rect">
               <a:avLst/>
@@ -3892,14 +4021,14 @@
         </p:sp>
         <p:sp>
           <p:nvSpPr>
-            <p:cNvPr id="23" name="rc23"/>
-            <p:cNvSpPr/>
-            <p:nvPr/>
-          </p:nvSpPr>
-          <p:spPr>
-            <a:xfrm>
-              <a:off x="2677647" y="4216594"/>
-              <a:ext cx="142218" cy="690525"/>
+            <p:cNvPr id="26" name="rc26"/>
+            <p:cNvSpPr/>
+            <p:nvPr/>
+          </p:nvSpPr>
+          <p:spPr>
+            <a:xfrm>
+              <a:off x="2677647" y="3904548"/>
+              <a:ext cx="142218" cy="1002571"/>
             </a:xfrm>
             <a:prstGeom prst="rect">
               <a:avLst/>
@@ -3918,14 +4047,14 @@
         </p:sp>
         <p:sp>
           <p:nvSpPr>
-            <p:cNvPr id="24" name="rc24"/>
-            <p:cNvSpPr/>
-            <p:nvPr/>
-          </p:nvSpPr>
-          <p:spPr>
-            <a:xfrm>
-              <a:off x="2835668" y="4739720"/>
-              <a:ext cx="142218" cy="167400"/>
+            <p:cNvPr id="27" name="rc27"/>
+            <p:cNvSpPr/>
+            <p:nvPr/>
+          </p:nvSpPr>
+          <p:spPr>
+            <a:xfrm>
+              <a:off x="2835668" y="2672817"/>
+              <a:ext cx="142218" cy="2234303"/>
             </a:xfrm>
             <a:prstGeom prst="rect">
               <a:avLst/>
@@ -3944,14 +4073,14 @@
         </p:sp>
         <p:sp>
           <p:nvSpPr>
-            <p:cNvPr id="25" name="rc25"/>
-            <p:cNvSpPr/>
-            <p:nvPr/>
-          </p:nvSpPr>
-          <p:spPr>
-            <a:xfrm>
-              <a:off x="2993689" y="3714394"/>
-              <a:ext cx="142218" cy="1192725"/>
+            <p:cNvPr id="28" name="rc28"/>
+            <p:cNvSpPr/>
+            <p:nvPr/>
+          </p:nvSpPr>
+          <p:spPr>
+            <a:xfrm>
+              <a:off x="2993689" y="3159780"/>
+              <a:ext cx="142218" cy="1747339"/>
             </a:xfrm>
             <a:prstGeom prst="rect">
               <a:avLst/>
@@ -3970,14 +4099,14 @@
         </p:sp>
         <p:sp>
           <p:nvSpPr>
-            <p:cNvPr id="26" name="rc26"/>
-            <p:cNvSpPr/>
-            <p:nvPr/>
-          </p:nvSpPr>
-          <p:spPr>
-            <a:xfrm>
-              <a:off x="3151709" y="4823420"/>
-              <a:ext cx="142218" cy="83700"/>
+            <p:cNvPr id="29" name="rc29"/>
+            <p:cNvSpPr/>
+            <p:nvPr/>
+          </p:nvSpPr>
+          <p:spPr>
+            <a:xfrm>
+              <a:off x="3151709" y="1956694"/>
+              <a:ext cx="142218" cy="2950425"/>
             </a:xfrm>
             <a:prstGeom prst="rect">
               <a:avLst/>
@@ -3996,14 +4125,14 @@
         </p:sp>
         <p:sp>
           <p:nvSpPr>
-            <p:cNvPr id="27" name="rc27"/>
-            <p:cNvSpPr/>
-            <p:nvPr/>
-          </p:nvSpPr>
-          <p:spPr>
-            <a:xfrm>
-              <a:off x="3309730" y="3212194"/>
-              <a:ext cx="142218" cy="1694925"/>
+            <p:cNvPr id="30" name="rc30"/>
+            <p:cNvSpPr/>
+            <p:nvPr/>
+          </p:nvSpPr>
+          <p:spPr>
+            <a:xfrm>
+              <a:off x="3309730" y="2844686"/>
+              <a:ext cx="142218" cy="2062433"/>
             </a:xfrm>
             <a:prstGeom prst="rect">
               <a:avLst/>
@@ -4022,7 +4151,7 @@
         </p:sp>
         <p:sp>
           <p:nvSpPr>
-            <p:cNvPr id="28" name="rc28"/>
+            <p:cNvPr id="31" name="rc31"/>
             <p:cNvSpPr/>
             <p:nvPr/>
           </p:nvSpPr>
@@ -4052,7 +4181,7 @@
         </p:sp>
         <p:sp>
           <p:nvSpPr>
-            <p:cNvPr id="29" name="rc29"/>
+            <p:cNvPr id="32" name="rc32"/>
             <p:cNvSpPr/>
             <p:nvPr/>
           </p:nvSpPr>
@@ -4078,13 +4207,13 @@
         </p:sp>
         <p:sp>
           <p:nvSpPr>
-            <p:cNvPr id="30" name="pl30"/>
-            <p:cNvSpPr/>
-            <p:nvPr/>
-          </p:nvSpPr>
-          <p:spPr>
-            <a:xfrm>
-              <a:off x="3545241" y="4383995"/>
+            <p:cNvPr id="33" name="pl33"/>
+            <p:cNvSpPr/>
+            <p:nvPr/>
+          </p:nvSpPr>
+          <p:spPr>
+            <a:xfrm>
+              <a:off x="3545241" y="4549058"/>
               <a:ext cx="1295770" cy="0"/>
             </a:xfrm>
             <a:custGeom>
@@ -4121,13 +4250,13 @@
         </p:sp>
         <p:sp>
           <p:nvSpPr>
-            <p:cNvPr id="31" name="pl31"/>
-            <p:cNvSpPr/>
-            <p:nvPr/>
-          </p:nvSpPr>
-          <p:spPr>
-            <a:xfrm>
-              <a:off x="3545241" y="3337744"/>
+            <p:cNvPr id="34" name="pl34"/>
+            <p:cNvSpPr/>
+            <p:nvPr/>
+          </p:nvSpPr>
+          <p:spPr>
+            <a:xfrm>
+              <a:off x="3545241" y="3832936"/>
               <a:ext cx="1295770" cy="0"/>
             </a:xfrm>
             <a:custGeom>
@@ -4164,13 +4293,13 @@
         </p:sp>
         <p:sp>
           <p:nvSpPr>
-            <p:cNvPr id="32" name="pl32"/>
-            <p:cNvSpPr/>
-            <p:nvPr/>
-          </p:nvSpPr>
-          <p:spPr>
-            <a:xfrm>
-              <a:off x="3545241" y="2291494"/>
+            <p:cNvPr id="35" name="pl35"/>
+            <p:cNvSpPr/>
+            <p:nvPr/>
+          </p:nvSpPr>
+          <p:spPr>
+            <a:xfrm>
+              <a:off x="3545241" y="3116813"/>
               <a:ext cx="1295770" cy="0"/>
             </a:xfrm>
             <a:custGeom>
@@ -4207,7 +4336,50 @@
         </p:sp>
         <p:sp>
           <p:nvSpPr>
-            <p:cNvPr id="33" name="pl33"/>
+            <p:cNvPr id="36" name="pl36"/>
+            <p:cNvSpPr/>
+            <p:nvPr/>
+          </p:nvSpPr>
+          <p:spPr>
+            <a:xfrm>
+              <a:off x="3545241" y="2400690"/>
+              <a:ext cx="1295770" cy="0"/>
+            </a:xfrm>
+            <a:custGeom>
+              <a:avLst/>
+              <a:pathLst>
+                <a:path w="1295770" h="0">
+                  <a:moveTo>
+                    <a:pt x="0" y="0"/>
+                  </a:moveTo>
+                  <a:lnTo>
+                    <a:pt x="1295770" y="0"/>
+                  </a:lnTo>
+                  <a:lnTo>
+                    <a:pt x="1295770" y="0"/>
+                  </a:lnTo>
+                </a:path>
+              </a:pathLst>
+            </a:custGeom>
+            <a:ln w="6775" cap="flat">
+              <a:solidFill>
+                <a:srgbClr val="EBEBEB">
+                  <a:alpha val="100000"/>
+                </a:srgbClr>
+              </a:solidFill>
+              <a:prstDash val="solid"/>
+              <a:round/>
+            </a:ln>
+          </p:spPr>
+          <p:txBody>
+            <a:bodyPr/>
+            <a:lstStyle/>
+            <a:p/>
+          </p:txBody>
+        </p:sp>
+        <p:sp>
+          <p:nvSpPr>
+            <p:cNvPr id="37" name="pl37"/>
             <p:cNvSpPr/>
             <p:nvPr/>
           </p:nvSpPr>
@@ -4250,13 +4422,13 @@
         </p:sp>
         <p:sp>
           <p:nvSpPr>
-            <p:cNvPr id="34" name="pl34"/>
-            <p:cNvSpPr/>
-            <p:nvPr/>
-          </p:nvSpPr>
-          <p:spPr>
-            <a:xfrm>
-              <a:off x="3545241" y="3860869"/>
+            <p:cNvPr id="38" name="pl38"/>
+            <p:cNvSpPr/>
+            <p:nvPr/>
+          </p:nvSpPr>
+          <p:spPr>
+            <a:xfrm>
+              <a:off x="3545241" y="4190997"/>
               <a:ext cx="1295770" cy="0"/>
             </a:xfrm>
             <a:custGeom>
@@ -4293,13 +4465,13 @@
         </p:sp>
         <p:sp>
           <p:nvSpPr>
-            <p:cNvPr id="35" name="pl35"/>
-            <p:cNvSpPr/>
-            <p:nvPr/>
-          </p:nvSpPr>
-          <p:spPr>
-            <a:xfrm>
-              <a:off x="3545241" y="2814619"/>
+            <p:cNvPr id="39" name="pl39"/>
+            <p:cNvSpPr/>
+            <p:nvPr/>
+          </p:nvSpPr>
+          <p:spPr>
+            <a:xfrm>
+              <a:off x="3545241" y="3474874"/>
               <a:ext cx="1295770" cy="0"/>
             </a:xfrm>
             <a:custGeom>
@@ -4336,7 +4508,93 @@
         </p:sp>
         <p:sp>
           <p:nvSpPr>
-            <p:cNvPr id="36" name="pl36"/>
+            <p:cNvPr id="40" name="pl40"/>
+            <p:cNvSpPr/>
+            <p:nvPr/>
+          </p:nvSpPr>
+          <p:spPr>
+            <a:xfrm>
+              <a:off x="3545241" y="2758751"/>
+              <a:ext cx="1295770" cy="0"/>
+            </a:xfrm>
+            <a:custGeom>
+              <a:avLst/>
+              <a:pathLst>
+                <a:path w="1295770" h="0">
+                  <a:moveTo>
+                    <a:pt x="0" y="0"/>
+                  </a:moveTo>
+                  <a:lnTo>
+                    <a:pt x="1295770" y="0"/>
+                  </a:lnTo>
+                  <a:lnTo>
+                    <a:pt x="1295770" y="0"/>
+                  </a:lnTo>
+                </a:path>
+              </a:pathLst>
+            </a:custGeom>
+            <a:ln w="13550" cap="flat">
+              <a:solidFill>
+                <a:srgbClr val="EBEBEB">
+                  <a:alpha val="100000"/>
+                </a:srgbClr>
+              </a:solidFill>
+              <a:prstDash val="solid"/>
+              <a:round/>
+            </a:ln>
+          </p:spPr>
+          <p:txBody>
+            <a:bodyPr/>
+            <a:lstStyle/>
+            <a:p/>
+          </p:txBody>
+        </p:sp>
+        <p:sp>
+          <p:nvSpPr>
+            <p:cNvPr id="41" name="pl41"/>
+            <p:cNvSpPr/>
+            <p:nvPr/>
+          </p:nvSpPr>
+          <p:spPr>
+            <a:xfrm>
+              <a:off x="3545241" y="2042629"/>
+              <a:ext cx="1295770" cy="0"/>
+            </a:xfrm>
+            <a:custGeom>
+              <a:avLst/>
+              <a:pathLst>
+                <a:path w="1295770" h="0">
+                  <a:moveTo>
+                    <a:pt x="0" y="0"/>
+                  </a:moveTo>
+                  <a:lnTo>
+                    <a:pt x="1295770" y="0"/>
+                  </a:lnTo>
+                  <a:lnTo>
+                    <a:pt x="1295770" y="0"/>
+                  </a:lnTo>
+                </a:path>
+              </a:pathLst>
+            </a:custGeom>
+            <a:ln w="13550" cap="flat">
+              <a:solidFill>
+                <a:srgbClr val="EBEBEB">
+                  <a:alpha val="100000"/>
+                </a:srgbClr>
+              </a:solidFill>
+              <a:prstDash val="solid"/>
+              <a:round/>
+            </a:ln>
+          </p:spPr>
+          <p:txBody>
+            <a:bodyPr/>
+            <a:lstStyle/>
+            <a:p/>
+          </p:txBody>
+        </p:sp>
+        <p:sp>
+          <p:nvSpPr>
+            <p:cNvPr id="42" name="pl42"/>
             <p:cNvSpPr/>
             <p:nvPr/>
           </p:nvSpPr>
@@ -4379,7 +4637,7 @@
         </p:sp>
         <p:sp>
           <p:nvSpPr>
-            <p:cNvPr id="37" name="pl37"/>
+            <p:cNvPr id="43" name="pl43"/>
             <p:cNvSpPr/>
             <p:nvPr/>
           </p:nvSpPr>
@@ -4422,7 +4680,7 @@
         </p:sp>
         <p:sp>
           <p:nvSpPr>
-            <p:cNvPr id="38" name="pl38"/>
+            <p:cNvPr id="44" name="pl44"/>
             <p:cNvSpPr/>
             <p:nvPr/>
           </p:nvSpPr>
@@ -4465,7 +4723,7 @@
         </p:sp>
         <p:sp>
           <p:nvSpPr>
-            <p:cNvPr id="39" name="pl39"/>
+            <p:cNvPr id="45" name="pl45"/>
             <p:cNvSpPr/>
             <p:nvPr/>
           </p:nvSpPr>
@@ -4508,7 +4766,7 @@
         </p:sp>
         <p:sp>
           <p:nvSpPr>
-            <p:cNvPr id="40" name="pl40"/>
+            <p:cNvPr id="46" name="pl46"/>
             <p:cNvSpPr/>
             <p:nvPr/>
           </p:nvSpPr>
@@ -4551,7 +4809,7 @@
         </p:sp>
         <p:sp>
           <p:nvSpPr>
-            <p:cNvPr id="41" name="pl41"/>
+            <p:cNvPr id="47" name="pl47"/>
             <p:cNvSpPr/>
             <p:nvPr/>
           </p:nvSpPr>
@@ -4594,7 +4852,7 @@
         </p:sp>
         <p:sp>
           <p:nvSpPr>
-            <p:cNvPr id="42" name="pl42"/>
+            <p:cNvPr id="48" name="pl48"/>
             <p:cNvSpPr/>
             <p:nvPr/>
           </p:nvSpPr>
@@ -4637,7 +4895,7 @@
         </p:sp>
         <p:sp>
           <p:nvSpPr>
-            <p:cNvPr id="43" name="pl43"/>
+            <p:cNvPr id="49" name="pl49"/>
             <p:cNvSpPr/>
             <p:nvPr/>
           </p:nvSpPr>
@@ -4680,14 +4938,14 @@
         </p:sp>
         <p:sp>
           <p:nvSpPr>
-            <p:cNvPr id="44" name="rc44"/>
-            <p:cNvSpPr/>
-            <p:nvPr/>
-          </p:nvSpPr>
-          <p:spPr>
-            <a:xfrm>
-              <a:off x="3568944" y="3546994"/>
-              <a:ext cx="142218" cy="1360125"/>
+            <p:cNvPr id="50" name="rc50"/>
+            <p:cNvSpPr/>
+            <p:nvPr/>
+          </p:nvSpPr>
+          <p:spPr>
+            <a:xfrm>
+              <a:off x="3568944" y="4019127"/>
+              <a:ext cx="142218" cy="887992"/>
             </a:xfrm>
             <a:prstGeom prst="rect">
               <a:avLst/>
@@ -4706,14 +4964,14 @@
         </p:sp>
         <p:sp>
           <p:nvSpPr>
-            <p:cNvPr id="45" name="rc45"/>
-            <p:cNvSpPr/>
-            <p:nvPr/>
-          </p:nvSpPr>
-          <p:spPr>
-            <a:xfrm>
-              <a:off x="3726965" y="4823420"/>
-              <a:ext cx="142218" cy="83700"/>
+            <p:cNvPr id="51" name="rc51"/>
+            <p:cNvSpPr/>
+            <p:nvPr/>
+          </p:nvSpPr>
+          <p:spPr>
+            <a:xfrm>
+              <a:off x="3726965" y="4019127"/>
+              <a:ext cx="142218" cy="887992"/>
             </a:xfrm>
             <a:prstGeom prst="rect">
               <a:avLst/>
@@ -4732,14 +4990,14 @@
         </p:sp>
         <p:sp>
           <p:nvSpPr>
-            <p:cNvPr id="46" name="rc46"/>
-            <p:cNvSpPr/>
-            <p:nvPr/>
-          </p:nvSpPr>
-          <p:spPr>
-            <a:xfrm>
-              <a:off x="3884986" y="3588844"/>
-              <a:ext cx="142218" cy="1318275"/>
+            <p:cNvPr id="52" name="rc52"/>
+            <p:cNvSpPr/>
+            <p:nvPr/>
+          </p:nvSpPr>
+          <p:spPr>
+            <a:xfrm>
+              <a:off x="3884986" y="4190997"/>
+              <a:ext cx="142218" cy="716122"/>
             </a:xfrm>
             <a:prstGeom prst="rect">
               <a:avLst/>
@@ -4758,14 +5016,14 @@
         </p:sp>
         <p:sp>
           <p:nvSpPr>
-            <p:cNvPr id="47" name="rc47"/>
-            <p:cNvSpPr/>
-            <p:nvPr/>
-          </p:nvSpPr>
-          <p:spPr>
-            <a:xfrm>
-              <a:off x="4043007" y="4467695"/>
-              <a:ext cx="142218" cy="439425"/>
+            <p:cNvPr id="53" name="rc53"/>
+            <p:cNvSpPr/>
+            <p:nvPr/>
+          </p:nvSpPr>
+          <p:spPr>
+            <a:xfrm>
+              <a:off x="4043007" y="4477446"/>
+              <a:ext cx="142218" cy="429673"/>
             </a:xfrm>
             <a:prstGeom prst="rect">
               <a:avLst/>
@@ -4784,14 +5042,14 @@
         </p:sp>
         <p:sp>
           <p:nvSpPr>
-            <p:cNvPr id="48" name="rc48"/>
-            <p:cNvSpPr/>
-            <p:nvPr/>
-          </p:nvSpPr>
-          <p:spPr>
-            <a:xfrm>
-              <a:off x="4201028" y="4781570"/>
-              <a:ext cx="142218" cy="125550"/>
+            <p:cNvPr id="54" name="rc54"/>
+            <p:cNvSpPr/>
+            <p:nvPr/>
+          </p:nvSpPr>
+          <p:spPr>
+            <a:xfrm>
+              <a:off x="4201028" y="3875903"/>
+              <a:ext cx="142218" cy="1031216"/>
             </a:xfrm>
             <a:prstGeom prst="rect">
               <a:avLst/>
@@ -4810,14 +5068,14 @@
         </p:sp>
         <p:sp>
           <p:nvSpPr>
-            <p:cNvPr id="49" name="rc49"/>
-            <p:cNvSpPr/>
-            <p:nvPr/>
-          </p:nvSpPr>
-          <p:spPr>
-            <a:xfrm>
-              <a:off x="4359049" y="3944569"/>
-              <a:ext cx="142218" cy="962550"/>
+            <p:cNvPr id="55" name="rc55"/>
+            <p:cNvSpPr/>
+            <p:nvPr/>
+          </p:nvSpPr>
+          <p:spPr>
+            <a:xfrm>
+              <a:off x="4359049" y="3847258"/>
+              <a:ext cx="142218" cy="1059861"/>
             </a:xfrm>
             <a:prstGeom prst="rect">
               <a:avLst/>
@@ -4836,14 +5094,14 @@
         </p:sp>
         <p:sp>
           <p:nvSpPr>
-            <p:cNvPr id="50" name="rc50"/>
-            <p:cNvSpPr/>
-            <p:nvPr/>
-          </p:nvSpPr>
-          <p:spPr>
-            <a:xfrm>
-              <a:off x="4517069" y="4697870"/>
-              <a:ext cx="142218" cy="209250"/>
+            <p:cNvPr id="56" name="rc56"/>
+            <p:cNvSpPr/>
+            <p:nvPr/>
+          </p:nvSpPr>
+          <p:spPr>
+            <a:xfrm>
+              <a:off x="4517069" y="3045200"/>
+              <a:ext cx="142218" cy="1861919"/>
             </a:xfrm>
             <a:prstGeom prst="rect">
               <a:avLst/>
@@ -4862,14 +5120,14 @@
         </p:sp>
         <p:sp>
           <p:nvSpPr>
-            <p:cNvPr id="51" name="rc51"/>
-            <p:cNvSpPr/>
-            <p:nvPr/>
-          </p:nvSpPr>
-          <p:spPr>
-            <a:xfrm>
-              <a:off x="4675090" y="3986419"/>
-              <a:ext cx="142218" cy="920700"/>
+            <p:cNvPr id="57" name="rc57"/>
+            <p:cNvSpPr/>
+            <p:nvPr/>
+          </p:nvSpPr>
+          <p:spPr>
+            <a:xfrm>
+              <a:off x="4675090" y="4362866"/>
+              <a:ext cx="142218" cy="544253"/>
             </a:xfrm>
             <a:prstGeom prst="rect">
               <a:avLst/>
@@ -4888,7 +5146,7 @@
         </p:sp>
         <p:sp>
           <p:nvSpPr>
-            <p:cNvPr id="52" name="rc52"/>
+            <p:cNvPr id="58" name="rc58"/>
             <p:cNvSpPr/>
             <p:nvPr/>
           </p:nvSpPr>
@@ -4918,7 +5176,7 @@
         </p:sp>
         <p:sp>
           <p:nvSpPr>
-            <p:cNvPr id="53" name="rc53"/>
+            <p:cNvPr id="59" name="rc59"/>
             <p:cNvSpPr/>
             <p:nvPr/>
           </p:nvSpPr>
@@ -4944,13 +5202,13 @@
         </p:sp>
         <p:sp>
           <p:nvSpPr>
-            <p:cNvPr id="54" name="pl54"/>
-            <p:cNvSpPr/>
-            <p:nvPr/>
-          </p:nvSpPr>
-          <p:spPr>
-            <a:xfrm>
-              <a:off x="4910601" y="4383995"/>
+            <p:cNvPr id="60" name="pl60"/>
+            <p:cNvSpPr/>
+            <p:nvPr/>
+          </p:nvSpPr>
+          <p:spPr>
+            <a:xfrm>
+              <a:off x="4910601" y="4549058"/>
               <a:ext cx="1295770" cy="0"/>
             </a:xfrm>
             <a:custGeom>
@@ -4987,13 +5245,13 @@
         </p:sp>
         <p:sp>
           <p:nvSpPr>
-            <p:cNvPr id="55" name="pl55"/>
-            <p:cNvSpPr/>
-            <p:nvPr/>
-          </p:nvSpPr>
-          <p:spPr>
-            <a:xfrm>
-              <a:off x="4910601" y="3337744"/>
+            <p:cNvPr id="61" name="pl61"/>
+            <p:cNvSpPr/>
+            <p:nvPr/>
+          </p:nvSpPr>
+          <p:spPr>
+            <a:xfrm>
+              <a:off x="4910601" y="3832936"/>
               <a:ext cx="1295770" cy="0"/>
             </a:xfrm>
             <a:custGeom>
@@ -5030,13 +5288,13 @@
         </p:sp>
         <p:sp>
           <p:nvSpPr>
-            <p:cNvPr id="56" name="pl56"/>
-            <p:cNvSpPr/>
-            <p:nvPr/>
-          </p:nvSpPr>
-          <p:spPr>
-            <a:xfrm>
-              <a:off x="4910601" y="2291494"/>
+            <p:cNvPr id="62" name="pl62"/>
+            <p:cNvSpPr/>
+            <p:nvPr/>
+          </p:nvSpPr>
+          <p:spPr>
+            <a:xfrm>
+              <a:off x="4910601" y="3116813"/>
               <a:ext cx="1295770" cy="0"/>
             </a:xfrm>
             <a:custGeom>
@@ -5073,7 +5331,50 @@
         </p:sp>
         <p:sp>
           <p:nvSpPr>
-            <p:cNvPr id="57" name="pl57"/>
+            <p:cNvPr id="63" name="pl63"/>
+            <p:cNvSpPr/>
+            <p:nvPr/>
+          </p:nvSpPr>
+          <p:spPr>
+            <a:xfrm>
+              <a:off x="4910601" y="2400690"/>
+              <a:ext cx="1295770" cy="0"/>
+            </a:xfrm>
+            <a:custGeom>
+              <a:avLst/>
+              <a:pathLst>
+                <a:path w="1295770" h="0">
+                  <a:moveTo>
+                    <a:pt x="0" y="0"/>
+                  </a:moveTo>
+                  <a:lnTo>
+                    <a:pt x="1295770" y="0"/>
+                  </a:lnTo>
+                  <a:lnTo>
+                    <a:pt x="1295770" y="0"/>
+                  </a:lnTo>
+                </a:path>
+              </a:pathLst>
+            </a:custGeom>
+            <a:ln w="6775" cap="flat">
+              <a:solidFill>
+                <a:srgbClr val="EBEBEB">
+                  <a:alpha val="100000"/>
+                </a:srgbClr>
+              </a:solidFill>
+              <a:prstDash val="solid"/>
+              <a:round/>
+            </a:ln>
+          </p:spPr>
+          <p:txBody>
+            <a:bodyPr/>
+            <a:lstStyle/>
+            <a:p/>
+          </p:txBody>
+        </p:sp>
+        <p:sp>
+          <p:nvSpPr>
+            <p:cNvPr id="64" name="pl64"/>
             <p:cNvSpPr/>
             <p:nvPr/>
           </p:nvSpPr>
@@ -5116,13 +5417,13 @@
         </p:sp>
         <p:sp>
           <p:nvSpPr>
-            <p:cNvPr id="58" name="pl58"/>
-            <p:cNvSpPr/>
-            <p:nvPr/>
-          </p:nvSpPr>
-          <p:spPr>
-            <a:xfrm>
-              <a:off x="4910601" y="3860869"/>
+            <p:cNvPr id="65" name="pl65"/>
+            <p:cNvSpPr/>
+            <p:nvPr/>
+          </p:nvSpPr>
+          <p:spPr>
+            <a:xfrm>
+              <a:off x="4910601" y="4190997"/>
               <a:ext cx="1295770" cy="0"/>
             </a:xfrm>
             <a:custGeom>
@@ -5159,13 +5460,13 @@
         </p:sp>
         <p:sp>
           <p:nvSpPr>
-            <p:cNvPr id="59" name="pl59"/>
-            <p:cNvSpPr/>
-            <p:nvPr/>
-          </p:nvSpPr>
-          <p:spPr>
-            <a:xfrm>
-              <a:off x="4910601" y="2814619"/>
+            <p:cNvPr id="66" name="pl66"/>
+            <p:cNvSpPr/>
+            <p:nvPr/>
+          </p:nvSpPr>
+          <p:spPr>
+            <a:xfrm>
+              <a:off x="4910601" y="3474874"/>
               <a:ext cx="1295770" cy="0"/>
             </a:xfrm>
             <a:custGeom>
@@ -5202,7 +5503,93 @@
         </p:sp>
         <p:sp>
           <p:nvSpPr>
-            <p:cNvPr id="60" name="pl60"/>
+            <p:cNvPr id="67" name="pl67"/>
+            <p:cNvSpPr/>
+            <p:nvPr/>
+          </p:nvSpPr>
+          <p:spPr>
+            <a:xfrm>
+              <a:off x="4910601" y="2758751"/>
+              <a:ext cx="1295770" cy="0"/>
+            </a:xfrm>
+            <a:custGeom>
+              <a:avLst/>
+              <a:pathLst>
+                <a:path w="1295770" h="0">
+                  <a:moveTo>
+                    <a:pt x="0" y="0"/>
+                  </a:moveTo>
+                  <a:lnTo>
+                    <a:pt x="1295770" y="0"/>
+                  </a:lnTo>
+                  <a:lnTo>
+                    <a:pt x="1295770" y="0"/>
+                  </a:lnTo>
+                </a:path>
+              </a:pathLst>
+            </a:custGeom>
+            <a:ln w="13550" cap="flat">
+              <a:solidFill>
+                <a:srgbClr val="EBEBEB">
+                  <a:alpha val="100000"/>
+                </a:srgbClr>
+              </a:solidFill>
+              <a:prstDash val="solid"/>
+              <a:round/>
+            </a:ln>
+          </p:spPr>
+          <p:txBody>
+            <a:bodyPr/>
+            <a:lstStyle/>
+            <a:p/>
+          </p:txBody>
+        </p:sp>
+        <p:sp>
+          <p:nvSpPr>
+            <p:cNvPr id="68" name="pl68"/>
+            <p:cNvSpPr/>
+            <p:nvPr/>
+          </p:nvSpPr>
+          <p:spPr>
+            <a:xfrm>
+              <a:off x="4910601" y="2042629"/>
+              <a:ext cx="1295770" cy="0"/>
+            </a:xfrm>
+            <a:custGeom>
+              <a:avLst/>
+              <a:pathLst>
+                <a:path w="1295770" h="0">
+                  <a:moveTo>
+                    <a:pt x="0" y="0"/>
+                  </a:moveTo>
+                  <a:lnTo>
+                    <a:pt x="1295770" y="0"/>
+                  </a:lnTo>
+                  <a:lnTo>
+                    <a:pt x="1295770" y="0"/>
+                  </a:lnTo>
+                </a:path>
+              </a:pathLst>
+            </a:custGeom>
+            <a:ln w="13550" cap="flat">
+              <a:solidFill>
+                <a:srgbClr val="EBEBEB">
+                  <a:alpha val="100000"/>
+                </a:srgbClr>
+              </a:solidFill>
+              <a:prstDash val="solid"/>
+              <a:round/>
+            </a:ln>
+          </p:spPr>
+          <p:txBody>
+            <a:bodyPr/>
+            <a:lstStyle/>
+            <a:p/>
+          </p:txBody>
+        </p:sp>
+        <p:sp>
+          <p:nvSpPr>
+            <p:cNvPr id="69" name="pl69"/>
             <p:cNvSpPr/>
             <p:nvPr/>
           </p:nvSpPr>
@@ -5245,7 +5632,7 @@
         </p:sp>
         <p:sp>
           <p:nvSpPr>
-            <p:cNvPr id="61" name="pl61"/>
+            <p:cNvPr id="70" name="pl70"/>
             <p:cNvSpPr/>
             <p:nvPr/>
           </p:nvSpPr>
@@ -5288,7 +5675,7 @@
         </p:sp>
         <p:sp>
           <p:nvSpPr>
-            <p:cNvPr id="62" name="pl62"/>
+            <p:cNvPr id="71" name="pl71"/>
             <p:cNvSpPr/>
             <p:nvPr/>
           </p:nvSpPr>
@@ -5331,7 +5718,7 @@
         </p:sp>
         <p:sp>
           <p:nvSpPr>
-            <p:cNvPr id="63" name="pl63"/>
+            <p:cNvPr id="72" name="pl72"/>
             <p:cNvSpPr/>
             <p:nvPr/>
           </p:nvSpPr>
@@ -5374,7 +5761,7 @@
         </p:sp>
         <p:sp>
           <p:nvSpPr>
-            <p:cNvPr id="64" name="pl64"/>
+            <p:cNvPr id="73" name="pl73"/>
             <p:cNvSpPr/>
             <p:nvPr/>
           </p:nvSpPr>
@@ -5417,7 +5804,7 @@
         </p:sp>
         <p:sp>
           <p:nvSpPr>
-            <p:cNvPr id="65" name="pl65"/>
+            <p:cNvPr id="74" name="pl74"/>
             <p:cNvSpPr/>
             <p:nvPr/>
           </p:nvSpPr>
@@ -5460,7 +5847,7 @@
         </p:sp>
         <p:sp>
           <p:nvSpPr>
-            <p:cNvPr id="66" name="pl66"/>
+            <p:cNvPr id="75" name="pl75"/>
             <p:cNvSpPr/>
             <p:nvPr/>
           </p:nvSpPr>
@@ -5503,7 +5890,7 @@
         </p:sp>
         <p:sp>
           <p:nvSpPr>
-            <p:cNvPr id="67" name="pl67"/>
+            <p:cNvPr id="76" name="pl76"/>
             <p:cNvSpPr/>
             <p:nvPr/>
           </p:nvSpPr>
@@ -5546,14 +5933,14 @@
         </p:sp>
         <p:sp>
           <p:nvSpPr>
-            <p:cNvPr id="68" name="rc68"/>
-            <p:cNvSpPr/>
-            <p:nvPr/>
-          </p:nvSpPr>
-          <p:spPr>
-            <a:xfrm>
-              <a:off x="4934304" y="4530470"/>
-              <a:ext cx="142218" cy="376650"/>
+            <p:cNvPr id="77" name="rc77"/>
+            <p:cNvSpPr/>
+            <p:nvPr/>
+          </p:nvSpPr>
+          <p:spPr>
+            <a:xfrm>
+              <a:off x="4934304" y="4391511"/>
+              <a:ext cx="142218" cy="515608"/>
             </a:xfrm>
             <a:prstGeom prst="rect">
               <a:avLst/>
@@ -5572,14 +5959,14 @@
         </p:sp>
         <p:sp>
           <p:nvSpPr>
-            <p:cNvPr id="69" name="rc69"/>
-            <p:cNvSpPr/>
-            <p:nvPr/>
-          </p:nvSpPr>
-          <p:spPr>
-            <a:xfrm>
-              <a:off x="5092325" y="4865270"/>
-              <a:ext cx="142218" cy="41850"/>
+            <p:cNvPr id="78" name="rc78"/>
+            <p:cNvSpPr/>
+            <p:nvPr/>
+          </p:nvSpPr>
+          <p:spPr>
+            <a:xfrm>
+              <a:off x="5092325" y="4821185"/>
+              <a:ext cx="142218" cy="85934"/>
             </a:xfrm>
             <a:prstGeom prst="rect">
               <a:avLst/>
@@ -5598,14 +5985,14 @@
         </p:sp>
         <p:sp>
           <p:nvSpPr>
-            <p:cNvPr id="70" name="rc70"/>
-            <p:cNvSpPr/>
-            <p:nvPr/>
-          </p:nvSpPr>
-          <p:spPr>
-            <a:xfrm>
-              <a:off x="5250346" y="4551395"/>
-              <a:ext cx="142218" cy="355725"/>
+            <p:cNvPr id="79" name="rc79"/>
+            <p:cNvSpPr/>
+            <p:nvPr/>
+          </p:nvSpPr>
+          <p:spPr>
+            <a:xfrm>
+              <a:off x="5250346" y="4792540"/>
+              <a:ext cx="142218" cy="114579"/>
             </a:xfrm>
             <a:prstGeom prst="rect">
               <a:avLst/>
@@ -5624,14 +6011,14 @@
         </p:sp>
         <p:sp>
           <p:nvSpPr>
-            <p:cNvPr id="71" name="rc71"/>
-            <p:cNvSpPr/>
-            <p:nvPr/>
-          </p:nvSpPr>
-          <p:spPr>
-            <a:xfrm>
-              <a:off x="5408367" y="4718795"/>
-              <a:ext cx="142218" cy="188325"/>
+            <p:cNvPr id="80" name="rc80"/>
+            <p:cNvSpPr/>
+            <p:nvPr/>
+          </p:nvSpPr>
+          <p:spPr>
+            <a:xfrm>
+              <a:off x="5408367" y="4677960"/>
+              <a:ext cx="142218" cy="229159"/>
             </a:xfrm>
             <a:prstGeom prst="rect">
               <a:avLst/>
@@ -5650,14 +6037,14 @@
         </p:sp>
         <p:sp>
           <p:nvSpPr>
-            <p:cNvPr id="72" name="rc72"/>
-            <p:cNvSpPr/>
-            <p:nvPr/>
-          </p:nvSpPr>
-          <p:spPr>
-            <a:xfrm>
-              <a:off x="5566388" y="4781570"/>
-              <a:ext cx="142218" cy="125550"/>
+            <p:cNvPr id="81" name="rc81"/>
+            <p:cNvSpPr/>
+            <p:nvPr/>
+          </p:nvSpPr>
+          <p:spPr>
+            <a:xfrm>
+              <a:off x="5566388" y="4821185"/>
+              <a:ext cx="142218" cy="85934"/>
             </a:xfrm>
             <a:prstGeom prst="rect">
               <a:avLst/>
@@ -5676,14 +6063,14 @@
         </p:sp>
         <p:sp>
           <p:nvSpPr>
-            <p:cNvPr id="73" name="rc73"/>
-            <p:cNvSpPr/>
-            <p:nvPr/>
-          </p:nvSpPr>
-          <p:spPr>
-            <a:xfrm>
-              <a:off x="5724408" y="4342145"/>
-              <a:ext cx="142218" cy="564975"/>
+            <p:cNvPr id="82" name="rc82"/>
+            <p:cNvSpPr/>
+            <p:nvPr/>
+          </p:nvSpPr>
+          <p:spPr>
+            <a:xfrm>
+              <a:off x="5724408" y="4477446"/>
+              <a:ext cx="142218" cy="429673"/>
             </a:xfrm>
             <a:prstGeom prst="rect">
               <a:avLst/>
@@ -5702,14 +6089,14 @@
         </p:sp>
         <p:sp>
           <p:nvSpPr>
-            <p:cNvPr id="74" name="rc74"/>
-            <p:cNvSpPr/>
-            <p:nvPr/>
-          </p:nvSpPr>
-          <p:spPr>
-            <a:xfrm>
-              <a:off x="5882429" y="4865270"/>
-              <a:ext cx="142218" cy="41850"/>
+            <p:cNvPr id="83" name="rc83"/>
+            <p:cNvSpPr/>
+            <p:nvPr/>
+          </p:nvSpPr>
+          <p:spPr>
+            <a:xfrm>
+              <a:off x="5882429" y="4334221"/>
+              <a:ext cx="142218" cy="572898"/>
             </a:xfrm>
             <a:prstGeom prst="rect">
               <a:avLst/>
@@ -5728,14 +6115,14 @@
         </p:sp>
         <p:sp>
           <p:nvSpPr>
-            <p:cNvPr id="75" name="rc75"/>
-            <p:cNvSpPr/>
-            <p:nvPr/>
-          </p:nvSpPr>
-          <p:spPr>
-            <a:xfrm>
-              <a:off x="6040450" y="4802495"/>
-              <a:ext cx="142218" cy="104625"/>
+            <p:cNvPr id="84" name="rc84"/>
+            <p:cNvSpPr/>
+            <p:nvPr/>
+          </p:nvSpPr>
+          <p:spPr>
+            <a:xfrm>
+              <a:off x="6040450" y="4477446"/>
+              <a:ext cx="142218" cy="429673"/>
             </a:xfrm>
             <a:prstGeom prst="rect">
               <a:avLst/>
@@ -5754,7 +6141,7 @@
         </p:sp>
         <p:sp>
           <p:nvSpPr>
-            <p:cNvPr id="76" name="rc76"/>
+            <p:cNvPr id="85" name="rc85"/>
             <p:cNvSpPr/>
             <p:nvPr/>
           </p:nvSpPr>
@@ -5784,7 +6171,7 @@
         </p:sp>
         <p:sp>
           <p:nvSpPr>
-            <p:cNvPr id="77" name="rc77"/>
+            <p:cNvPr id="86" name="rc86"/>
             <p:cNvSpPr/>
             <p:nvPr/>
           </p:nvSpPr>
@@ -5810,13 +6197,13 @@
         </p:sp>
         <p:sp>
           <p:nvSpPr>
-            <p:cNvPr id="78" name="pl78"/>
-            <p:cNvSpPr/>
-            <p:nvPr/>
-          </p:nvSpPr>
-          <p:spPr>
-            <a:xfrm>
-              <a:off x="6275961" y="4383995"/>
+            <p:cNvPr id="87" name="pl87"/>
+            <p:cNvSpPr/>
+            <p:nvPr/>
+          </p:nvSpPr>
+          <p:spPr>
+            <a:xfrm>
+              <a:off x="6275961" y="4549058"/>
               <a:ext cx="1295770" cy="0"/>
             </a:xfrm>
             <a:custGeom>
@@ -5853,13 +6240,13 @@
         </p:sp>
         <p:sp>
           <p:nvSpPr>
-            <p:cNvPr id="79" name="pl79"/>
-            <p:cNvSpPr/>
-            <p:nvPr/>
-          </p:nvSpPr>
-          <p:spPr>
-            <a:xfrm>
-              <a:off x="6275961" y="3337744"/>
+            <p:cNvPr id="88" name="pl88"/>
+            <p:cNvSpPr/>
+            <p:nvPr/>
+          </p:nvSpPr>
+          <p:spPr>
+            <a:xfrm>
+              <a:off x="6275961" y="3832936"/>
               <a:ext cx="1295770" cy="0"/>
             </a:xfrm>
             <a:custGeom>
@@ -5896,13 +6283,13 @@
         </p:sp>
         <p:sp>
           <p:nvSpPr>
-            <p:cNvPr id="80" name="pl80"/>
-            <p:cNvSpPr/>
-            <p:nvPr/>
-          </p:nvSpPr>
-          <p:spPr>
-            <a:xfrm>
-              <a:off x="6275961" y="2291494"/>
+            <p:cNvPr id="89" name="pl89"/>
+            <p:cNvSpPr/>
+            <p:nvPr/>
+          </p:nvSpPr>
+          <p:spPr>
+            <a:xfrm>
+              <a:off x="6275961" y="3116813"/>
               <a:ext cx="1295770" cy="0"/>
             </a:xfrm>
             <a:custGeom>
@@ -5939,7 +6326,50 @@
         </p:sp>
         <p:sp>
           <p:nvSpPr>
-            <p:cNvPr id="81" name="pl81"/>
+            <p:cNvPr id="90" name="pl90"/>
+            <p:cNvSpPr/>
+            <p:nvPr/>
+          </p:nvSpPr>
+          <p:spPr>
+            <a:xfrm>
+              <a:off x="6275961" y="2400690"/>
+              <a:ext cx="1295770" cy="0"/>
+            </a:xfrm>
+            <a:custGeom>
+              <a:avLst/>
+              <a:pathLst>
+                <a:path w="1295770" h="0">
+                  <a:moveTo>
+                    <a:pt x="0" y="0"/>
+                  </a:moveTo>
+                  <a:lnTo>
+                    <a:pt x="1295770" y="0"/>
+                  </a:lnTo>
+                  <a:lnTo>
+                    <a:pt x="1295770" y="0"/>
+                  </a:lnTo>
+                </a:path>
+              </a:pathLst>
+            </a:custGeom>
+            <a:ln w="6775" cap="flat">
+              <a:solidFill>
+                <a:srgbClr val="EBEBEB">
+                  <a:alpha val="100000"/>
+                </a:srgbClr>
+              </a:solidFill>
+              <a:prstDash val="solid"/>
+              <a:round/>
+            </a:ln>
+          </p:spPr>
+          <p:txBody>
+            <a:bodyPr/>
+            <a:lstStyle/>
+            <a:p/>
+          </p:txBody>
+        </p:sp>
+        <p:sp>
+          <p:nvSpPr>
+            <p:cNvPr id="91" name="pl91"/>
             <p:cNvSpPr/>
             <p:nvPr/>
           </p:nvSpPr>
@@ -5982,13 +6412,13 @@
         </p:sp>
         <p:sp>
           <p:nvSpPr>
-            <p:cNvPr id="82" name="pl82"/>
-            <p:cNvSpPr/>
-            <p:nvPr/>
-          </p:nvSpPr>
-          <p:spPr>
-            <a:xfrm>
-              <a:off x="6275961" y="3860869"/>
+            <p:cNvPr id="92" name="pl92"/>
+            <p:cNvSpPr/>
+            <p:nvPr/>
+          </p:nvSpPr>
+          <p:spPr>
+            <a:xfrm>
+              <a:off x="6275961" y="4190997"/>
               <a:ext cx="1295770" cy="0"/>
             </a:xfrm>
             <a:custGeom>
@@ -6025,13 +6455,13 @@
         </p:sp>
         <p:sp>
           <p:nvSpPr>
-            <p:cNvPr id="83" name="pl83"/>
-            <p:cNvSpPr/>
-            <p:nvPr/>
-          </p:nvSpPr>
-          <p:spPr>
-            <a:xfrm>
-              <a:off x="6275961" y="2814619"/>
+            <p:cNvPr id="93" name="pl93"/>
+            <p:cNvSpPr/>
+            <p:nvPr/>
+          </p:nvSpPr>
+          <p:spPr>
+            <a:xfrm>
+              <a:off x="6275961" y="3474874"/>
               <a:ext cx="1295770" cy="0"/>
             </a:xfrm>
             <a:custGeom>
@@ -6068,7 +6498,93 @@
         </p:sp>
         <p:sp>
           <p:nvSpPr>
-            <p:cNvPr id="84" name="pl84"/>
+            <p:cNvPr id="94" name="pl94"/>
+            <p:cNvSpPr/>
+            <p:nvPr/>
+          </p:nvSpPr>
+          <p:spPr>
+            <a:xfrm>
+              <a:off x="6275961" y="2758751"/>
+              <a:ext cx="1295770" cy="0"/>
+            </a:xfrm>
+            <a:custGeom>
+              <a:avLst/>
+              <a:pathLst>
+                <a:path w="1295770" h="0">
+                  <a:moveTo>
+                    <a:pt x="0" y="0"/>
+                  </a:moveTo>
+                  <a:lnTo>
+                    <a:pt x="1295770" y="0"/>
+                  </a:lnTo>
+                  <a:lnTo>
+                    <a:pt x="1295770" y="0"/>
+                  </a:lnTo>
+                </a:path>
+              </a:pathLst>
+            </a:custGeom>
+            <a:ln w="13550" cap="flat">
+              <a:solidFill>
+                <a:srgbClr val="EBEBEB">
+                  <a:alpha val="100000"/>
+                </a:srgbClr>
+              </a:solidFill>
+              <a:prstDash val="solid"/>
+              <a:round/>
+            </a:ln>
+          </p:spPr>
+          <p:txBody>
+            <a:bodyPr/>
+            <a:lstStyle/>
+            <a:p/>
+          </p:txBody>
+        </p:sp>
+        <p:sp>
+          <p:nvSpPr>
+            <p:cNvPr id="95" name="pl95"/>
+            <p:cNvSpPr/>
+            <p:nvPr/>
+          </p:nvSpPr>
+          <p:spPr>
+            <a:xfrm>
+              <a:off x="6275961" y="2042629"/>
+              <a:ext cx="1295770" cy="0"/>
+            </a:xfrm>
+            <a:custGeom>
+              <a:avLst/>
+              <a:pathLst>
+                <a:path w="1295770" h="0">
+                  <a:moveTo>
+                    <a:pt x="0" y="0"/>
+                  </a:moveTo>
+                  <a:lnTo>
+                    <a:pt x="1295770" y="0"/>
+                  </a:lnTo>
+                  <a:lnTo>
+                    <a:pt x="1295770" y="0"/>
+                  </a:lnTo>
+                </a:path>
+              </a:pathLst>
+            </a:custGeom>
+            <a:ln w="13550" cap="flat">
+              <a:solidFill>
+                <a:srgbClr val="EBEBEB">
+                  <a:alpha val="100000"/>
+                </a:srgbClr>
+              </a:solidFill>
+              <a:prstDash val="solid"/>
+              <a:round/>
+            </a:ln>
+          </p:spPr>
+          <p:txBody>
+            <a:bodyPr/>
+            <a:lstStyle/>
+            <a:p/>
+          </p:txBody>
+        </p:sp>
+        <p:sp>
+          <p:nvSpPr>
+            <p:cNvPr id="96" name="pl96"/>
             <p:cNvSpPr/>
             <p:nvPr/>
           </p:nvSpPr>
@@ -6111,7 +6627,7 @@
         </p:sp>
         <p:sp>
           <p:nvSpPr>
-            <p:cNvPr id="85" name="pl85"/>
+            <p:cNvPr id="97" name="pl97"/>
             <p:cNvSpPr/>
             <p:nvPr/>
           </p:nvSpPr>
@@ -6154,7 +6670,7 @@
         </p:sp>
         <p:sp>
           <p:nvSpPr>
-            <p:cNvPr id="86" name="pl86"/>
+            <p:cNvPr id="98" name="pl98"/>
             <p:cNvSpPr/>
             <p:nvPr/>
           </p:nvSpPr>
@@ -6197,7 +6713,7 @@
         </p:sp>
         <p:sp>
           <p:nvSpPr>
-            <p:cNvPr id="87" name="pl87"/>
+            <p:cNvPr id="99" name="pl99"/>
             <p:cNvSpPr/>
             <p:nvPr/>
           </p:nvSpPr>
@@ -6240,7 +6756,7 @@
         </p:sp>
         <p:sp>
           <p:nvSpPr>
-            <p:cNvPr id="88" name="pl88"/>
+            <p:cNvPr id="100" name="pl100"/>
             <p:cNvSpPr/>
             <p:nvPr/>
           </p:nvSpPr>
@@ -6283,7 +6799,7 @@
         </p:sp>
         <p:sp>
           <p:nvSpPr>
-            <p:cNvPr id="89" name="pl89"/>
+            <p:cNvPr id="101" name="pl101"/>
             <p:cNvSpPr/>
             <p:nvPr/>
           </p:nvSpPr>
@@ -6326,7 +6842,7 @@
         </p:sp>
         <p:sp>
           <p:nvSpPr>
-            <p:cNvPr id="90" name="pl90"/>
+            <p:cNvPr id="102" name="pl102"/>
             <p:cNvSpPr/>
             <p:nvPr/>
           </p:nvSpPr>
@@ -6369,7 +6885,7 @@
         </p:sp>
         <p:sp>
           <p:nvSpPr>
-            <p:cNvPr id="91" name="pl91"/>
+            <p:cNvPr id="103" name="pl103"/>
             <p:cNvSpPr/>
             <p:nvPr/>
           </p:nvSpPr>
@@ -6412,14 +6928,14 @@
         </p:sp>
         <p:sp>
           <p:nvSpPr>
-            <p:cNvPr id="92" name="rc92"/>
-            <p:cNvSpPr/>
-            <p:nvPr/>
-          </p:nvSpPr>
-          <p:spPr>
-            <a:xfrm>
-              <a:off x="6299664" y="4572320"/>
-              <a:ext cx="142218" cy="334800"/>
+            <p:cNvPr id="104" name="rc104"/>
+            <p:cNvSpPr/>
+            <p:nvPr/>
+          </p:nvSpPr>
+          <p:spPr>
+            <a:xfrm>
+              <a:off x="6299664" y="4706605"/>
+              <a:ext cx="142218" cy="200514"/>
             </a:xfrm>
             <a:prstGeom prst="rect">
               <a:avLst/>
@@ -6438,14 +6954,14 @@
         </p:sp>
         <p:sp>
           <p:nvSpPr>
-            <p:cNvPr id="93" name="rc93"/>
-            <p:cNvSpPr/>
-            <p:nvPr/>
-          </p:nvSpPr>
-          <p:spPr>
-            <a:xfrm>
-              <a:off x="6457685" y="4886195"/>
-              <a:ext cx="142218" cy="20925"/>
+            <p:cNvPr id="105" name="rc105"/>
+            <p:cNvSpPr/>
+            <p:nvPr/>
+          </p:nvSpPr>
+          <p:spPr>
+            <a:xfrm>
+              <a:off x="6457685" y="4792540"/>
+              <a:ext cx="142218" cy="114579"/>
             </a:xfrm>
             <a:prstGeom prst="rect">
               <a:avLst/>
@@ -6464,14 +6980,14 @@
         </p:sp>
         <p:sp>
           <p:nvSpPr>
-            <p:cNvPr id="94" name="rc94"/>
-            <p:cNvSpPr/>
-            <p:nvPr/>
-          </p:nvSpPr>
-          <p:spPr>
-            <a:xfrm>
-              <a:off x="6615706" y="4635095"/>
-              <a:ext cx="142218" cy="272025"/>
+            <p:cNvPr id="106" name="rc106"/>
+            <p:cNvSpPr/>
+            <p:nvPr/>
+          </p:nvSpPr>
+          <p:spPr>
+            <a:xfrm>
+              <a:off x="6615706" y="4821185"/>
+              <a:ext cx="142218" cy="85934"/>
             </a:xfrm>
             <a:prstGeom prst="rect">
               <a:avLst/>
@@ -6490,14 +7006,14 @@
         </p:sp>
         <p:sp>
           <p:nvSpPr>
-            <p:cNvPr id="95" name="rc95"/>
-            <p:cNvSpPr/>
-            <p:nvPr/>
-          </p:nvSpPr>
-          <p:spPr>
-            <a:xfrm>
-              <a:off x="6773727" y="4656020"/>
-              <a:ext cx="142218" cy="251100"/>
+            <p:cNvPr id="107" name="rc107"/>
+            <p:cNvSpPr/>
+            <p:nvPr/>
+          </p:nvSpPr>
+          <p:spPr>
+            <a:xfrm>
+              <a:off x="6773727" y="4821185"/>
+              <a:ext cx="142218" cy="85934"/>
             </a:xfrm>
             <a:prstGeom prst="rect">
               <a:avLst/>
@@ -6516,14 +7032,14 @@
         </p:sp>
         <p:sp>
           <p:nvSpPr>
-            <p:cNvPr id="96" name="rc96"/>
-            <p:cNvSpPr/>
-            <p:nvPr/>
-          </p:nvSpPr>
-          <p:spPr>
-            <a:xfrm>
-              <a:off x="6931748" y="4865270"/>
-              <a:ext cx="142218" cy="41850"/>
+            <p:cNvPr id="108" name="rc108"/>
+            <p:cNvSpPr/>
+            <p:nvPr/>
+          </p:nvSpPr>
+          <p:spPr>
+            <a:xfrm>
+              <a:off x="6931748" y="4792540"/>
+              <a:ext cx="142218" cy="114579"/>
             </a:xfrm>
             <a:prstGeom prst="rect">
               <a:avLst/>
@@ -6542,14 +7058,14 @@
         </p:sp>
         <p:sp>
           <p:nvSpPr>
-            <p:cNvPr id="97" name="rc97"/>
-            <p:cNvSpPr/>
-            <p:nvPr/>
-          </p:nvSpPr>
-          <p:spPr>
-            <a:xfrm>
-              <a:off x="7089768" y="4572320"/>
-              <a:ext cx="142218" cy="334800"/>
+            <p:cNvPr id="109" name="rc109"/>
+            <p:cNvSpPr/>
+            <p:nvPr/>
+          </p:nvSpPr>
+          <p:spPr>
+            <a:xfrm>
+              <a:off x="7089768" y="4592026"/>
+              <a:ext cx="142218" cy="315094"/>
             </a:xfrm>
             <a:prstGeom prst="rect">
               <a:avLst/>
@@ -6568,14 +7084,40 @@
         </p:sp>
         <p:sp>
           <p:nvSpPr>
-            <p:cNvPr id="98" name="rc98"/>
-            <p:cNvSpPr/>
-            <p:nvPr/>
-          </p:nvSpPr>
-          <p:spPr>
-            <a:xfrm>
-              <a:off x="7405810" y="4697870"/>
-              <a:ext cx="142218" cy="209250"/>
+            <p:cNvPr id="110" name="rc110"/>
+            <p:cNvSpPr/>
+            <p:nvPr/>
+          </p:nvSpPr>
+          <p:spPr>
+            <a:xfrm>
+              <a:off x="7247789" y="4019127"/>
+              <a:ext cx="142218" cy="887992"/>
+            </a:xfrm>
+            <a:prstGeom prst="rect">
+              <a:avLst/>
+            </a:prstGeom>
+            <a:solidFill>
+              <a:srgbClr val="CB181D">
+                <a:alpha val="100000"/>
+              </a:srgbClr>
+            </a:solidFill>
+          </p:spPr>
+          <p:txBody>
+            <a:bodyPr/>
+            <a:lstStyle/>
+            <a:p/>
+          </p:txBody>
+        </p:sp>
+        <p:sp>
+          <p:nvSpPr>
+            <p:cNvPr id="111" name="rc111"/>
+            <p:cNvSpPr/>
+            <p:nvPr/>
+          </p:nvSpPr>
+          <p:spPr>
+            <a:xfrm>
+              <a:off x="7405810" y="4706605"/>
+              <a:ext cx="142218" cy="200514"/>
             </a:xfrm>
             <a:prstGeom prst="rect">
               <a:avLst/>
@@ -6594,7 +7136,7 @@
         </p:sp>
         <p:sp>
           <p:nvSpPr>
-            <p:cNvPr id="99" name="rc99"/>
+            <p:cNvPr id="112" name="rc112"/>
             <p:cNvSpPr/>
             <p:nvPr/>
           </p:nvSpPr>
@@ -6624,7 +7166,7 @@
         </p:sp>
         <p:sp>
           <p:nvSpPr>
-            <p:cNvPr id="100" name="rc100"/>
+            <p:cNvPr id="113" name="rc113"/>
             <p:cNvSpPr/>
             <p:nvPr/>
           </p:nvSpPr>
@@ -6650,13 +7192,13 @@
         </p:sp>
         <p:sp>
           <p:nvSpPr>
-            <p:cNvPr id="101" name="pl101"/>
-            <p:cNvSpPr/>
-            <p:nvPr/>
-          </p:nvSpPr>
-          <p:spPr>
-            <a:xfrm>
-              <a:off x="7641321" y="4383995"/>
+            <p:cNvPr id="114" name="pl114"/>
+            <p:cNvSpPr/>
+            <p:nvPr/>
+          </p:nvSpPr>
+          <p:spPr>
+            <a:xfrm>
+              <a:off x="7641321" y="4549058"/>
               <a:ext cx="1295770" cy="0"/>
             </a:xfrm>
             <a:custGeom>
@@ -6693,13 +7235,13 @@
         </p:sp>
         <p:sp>
           <p:nvSpPr>
-            <p:cNvPr id="102" name="pl102"/>
-            <p:cNvSpPr/>
-            <p:nvPr/>
-          </p:nvSpPr>
-          <p:spPr>
-            <a:xfrm>
-              <a:off x="7641321" y="3337744"/>
+            <p:cNvPr id="115" name="pl115"/>
+            <p:cNvSpPr/>
+            <p:nvPr/>
+          </p:nvSpPr>
+          <p:spPr>
+            <a:xfrm>
+              <a:off x="7641321" y="3832936"/>
               <a:ext cx="1295770" cy="0"/>
             </a:xfrm>
             <a:custGeom>
@@ -6736,13 +7278,13 @@
         </p:sp>
         <p:sp>
           <p:nvSpPr>
-            <p:cNvPr id="103" name="pl103"/>
-            <p:cNvSpPr/>
-            <p:nvPr/>
-          </p:nvSpPr>
-          <p:spPr>
-            <a:xfrm>
-              <a:off x="7641321" y="2291494"/>
+            <p:cNvPr id="116" name="pl116"/>
+            <p:cNvSpPr/>
+            <p:nvPr/>
+          </p:nvSpPr>
+          <p:spPr>
+            <a:xfrm>
+              <a:off x="7641321" y="3116813"/>
               <a:ext cx="1295770" cy="0"/>
             </a:xfrm>
             <a:custGeom>
@@ -6779,7 +7321,50 @@
         </p:sp>
         <p:sp>
           <p:nvSpPr>
-            <p:cNvPr id="104" name="pl104"/>
+            <p:cNvPr id="117" name="pl117"/>
+            <p:cNvSpPr/>
+            <p:nvPr/>
+          </p:nvSpPr>
+          <p:spPr>
+            <a:xfrm>
+              <a:off x="7641321" y="2400690"/>
+              <a:ext cx="1295770" cy="0"/>
+            </a:xfrm>
+            <a:custGeom>
+              <a:avLst/>
+              <a:pathLst>
+                <a:path w="1295770" h="0">
+                  <a:moveTo>
+                    <a:pt x="0" y="0"/>
+                  </a:moveTo>
+                  <a:lnTo>
+                    <a:pt x="1295770" y="0"/>
+                  </a:lnTo>
+                  <a:lnTo>
+                    <a:pt x="1295770" y="0"/>
+                  </a:lnTo>
+                </a:path>
+              </a:pathLst>
+            </a:custGeom>
+            <a:ln w="6775" cap="flat">
+              <a:solidFill>
+                <a:srgbClr val="EBEBEB">
+                  <a:alpha val="100000"/>
+                </a:srgbClr>
+              </a:solidFill>
+              <a:prstDash val="solid"/>
+              <a:round/>
+            </a:ln>
+          </p:spPr>
+          <p:txBody>
+            <a:bodyPr/>
+            <a:lstStyle/>
+            <a:p/>
+          </p:txBody>
+        </p:sp>
+        <p:sp>
+          <p:nvSpPr>
+            <p:cNvPr id="118" name="pl118"/>
             <p:cNvSpPr/>
             <p:nvPr/>
           </p:nvSpPr>
@@ -6822,13 +7407,13 @@
         </p:sp>
         <p:sp>
           <p:nvSpPr>
-            <p:cNvPr id="105" name="pl105"/>
-            <p:cNvSpPr/>
-            <p:nvPr/>
-          </p:nvSpPr>
-          <p:spPr>
-            <a:xfrm>
-              <a:off x="7641321" y="3860869"/>
+            <p:cNvPr id="119" name="pl119"/>
+            <p:cNvSpPr/>
+            <p:nvPr/>
+          </p:nvSpPr>
+          <p:spPr>
+            <a:xfrm>
+              <a:off x="7641321" y="4190997"/>
               <a:ext cx="1295770" cy="0"/>
             </a:xfrm>
             <a:custGeom>
@@ -6865,13 +7450,13 @@
         </p:sp>
         <p:sp>
           <p:nvSpPr>
-            <p:cNvPr id="106" name="pl106"/>
-            <p:cNvSpPr/>
-            <p:nvPr/>
-          </p:nvSpPr>
-          <p:spPr>
-            <a:xfrm>
-              <a:off x="7641321" y="2814619"/>
+            <p:cNvPr id="120" name="pl120"/>
+            <p:cNvSpPr/>
+            <p:nvPr/>
+          </p:nvSpPr>
+          <p:spPr>
+            <a:xfrm>
+              <a:off x="7641321" y="3474874"/>
               <a:ext cx="1295770" cy="0"/>
             </a:xfrm>
             <a:custGeom>
@@ -6908,7 +7493,93 @@
         </p:sp>
         <p:sp>
           <p:nvSpPr>
-            <p:cNvPr id="107" name="pl107"/>
+            <p:cNvPr id="121" name="pl121"/>
+            <p:cNvSpPr/>
+            <p:nvPr/>
+          </p:nvSpPr>
+          <p:spPr>
+            <a:xfrm>
+              <a:off x="7641321" y="2758751"/>
+              <a:ext cx="1295770" cy="0"/>
+            </a:xfrm>
+            <a:custGeom>
+              <a:avLst/>
+              <a:pathLst>
+                <a:path w="1295770" h="0">
+                  <a:moveTo>
+                    <a:pt x="0" y="0"/>
+                  </a:moveTo>
+                  <a:lnTo>
+                    <a:pt x="1295770" y="0"/>
+                  </a:lnTo>
+                  <a:lnTo>
+                    <a:pt x="1295770" y="0"/>
+                  </a:lnTo>
+                </a:path>
+              </a:pathLst>
+            </a:custGeom>
+            <a:ln w="13550" cap="flat">
+              <a:solidFill>
+                <a:srgbClr val="EBEBEB">
+                  <a:alpha val="100000"/>
+                </a:srgbClr>
+              </a:solidFill>
+              <a:prstDash val="solid"/>
+              <a:round/>
+            </a:ln>
+          </p:spPr>
+          <p:txBody>
+            <a:bodyPr/>
+            <a:lstStyle/>
+            <a:p/>
+          </p:txBody>
+        </p:sp>
+        <p:sp>
+          <p:nvSpPr>
+            <p:cNvPr id="122" name="pl122"/>
+            <p:cNvSpPr/>
+            <p:nvPr/>
+          </p:nvSpPr>
+          <p:spPr>
+            <a:xfrm>
+              <a:off x="7641321" y="2042629"/>
+              <a:ext cx="1295770" cy="0"/>
+            </a:xfrm>
+            <a:custGeom>
+              <a:avLst/>
+              <a:pathLst>
+                <a:path w="1295770" h="0">
+                  <a:moveTo>
+                    <a:pt x="0" y="0"/>
+                  </a:moveTo>
+                  <a:lnTo>
+                    <a:pt x="1295770" y="0"/>
+                  </a:lnTo>
+                  <a:lnTo>
+                    <a:pt x="1295770" y="0"/>
+                  </a:lnTo>
+                </a:path>
+              </a:pathLst>
+            </a:custGeom>
+            <a:ln w="13550" cap="flat">
+              <a:solidFill>
+                <a:srgbClr val="EBEBEB">
+                  <a:alpha val="100000"/>
+                </a:srgbClr>
+              </a:solidFill>
+              <a:prstDash val="solid"/>
+              <a:round/>
+            </a:ln>
+          </p:spPr>
+          <p:txBody>
+            <a:bodyPr/>
+            <a:lstStyle/>
+            <a:p/>
+          </p:txBody>
+        </p:sp>
+        <p:sp>
+          <p:nvSpPr>
+            <p:cNvPr id="123" name="pl123"/>
             <p:cNvSpPr/>
             <p:nvPr/>
           </p:nvSpPr>
@@ -6951,7 +7622,7 @@
         </p:sp>
         <p:sp>
           <p:nvSpPr>
-            <p:cNvPr id="108" name="pl108"/>
+            <p:cNvPr id="124" name="pl124"/>
             <p:cNvSpPr/>
             <p:nvPr/>
           </p:nvSpPr>
@@ -6994,7 +7665,7 @@
         </p:sp>
         <p:sp>
           <p:nvSpPr>
-            <p:cNvPr id="109" name="pl109"/>
+            <p:cNvPr id="125" name="pl125"/>
             <p:cNvSpPr/>
             <p:nvPr/>
           </p:nvSpPr>
@@ -7037,7 +7708,7 @@
         </p:sp>
         <p:sp>
           <p:nvSpPr>
-            <p:cNvPr id="110" name="pl110"/>
+            <p:cNvPr id="126" name="pl126"/>
             <p:cNvSpPr/>
             <p:nvPr/>
           </p:nvSpPr>
@@ -7080,7 +7751,7 @@
         </p:sp>
         <p:sp>
           <p:nvSpPr>
-            <p:cNvPr id="111" name="pl111"/>
+            <p:cNvPr id="127" name="pl127"/>
             <p:cNvSpPr/>
             <p:nvPr/>
           </p:nvSpPr>
@@ -7123,7 +7794,7 @@
         </p:sp>
         <p:sp>
           <p:nvSpPr>
-            <p:cNvPr id="112" name="pl112"/>
+            <p:cNvPr id="128" name="pl128"/>
             <p:cNvSpPr/>
             <p:nvPr/>
           </p:nvSpPr>
@@ -7166,7 +7837,7 @@
         </p:sp>
         <p:sp>
           <p:nvSpPr>
-            <p:cNvPr id="113" name="pl113"/>
+            <p:cNvPr id="129" name="pl129"/>
             <p:cNvSpPr/>
             <p:nvPr/>
           </p:nvSpPr>
@@ -7209,7 +7880,7 @@
         </p:sp>
         <p:sp>
           <p:nvSpPr>
-            <p:cNvPr id="114" name="pl114"/>
+            <p:cNvPr id="130" name="pl130"/>
             <p:cNvSpPr/>
             <p:nvPr/>
           </p:nvSpPr>
@@ -7252,14 +7923,14 @@
         </p:sp>
         <p:sp>
           <p:nvSpPr>
-            <p:cNvPr id="115" name="rc115"/>
-            <p:cNvSpPr/>
-            <p:nvPr/>
-          </p:nvSpPr>
-          <p:spPr>
-            <a:xfrm>
-              <a:off x="7665024" y="4237519"/>
-              <a:ext cx="142218" cy="669600"/>
+            <p:cNvPr id="131" name="rc131"/>
+            <p:cNvSpPr/>
+            <p:nvPr/>
+          </p:nvSpPr>
+          <p:spPr>
+            <a:xfrm>
+              <a:off x="7665024" y="4592026"/>
+              <a:ext cx="142218" cy="315094"/>
             </a:xfrm>
             <a:prstGeom prst="rect">
               <a:avLst/>
@@ -7278,14 +7949,40 @@
         </p:sp>
         <p:sp>
           <p:nvSpPr>
-            <p:cNvPr id="116" name="rc116"/>
-            <p:cNvSpPr/>
-            <p:nvPr/>
-          </p:nvSpPr>
-          <p:spPr>
-            <a:xfrm>
-              <a:off x="7981066" y="4258444"/>
-              <a:ext cx="142218" cy="648675"/>
+            <p:cNvPr id="132" name="rc132"/>
+            <p:cNvSpPr/>
+            <p:nvPr/>
+          </p:nvSpPr>
+          <p:spPr>
+            <a:xfrm>
+              <a:off x="7823045" y="4506091"/>
+              <a:ext cx="142218" cy="401028"/>
+            </a:xfrm>
+            <a:prstGeom prst="rect">
+              <a:avLst/>
+            </a:prstGeom>
+            <a:solidFill>
+              <a:srgbClr val="FEE0D2">
+                <a:alpha val="100000"/>
+              </a:srgbClr>
+            </a:solidFill>
+          </p:spPr>
+          <p:txBody>
+            <a:bodyPr/>
+            <a:lstStyle/>
+            <a:p/>
+          </p:txBody>
+        </p:sp>
+        <p:sp>
+          <p:nvSpPr>
+            <p:cNvPr id="133" name="rc133"/>
+            <p:cNvSpPr/>
+            <p:nvPr/>
+          </p:nvSpPr>
+          <p:spPr>
+            <a:xfrm>
+              <a:off x="7981066" y="4620671"/>
+              <a:ext cx="142218" cy="286449"/>
             </a:xfrm>
             <a:prstGeom prst="rect">
               <a:avLst/>
@@ -7304,14 +8001,14 @@
         </p:sp>
         <p:sp>
           <p:nvSpPr>
-            <p:cNvPr id="117" name="rc117"/>
-            <p:cNvSpPr/>
-            <p:nvPr/>
-          </p:nvSpPr>
-          <p:spPr>
-            <a:xfrm>
-              <a:off x="8139087" y="4593245"/>
-              <a:ext cx="142218" cy="313875"/>
+            <p:cNvPr id="134" name="rc134"/>
+            <p:cNvSpPr/>
+            <p:nvPr/>
+          </p:nvSpPr>
+          <p:spPr>
+            <a:xfrm>
+              <a:off x="8139087" y="4792540"/>
+              <a:ext cx="142218" cy="114579"/>
             </a:xfrm>
             <a:prstGeom prst="rect">
               <a:avLst/>
@@ -7330,14 +8027,14 @@
         </p:sp>
         <p:sp>
           <p:nvSpPr>
-            <p:cNvPr id="118" name="rc118"/>
-            <p:cNvSpPr/>
-            <p:nvPr/>
-          </p:nvSpPr>
-          <p:spPr>
-            <a:xfrm>
-              <a:off x="8297108" y="4865270"/>
-              <a:ext cx="142218" cy="41850"/>
+            <p:cNvPr id="135" name="rc135"/>
+            <p:cNvSpPr/>
+            <p:nvPr/>
+          </p:nvSpPr>
+          <p:spPr>
+            <a:xfrm>
+              <a:off x="8297108" y="4649315"/>
+              <a:ext cx="142218" cy="257804"/>
             </a:xfrm>
             <a:prstGeom prst="rect">
               <a:avLst/>
@@ -7356,14 +8053,14 @@
         </p:sp>
         <p:sp>
           <p:nvSpPr>
-            <p:cNvPr id="119" name="rc119"/>
-            <p:cNvSpPr/>
-            <p:nvPr/>
-          </p:nvSpPr>
-          <p:spPr>
-            <a:xfrm>
-              <a:off x="8455128" y="4760645"/>
-              <a:ext cx="142218" cy="146475"/>
+            <p:cNvPr id="136" name="rc136"/>
+            <p:cNvSpPr/>
+            <p:nvPr/>
+          </p:nvSpPr>
+          <p:spPr>
+            <a:xfrm>
+              <a:off x="8455128" y="4534736"/>
+              <a:ext cx="142218" cy="372383"/>
             </a:xfrm>
             <a:prstGeom prst="rect">
               <a:avLst/>
@@ -7382,14 +8079,14 @@
         </p:sp>
         <p:sp>
           <p:nvSpPr>
-            <p:cNvPr id="120" name="rc120"/>
-            <p:cNvSpPr/>
-            <p:nvPr/>
-          </p:nvSpPr>
-          <p:spPr>
-            <a:xfrm>
-              <a:off x="8613149" y="4865270"/>
-              <a:ext cx="142218" cy="41850"/>
+            <p:cNvPr id="137" name="rc137"/>
+            <p:cNvSpPr/>
+            <p:nvPr/>
+          </p:nvSpPr>
+          <p:spPr>
+            <a:xfrm>
+              <a:off x="8613149" y="4133707"/>
+              <a:ext cx="142218" cy="773412"/>
             </a:xfrm>
             <a:prstGeom prst="rect">
               <a:avLst/>
@@ -7408,14 +8105,14 @@
         </p:sp>
         <p:sp>
           <p:nvSpPr>
-            <p:cNvPr id="121" name="rc121"/>
-            <p:cNvSpPr/>
-            <p:nvPr/>
-          </p:nvSpPr>
-          <p:spPr>
-            <a:xfrm>
-              <a:off x="8771170" y="4718795"/>
-              <a:ext cx="142218" cy="188325"/>
+            <p:cNvPr id="138" name="rc138"/>
+            <p:cNvSpPr/>
+            <p:nvPr/>
+          </p:nvSpPr>
+          <p:spPr>
+            <a:xfrm>
+              <a:off x="8771170" y="4620671"/>
+              <a:ext cx="142218" cy="286449"/>
             </a:xfrm>
             <a:prstGeom prst="rect">
               <a:avLst/>
@@ -7434,7 +8131,7 @@
         </p:sp>
         <p:sp>
           <p:nvSpPr>
-            <p:cNvPr id="122" name="rc122"/>
+            <p:cNvPr id="139" name="rc139"/>
             <p:cNvSpPr/>
             <p:nvPr/>
           </p:nvSpPr>
@@ -7464,7 +8161,7 @@
         </p:sp>
         <p:sp>
           <p:nvSpPr>
-            <p:cNvPr id="123" name="rc123"/>
+            <p:cNvPr id="140" name="rc140"/>
             <p:cNvSpPr/>
             <p:nvPr/>
           </p:nvSpPr>
@@ -7499,7 +8196,7 @@
         </p:sp>
         <p:sp>
           <p:nvSpPr>
-            <p:cNvPr id="124" name="tx124"/>
+            <p:cNvPr id="141" name="tx141"/>
             <p:cNvSpPr/>
             <p:nvPr/>
           </p:nvSpPr>
@@ -7545,7 +8242,7 @@
         </p:sp>
         <p:sp>
           <p:nvSpPr>
-            <p:cNvPr id="125" name="rc125"/>
+            <p:cNvPr id="142" name="rc142"/>
             <p:cNvSpPr/>
             <p:nvPr/>
           </p:nvSpPr>
@@ -7580,7 +8277,7 @@
         </p:sp>
         <p:sp>
           <p:nvSpPr>
-            <p:cNvPr id="126" name="tx126"/>
+            <p:cNvPr id="143" name="tx143"/>
             <p:cNvSpPr/>
             <p:nvPr/>
           </p:nvSpPr>
@@ -7626,7 +8323,7 @@
         </p:sp>
         <p:sp>
           <p:nvSpPr>
-            <p:cNvPr id="127" name="rc127"/>
+            <p:cNvPr id="144" name="rc144"/>
             <p:cNvSpPr/>
             <p:nvPr/>
           </p:nvSpPr>
@@ -7661,7 +8358,7 @@
         </p:sp>
         <p:sp>
           <p:nvSpPr>
-            <p:cNvPr id="128" name="tx128"/>
+            <p:cNvPr id="145" name="tx145"/>
             <p:cNvSpPr/>
             <p:nvPr/>
           </p:nvSpPr>
@@ -7707,7 +8404,7 @@
         </p:sp>
         <p:sp>
           <p:nvSpPr>
-            <p:cNvPr id="129" name="rc129"/>
+            <p:cNvPr id="146" name="rc146"/>
             <p:cNvSpPr/>
             <p:nvPr/>
           </p:nvSpPr>
@@ -7742,7 +8439,7 @@
         </p:sp>
         <p:sp>
           <p:nvSpPr>
-            <p:cNvPr id="130" name="tx130"/>
+            <p:cNvPr id="147" name="tx147"/>
             <p:cNvSpPr/>
             <p:nvPr/>
           </p:nvSpPr>
@@ -7788,7 +8485,7 @@
         </p:sp>
         <p:sp>
           <p:nvSpPr>
-            <p:cNvPr id="131" name="rc131"/>
+            <p:cNvPr id="148" name="rc148"/>
             <p:cNvSpPr/>
             <p:nvPr/>
           </p:nvSpPr>
@@ -7823,7 +8520,7 @@
         </p:sp>
         <p:sp>
           <p:nvSpPr>
-            <p:cNvPr id="132" name="tx132"/>
+            <p:cNvPr id="149" name="tx149"/>
             <p:cNvSpPr/>
             <p:nvPr/>
           </p:nvSpPr>
@@ -7869,7 +8566,7 @@
         </p:sp>
         <p:sp>
           <p:nvSpPr>
-            <p:cNvPr id="133" name="pl133"/>
+            <p:cNvPr id="150" name="pl150"/>
             <p:cNvSpPr/>
             <p:nvPr/>
           </p:nvSpPr>
@@ -7909,7 +8606,7 @@
         </p:sp>
         <p:sp>
           <p:nvSpPr>
-            <p:cNvPr id="134" name="pl134"/>
+            <p:cNvPr id="151" name="pl151"/>
             <p:cNvSpPr/>
             <p:nvPr/>
           </p:nvSpPr>
@@ -7949,7 +8646,7 @@
         </p:sp>
         <p:sp>
           <p:nvSpPr>
-            <p:cNvPr id="135" name="pl135"/>
+            <p:cNvPr id="152" name="pl152"/>
             <p:cNvSpPr/>
             <p:nvPr/>
           </p:nvSpPr>
@@ -7989,7 +8686,7 @@
         </p:sp>
         <p:sp>
           <p:nvSpPr>
-            <p:cNvPr id="136" name="pl136"/>
+            <p:cNvPr id="153" name="pl153"/>
             <p:cNvSpPr/>
             <p:nvPr/>
           </p:nvSpPr>
@@ -8029,7 +8726,7 @@
         </p:sp>
         <p:sp>
           <p:nvSpPr>
-            <p:cNvPr id="137" name="pl137"/>
+            <p:cNvPr id="154" name="pl154"/>
             <p:cNvSpPr/>
             <p:nvPr/>
           </p:nvSpPr>
@@ -8069,7 +8766,7 @@
         </p:sp>
         <p:sp>
           <p:nvSpPr>
-            <p:cNvPr id="138" name="pl138"/>
+            <p:cNvPr id="155" name="pl155"/>
             <p:cNvSpPr/>
             <p:nvPr/>
           </p:nvSpPr>
@@ -8109,7 +8806,7 @@
         </p:sp>
         <p:sp>
           <p:nvSpPr>
-            <p:cNvPr id="139" name="pl139"/>
+            <p:cNvPr id="156" name="pl156"/>
             <p:cNvSpPr/>
             <p:nvPr/>
           </p:nvSpPr>
@@ -8149,7 +8846,7 @@
         </p:sp>
         <p:sp>
           <p:nvSpPr>
-            <p:cNvPr id="140" name="pl140"/>
+            <p:cNvPr id="157" name="pl157"/>
             <p:cNvSpPr/>
             <p:nvPr/>
           </p:nvSpPr>
@@ -8189,7 +8886,7 @@
         </p:sp>
         <p:sp>
           <p:nvSpPr>
-            <p:cNvPr id="141" name="pl141"/>
+            <p:cNvPr id="158" name="pl158"/>
             <p:cNvSpPr/>
             <p:nvPr/>
           </p:nvSpPr>
@@ -8229,7 +8926,7 @@
         </p:sp>
         <p:sp>
           <p:nvSpPr>
-            <p:cNvPr id="142" name="pl142"/>
+            <p:cNvPr id="159" name="pl159"/>
             <p:cNvSpPr/>
             <p:nvPr/>
           </p:nvSpPr>
@@ -8269,7 +8966,7 @@
         </p:sp>
         <p:sp>
           <p:nvSpPr>
-            <p:cNvPr id="143" name="pl143"/>
+            <p:cNvPr id="160" name="pl160"/>
             <p:cNvSpPr/>
             <p:nvPr/>
           </p:nvSpPr>
@@ -8309,7 +9006,7 @@
         </p:sp>
         <p:sp>
           <p:nvSpPr>
-            <p:cNvPr id="144" name="pl144"/>
+            <p:cNvPr id="161" name="pl161"/>
             <p:cNvSpPr/>
             <p:nvPr/>
           </p:nvSpPr>
@@ -8349,7 +9046,7 @@
         </p:sp>
         <p:sp>
           <p:nvSpPr>
-            <p:cNvPr id="145" name="pl145"/>
+            <p:cNvPr id="162" name="pl162"/>
             <p:cNvSpPr/>
             <p:nvPr/>
           </p:nvSpPr>
@@ -8389,7 +9086,7 @@
         </p:sp>
         <p:sp>
           <p:nvSpPr>
-            <p:cNvPr id="146" name="pl146"/>
+            <p:cNvPr id="163" name="pl163"/>
             <p:cNvSpPr/>
             <p:nvPr/>
           </p:nvSpPr>
@@ -8429,7 +9126,7 @@
         </p:sp>
         <p:sp>
           <p:nvSpPr>
-            <p:cNvPr id="147" name="pl147"/>
+            <p:cNvPr id="164" name="pl164"/>
             <p:cNvSpPr/>
             <p:nvPr/>
           </p:nvSpPr>
@@ -8469,7 +9166,7 @@
         </p:sp>
         <p:sp>
           <p:nvSpPr>
-            <p:cNvPr id="148" name="pl148"/>
+            <p:cNvPr id="165" name="pl165"/>
             <p:cNvSpPr/>
             <p:nvPr/>
           </p:nvSpPr>
@@ -8509,7 +9206,7 @@
         </p:sp>
         <p:sp>
           <p:nvSpPr>
-            <p:cNvPr id="149" name="pl149"/>
+            <p:cNvPr id="166" name="pl166"/>
             <p:cNvSpPr/>
             <p:nvPr/>
           </p:nvSpPr>
@@ -8549,7 +9246,7 @@
         </p:sp>
         <p:sp>
           <p:nvSpPr>
-            <p:cNvPr id="150" name="pl150"/>
+            <p:cNvPr id="167" name="pl167"/>
             <p:cNvSpPr/>
             <p:nvPr/>
           </p:nvSpPr>
@@ -8589,7 +9286,7 @@
         </p:sp>
         <p:sp>
           <p:nvSpPr>
-            <p:cNvPr id="151" name="pl151"/>
+            <p:cNvPr id="168" name="pl168"/>
             <p:cNvSpPr/>
             <p:nvPr/>
           </p:nvSpPr>
@@ -8629,7 +9326,7 @@
         </p:sp>
         <p:sp>
           <p:nvSpPr>
-            <p:cNvPr id="152" name="pl152"/>
+            <p:cNvPr id="169" name="pl169"/>
             <p:cNvSpPr/>
             <p:nvPr/>
           </p:nvSpPr>
@@ -8669,7 +9366,7 @@
         </p:sp>
         <p:sp>
           <p:nvSpPr>
-            <p:cNvPr id="153" name="pl153"/>
+            <p:cNvPr id="170" name="pl170"/>
             <p:cNvSpPr/>
             <p:nvPr/>
           </p:nvSpPr>
@@ -8709,7 +9406,7 @@
         </p:sp>
         <p:sp>
           <p:nvSpPr>
-            <p:cNvPr id="154" name="pl154"/>
+            <p:cNvPr id="171" name="pl171"/>
             <p:cNvSpPr/>
             <p:nvPr/>
           </p:nvSpPr>
@@ -8749,7 +9446,7 @@
         </p:sp>
         <p:sp>
           <p:nvSpPr>
-            <p:cNvPr id="155" name="pl155"/>
+            <p:cNvPr id="172" name="pl172"/>
             <p:cNvSpPr/>
             <p:nvPr/>
           </p:nvSpPr>
@@ -8789,7 +9486,7 @@
         </p:sp>
         <p:sp>
           <p:nvSpPr>
-            <p:cNvPr id="156" name="pl156"/>
+            <p:cNvPr id="173" name="pl173"/>
             <p:cNvSpPr/>
             <p:nvPr/>
           </p:nvSpPr>
@@ -8829,7 +9526,7 @@
         </p:sp>
         <p:sp>
           <p:nvSpPr>
-            <p:cNvPr id="157" name="pl157"/>
+            <p:cNvPr id="174" name="pl174"/>
             <p:cNvSpPr/>
             <p:nvPr/>
           </p:nvSpPr>
@@ -8869,7 +9566,7 @@
         </p:sp>
         <p:sp>
           <p:nvSpPr>
-            <p:cNvPr id="158" name="pl158"/>
+            <p:cNvPr id="175" name="pl175"/>
             <p:cNvSpPr/>
             <p:nvPr/>
           </p:nvSpPr>
@@ -8909,7 +9606,7 @@
         </p:sp>
         <p:sp>
           <p:nvSpPr>
-            <p:cNvPr id="159" name="pl159"/>
+            <p:cNvPr id="176" name="pl176"/>
             <p:cNvSpPr/>
             <p:nvPr/>
           </p:nvSpPr>
@@ -8949,7 +9646,7 @@
         </p:sp>
         <p:sp>
           <p:nvSpPr>
-            <p:cNvPr id="160" name="pl160"/>
+            <p:cNvPr id="177" name="pl177"/>
             <p:cNvSpPr/>
             <p:nvPr/>
           </p:nvSpPr>
@@ -8989,7 +9686,7 @@
         </p:sp>
         <p:sp>
           <p:nvSpPr>
-            <p:cNvPr id="161" name="pl161"/>
+            <p:cNvPr id="178" name="pl178"/>
             <p:cNvSpPr/>
             <p:nvPr/>
           </p:nvSpPr>
@@ -9029,7 +9726,7 @@
         </p:sp>
         <p:sp>
           <p:nvSpPr>
-            <p:cNvPr id="162" name="pl162"/>
+            <p:cNvPr id="179" name="pl179"/>
             <p:cNvSpPr/>
             <p:nvPr/>
           </p:nvSpPr>
@@ -9069,7 +9766,7 @@
         </p:sp>
         <p:sp>
           <p:nvSpPr>
-            <p:cNvPr id="163" name="pl163"/>
+            <p:cNvPr id="180" name="pl180"/>
             <p:cNvSpPr/>
             <p:nvPr/>
           </p:nvSpPr>
@@ -9109,7 +9806,7 @@
         </p:sp>
         <p:sp>
           <p:nvSpPr>
-            <p:cNvPr id="164" name="pl164"/>
+            <p:cNvPr id="181" name="pl181"/>
             <p:cNvSpPr/>
             <p:nvPr/>
           </p:nvSpPr>
@@ -9149,7 +9846,7 @@
         </p:sp>
         <p:sp>
           <p:nvSpPr>
-            <p:cNvPr id="165" name="pl165"/>
+            <p:cNvPr id="182" name="pl182"/>
             <p:cNvSpPr/>
             <p:nvPr/>
           </p:nvSpPr>
@@ -9189,7 +9886,7 @@
         </p:sp>
         <p:sp>
           <p:nvSpPr>
-            <p:cNvPr id="166" name="pl166"/>
+            <p:cNvPr id="183" name="pl183"/>
             <p:cNvSpPr/>
             <p:nvPr/>
           </p:nvSpPr>
@@ -9229,7 +9926,7 @@
         </p:sp>
         <p:sp>
           <p:nvSpPr>
-            <p:cNvPr id="167" name="pl167"/>
+            <p:cNvPr id="184" name="pl184"/>
             <p:cNvSpPr/>
             <p:nvPr/>
           </p:nvSpPr>
@@ -9269,7 +9966,7 @@
         </p:sp>
         <p:sp>
           <p:nvSpPr>
-            <p:cNvPr id="168" name="pl168"/>
+            <p:cNvPr id="185" name="pl185"/>
             <p:cNvSpPr/>
             <p:nvPr/>
           </p:nvSpPr>
@@ -9309,7 +10006,7 @@
         </p:sp>
         <p:sp>
           <p:nvSpPr>
-            <p:cNvPr id="169" name="pl169"/>
+            <p:cNvPr id="186" name="pl186"/>
             <p:cNvSpPr/>
             <p:nvPr/>
           </p:nvSpPr>
@@ -9349,7 +10046,7 @@
         </p:sp>
         <p:sp>
           <p:nvSpPr>
-            <p:cNvPr id="170" name="pl170"/>
+            <p:cNvPr id="187" name="pl187"/>
             <p:cNvSpPr/>
             <p:nvPr/>
           </p:nvSpPr>
@@ -9389,7 +10086,7 @@
         </p:sp>
         <p:sp>
           <p:nvSpPr>
-            <p:cNvPr id="171" name="pl171"/>
+            <p:cNvPr id="188" name="pl188"/>
             <p:cNvSpPr/>
             <p:nvPr/>
           </p:nvSpPr>
@@ -9429,7 +10126,7 @@
         </p:sp>
         <p:sp>
           <p:nvSpPr>
-            <p:cNvPr id="172" name="pl172"/>
+            <p:cNvPr id="189" name="pl189"/>
             <p:cNvSpPr/>
             <p:nvPr/>
           </p:nvSpPr>
@@ -9469,7 +10166,7 @@
         </p:sp>
         <p:sp>
           <p:nvSpPr>
-            <p:cNvPr id="173" name="tx173"/>
+            <p:cNvPr id="190" name="tx190"/>
             <p:cNvSpPr/>
             <p:nvPr/>
           </p:nvSpPr>
@@ -9515,13 +10212,59 @@
         </p:sp>
         <p:sp>
           <p:nvSpPr>
-            <p:cNvPr id="174" name="tx174"/>
-            <p:cNvSpPr/>
-            <p:nvPr/>
-          </p:nvSpPr>
-          <p:spPr>
-            <a:xfrm>
-              <a:off x="1992940" y="3819178"/>
+            <p:cNvPr id="191" name="tx191"/>
+            <p:cNvSpPr/>
+            <p:nvPr/>
+          </p:nvSpPr>
+          <p:spPr>
+            <a:xfrm>
+              <a:off x="1992940" y="4149305"/>
+              <a:ext cx="124311" cy="81691"/>
+            </a:xfrm>
+            <a:prstGeom prst="rect">
+              <a:avLst/>
+            </a:prstGeom>
+            <a:noFill/>
+          </p:spPr>
+          <p:txBody>
+            <a:bodyPr lIns="0" rIns="0" tIns="0" bIns="0" anchorCtr="1" anchor="ctr" wrap="none"/>
+            <a:lstStyle/>
+            <a:p>
+              <a:pPr algn="l" marL="0" marR="0" indent="0">
+                <a:lnSpc>
+                  <a:spcPts val="880"/>
+                </a:lnSpc>
+                <a:spcBef>
+                  <a:spcPts val="0"/>
+                </a:spcBef>
+                <a:spcAft>
+                  <a:spcPts val="0"/>
+                </a:spcAft>
+              </a:pPr>
+              <a:r>
+                <a:rPr sz="880">
+                  <a:solidFill>
+                    <a:srgbClr val="4D4D4D">
+                      <a:alpha val="100000"/>
+                    </a:srgbClr>
+                  </a:solidFill>
+                  <a:latin typeface="Arial"/>
+                  <a:cs typeface="Arial"/>
+                </a:rPr>
+                <a:t>25</a:t>
+              </a:r>
+            </a:p>
+          </p:txBody>
+        </p:sp>
+        <p:sp>
+          <p:nvSpPr>
+            <p:cNvPr id="192" name="tx192"/>
+            <p:cNvSpPr/>
+            <p:nvPr/>
+          </p:nvSpPr>
+          <p:spPr>
+            <a:xfrm>
+              <a:off x="1992940" y="3433182"/>
               <a:ext cx="124311" cy="81691"/>
             </a:xfrm>
             <a:prstGeom prst="rect">
@@ -9561,13 +10304,59 @@
         </p:sp>
         <p:sp>
           <p:nvSpPr>
-            <p:cNvPr id="175" name="tx175"/>
-            <p:cNvSpPr/>
-            <p:nvPr/>
-          </p:nvSpPr>
-          <p:spPr>
-            <a:xfrm>
-              <a:off x="1930784" y="2772927"/>
+            <p:cNvPr id="193" name="tx193"/>
+            <p:cNvSpPr/>
+            <p:nvPr/>
+          </p:nvSpPr>
+          <p:spPr>
+            <a:xfrm>
+              <a:off x="1992940" y="2718424"/>
+              <a:ext cx="124311" cy="80327"/>
+            </a:xfrm>
+            <a:prstGeom prst="rect">
+              <a:avLst/>
+            </a:prstGeom>
+            <a:noFill/>
+          </p:spPr>
+          <p:txBody>
+            <a:bodyPr lIns="0" rIns="0" tIns="0" bIns="0" anchorCtr="1" anchor="ctr" wrap="none"/>
+            <a:lstStyle/>
+            <a:p>
+              <a:pPr algn="l" marL="0" marR="0" indent="0">
+                <a:lnSpc>
+                  <a:spcPts val="880"/>
+                </a:lnSpc>
+                <a:spcBef>
+                  <a:spcPts val="0"/>
+                </a:spcBef>
+                <a:spcAft>
+                  <a:spcPts val="0"/>
+                </a:spcAft>
+              </a:pPr>
+              <a:r>
+                <a:rPr sz="880">
+                  <a:solidFill>
+                    <a:srgbClr val="4D4D4D">
+                      <a:alpha val="100000"/>
+                    </a:srgbClr>
+                  </a:solidFill>
+                  <a:latin typeface="Arial"/>
+                  <a:cs typeface="Arial"/>
+                </a:rPr>
+                <a:t>75</a:t>
+              </a:r>
+            </a:p>
+          </p:txBody>
+        </p:sp>
+        <p:sp>
+          <p:nvSpPr>
+            <p:cNvPr id="194" name="tx194"/>
+            <p:cNvSpPr/>
+            <p:nvPr/>
+          </p:nvSpPr>
+          <p:spPr>
+            <a:xfrm>
+              <a:off x="1930784" y="2000937"/>
               <a:ext cx="186466" cy="81691"/>
             </a:xfrm>
             <a:prstGeom prst="rect">
@@ -9607,7 +10396,7 @@
         </p:sp>
         <p:sp>
           <p:nvSpPr>
-            <p:cNvPr id="176" name="pl176"/>
+            <p:cNvPr id="195" name="pl195"/>
             <p:cNvSpPr/>
             <p:nvPr/>
           </p:nvSpPr>
@@ -9647,13 +10436,13 @@
         </p:sp>
         <p:sp>
           <p:nvSpPr>
-            <p:cNvPr id="177" name="pl177"/>
-            <p:cNvSpPr/>
-            <p:nvPr/>
-          </p:nvSpPr>
-          <p:spPr>
-            <a:xfrm>
-              <a:off x="2145087" y="3860869"/>
+            <p:cNvPr id="196" name="pl196"/>
+            <p:cNvSpPr/>
+            <p:nvPr/>
+          </p:nvSpPr>
+          <p:spPr>
+            <a:xfrm>
+              <a:off x="2145087" y="4190997"/>
               <a:ext cx="34794" cy="0"/>
             </a:xfrm>
             <a:custGeom>
@@ -9687,13 +10476,13 @@
         </p:sp>
         <p:sp>
           <p:nvSpPr>
-            <p:cNvPr id="178" name="pl178"/>
-            <p:cNvSpPr/>
-            <p:nvPr/>
-          </p:nvSpPr>
-          <p:spPr>
-            <a:xfrm>
-              <a:off x="2145087" y="2814619"/>
+            <p:cNvPr id="197" name="pl197"/>
+            <p:cNvSpPr/>
+            <p:nvPr/>
+          </p:nvSpPr>
+          <p:spPr>
+            <a:xfrm>
+              <a:off x="2145087" y="3474874"/>
               <a:ext cx="34794" cy="0"/>
             </a:xfrm>
             <a:custGeom>
@@ -9727,14 +10516,94 @@
         </p:sp>
         <p:sp>
           <p:nvSpPr>
-            <p:cNvPr id="179" name="rc179"/>
-            <p:cNvSpPr/>
-            <p:nvPr/>
-          </p:nvSpPr>
-          <p:spPr>
-            <a:xfrm>
-              <a:off x="3716640" y="5394142"/>
-              <a:ext cx="3683692" cy="578090"/>
+            <p:cNvPr id="198" name="pl198"/>
+            <p:cNvSpPr/>
+            <p:nvPr/>
+          </p:nvSpPr>
+          <p:spPr>
+            <a:xfrm>
+              <a:off x="2145087" y="2758751"/>
+              <a:ext cx="34794" cy="0"/>
+            </a:xfrm>
+            <a:custGeom>
+              <a:avLst/>
+              <a:pathLst>
+                <a:path w="34794" h="0">
+                  <a:moveTo>
+                    <a:pt x="0" y="0"/>
+                  </a:moveTo>
+                  <a:lnTo>
+                    <a:pt x="34794" y="0"/>
+                  </a:lnTo>
+                </a:path>
+              </a:pathLst>
+            </a:custGeom>
+            <a:ln w="13550" cap="flat">
+              <a:solidFill>
+                <a:srgbClr val="333333">
+                  <a:alpha val="100000"/>
+                </a:srgbClr>
+              </a:solidFill>
+              <a:prstDash val="solid"/>
+              <a:round/>
+            </a:ln>
+          </p:spPr>
+          <p:txBody>
+            <a:bodyPr/>
+            <a:lstStyle/>
+            <a:p/>
+          </p:txBody>
+        </p:sp>
+        <p:sp>
+          <p:nvSpPr>
+            <p:cNvPr id="199" name="pl199"/>
+            <p:cNvSpPr/>
+            <p:nvPr/>
+          </p:nvSpPr>
+          <p:spPr>
+            <a:xfrm>
+              <a:off x="2145087" y="2042629"/>
+              <a:ext cx="34794" cy="0"/>
+            </a:xfrm>
+            <a:custGeom>
+              <a:avLst/>
+              <a:pathLst>
+                <a:path w="34794" h="0">
+                  <a:moveTo>
+                    <a:pt x="0" y="0"/>
+                  </a:moveTo>
+                  <a:lnTo>
+                    <a:pt x="34794" y="0"/>
+                  </a:lnTo>
+                </a:path>
+              </a:pathLst>
+            </a:custGeom>
+            <a:ln w="13550" cap="flat">
+              <a:solidFill>
+                <a:srgbClr val="333333">
+                  <a:alpha val="100000"/>
+                </a:srgbClr>
+              </a:solidFill>
+              <a:prstDash val="solid"/>
+              <a:round/>
+            </a:ln>
+          </p:spPr>
+          <p:txBody>
+            <a:bodyPr/>
+            <a:lstStyle/>
+            <a:p/>
+          </p:txBody>
+        </p:sp>
+        <p:sp>
+          <p:nvSpPr>
+            <p:cNvPr id="200" name="rc200"/>
+            <p:cNvSpPr/>
+            <p:nvPr/>
+          </p:nvSpPr>
+          <p:spPr>
+            <a:xfrm>
+              <a:off x="2202794" y="5394142"/>
+              <a:ext cx="6711385" cy="578090"/>
             </a:xfrm>
             <a:prstGeom prst="rect">
               <a:avLst/>
@@ -9753,14 +10622,14 @@
         </p:sp>
         <p:sp>
           <p:nvSpPr>
-            <p:cNvPr id="180" name="rc180"/>
-            <p:cNvSpPr/>
-            <p:nvPr/>
-          </p:nvSpPr>
-          <p:spPr>
-            <a:xfrm>
-              <a:off x="3855818" y="5463731"/>
-              <a:ext cx="219455" cy="219455"/>
+            <p:cNvPr id="201" name="rc201"/>
+            <p:cNvSpPr/>
+            <p:nvPr/>
+          </p:nvSpPr>
+          <p:spPr>
+            <a:xfrm>
+              <a:off x="2341972" y="5463731"/>
+              <a:ext cx="219456" cy="219455"/>
             </a:xfrm>
             <a:prstGeom prst="rect">
               <a:avLst/>
@@ -9779,14 +10648,14 @@
         </p:sp>
         <p:sp>
           <p:nvSpPr>
-            <p:cNvPr id="181" name="rc181"/>
-            <p:cNvSpPr/>
-            <p:nvPr/>
-          </p:nvSpPr>
-          <p:spPr>
-            <a:xfrm>
-              <a:off x="3864818" y="5472731"/>
-              <a:ext cx="201456" cy="201456"/>
+            <p:cNvPr id="202" name="rc202"/>
+            <p:cNvSpPr/>
+            <p:nvPr/>
+          </p:nvSpPr>
+          <p:spPr>
+            <a:xfrm>
+              <a:off x="2350972" y="5472731"/>
+              <a:ext cx="201455" cy="201456"/>
             </a:xfrm>
             <a:prstGeom prst="rect">
               <a:avLst/>
@@ -9805,14 +10674,14 @@
         </p:sp>
         <p:sp>
           <p:nvSpPr>
-            <p:cNvPr id="182" name="rc182"/>
-            <p:cNvSpPr/>
-            <p:nvPr/>
-          </p:nvSpPr>
-          <p:spPr>
-            <a:xfrm>
-              <a:off x="3855818" y="5683187"/>
-              <a:ext cx="219455" cy="219455"/>
+            <p:cNvPr id="203" name="rc203"/>
+            <p:cNvSpPr/>
+            <p:nvPr/>
+          </p:nvSpPr>
+          <p:spPr>
+            <a:xfrm>
+              <a:off x="2341972" y="5683187"/>
+              <a:ext cx="219456" cy="219455"/>
             </a:xfrm>
             <a:prstGeom prst="rect">
               <a:avLst/>
@@ -9831,14 +10700,14 @@
         </p:sp>
         <p:sp>
           <p:nvSpPr>
-            <p:cNvPr id="183" name="rc183"/>
-            <p:cNvSpPr/>
-            <p:nvPr/>
-          </p:nvSpPr>
-          <p:spPr>
-            <a:xfrm>
-              <a:off x="3864818" y="5692187"/>
-              <a:ext cx="201456" cy="201456"/>
+            <p:cNvPr id="204" name="rc204"/>
+            <p:cNvSpPr/>
+            <p:nvPr/>
+          </p:nvSpPr>
+          <p:spPr>
+            <a:xfrm>
+              <a:off x="2350972" y="5692187"/>
+              <a:ext cx="201455" cy="201456"/>
             </a:xfrm>
             <a:prstGeom prst="rect">
               <a:avLst/>
@@ -9857,14 +10726,14 @@
         </p:sp>
         <p:sp>
           <p:nvSpPr>
-            <p:cNvPr id="184" name="rc184"/>
-            <p:cNvSpPr/>
-            <p:nvPr/>
-          </p:nvSpPr>
-          <p:spPr>
-            <a:xfrm>
-              <a:off x="4630733" y="5463731"/>
-              <a:ext cx="219456" cy="219455"/>
+            <p:cNvPr id="205" name="rc205"/>
+            <p:cNvSpPr/>
+            <p:nvPr/>
+          </p:nvSpPr>
+          <p:spPr>
+            <a:xfrm>
+              <a:off x="3669642" y="5463731"/>
+              <a:ext cx="219455" cy="219455"/>
             </a:xfrm>
             <a:prstGeom prst="rect">
               <a:avLst/>
@@ -9883,13 +10752,13 @@
         </p:sp>
         <p:sp>
           <p:nvSpPr>
-            <p:cNvPr id="185" name="rc185"/>
-            <p:cNvSpPr/>
-            <p:nvPr/>
-          </p:nvSpPr>
-          <p:spPr>
-            <a:xfrm>
-              <a:off x="4639733" y="5472731"/>
+            <p:cNvPr id="206" name="rc206"/>
+            <p:cNvSpPr/>
+            <p:nvPr/>
+          </p:nvSpPr>
+          <p:spPr>
+            <a:xfrm>
+              <a:off x="3678642" y="5472731"/>
               <a:ext cx="201456" cy="201456"/>
             </a:xfrm>
             <a:prstGeom prst="rect">
@@ -9909,14 +10778,14 @@
         </p:sp>
         <p:sp>
           <p:nvSpPr>
-            <p:cNvPr id="186" name="rc186"/>
-            <p:cNvSpPr/>
-            <p:nvPr/>
-          </p:nvSpPr>
-          <p:spPr>
-            <a:xfrm>
-              <a:off x="4630733" y="5683187"/>
-              <a:ext cx="219456" cy="219455"/>
+            <p:cNvPr id="207" name="rc207"/>
+            <p:cNvSpPr/>
+            <p:nvPr/>
+          </p:nvSpPr>
+          <p:spPr>
+            <a:xfrm>
+              <a:off x="3669642" y="5683187"/>
+              <a:ext cx="219455" cy="219455"/>
             </a:xfrm>
             <a:prstGeom prst="rect">
               <a:avLst/>
@@ -9935,13 +10804,13 @@
         </p:sp>
         <p:sp>
           <p:nvSpPr>
-            <p:cNvPr id="187" name="rc187"/>
-            <p:cNvSpPr/>
-            <p:nvPr/>
-          </p:nvSpPr>
-          <p:spPr>
-            <a:xfrm>
-              <a:off x="4639733" y="5692187"/>
+            <p:cNvPr id="208" name="rc208"/>
+            <p:cNvSpPr/>
+            <p:nvPr/>
+          </p:nvSpPr>
+          <p:spPr>
+            <a:xfrm>
+              <a:off x="3678642" y="5692187"/>
               <a:ext cx="201456" cy="201456"/>
             </a:xfrm>
             <a:prstGeom prst="rect">
@@ -9961,13 +10830,13 @@
         </p:sp>
         <p:sp>
           <p:nvSpPr>
-            <p:cNvPr id="188" name="rc188"/>
-            <p:cNvSpPr/>
-            <p:nvPr/>
-          </p:nvSpPr>
-          <p:spPr>
-            <a:xfrm>
-              <a:off x="5532749" y="5463731"/>
+            <p:cNvPr id="209" name="rc209"/>
+            <p:cNvSpPr/>
+            <p:nvPr/>
+          </p:nvSpPr>
+          <p:spPr>
+            <a:xfrm>
+              <a:off x="4571658" y="5463731"/>
               <a:ext cx="219455" cy="219455"/>
             </a:xfrm>
             <a:prstGeom prst="rect">
@@ -9987,13 +10856,13 @@
         </p:sp>
         <p:sp>
           <p:nvSpPr>
-            <p:cNvPr id="189" name="rc189"/>
-            <p:cNvSpPr/>
-            <p:nvPr/>
-          </p:nvSpPr>
-          <p:spPr>
-            <a:xfrm>
-              <a:off x="5541749" y="5472731"/>
+            <p:cNvPr id="210" name="rc210"/>
+            <p:cNvSpPr/>
+            <p:nvPr/>
+          </p:nvSpPr>
+          <p:spPr>
+            <a:xfrm>
+              <a:off x="4580658" y="5472731"/>
               <a:ext cx="201456" cy="201456"/>
             </a:xfrm>
             <a:prstGeom prst="rect">
@@ -10013,13 +10882,13 @@
         </p:sp>
         <p:sp>
           <p:nvSpPr>
-            <p:cNvPr id="190" name="rc190"/>
-            <p:cNvSpPr/>
-            <p:nvPr/>
-          </p:nvSpPr>
-          <p:spPr>
-            <a:xfrm>
-              <a:off x="5532749" y="5683187"/>
+            <p:cNvPr id="211" name="rc211"/>
+            <p:cNvSpPr/>
+            <p:nvPr/>
+          </p:nvSpPr>
+          <p:spPr>
+            <a:xfrm>
+              <a:off x="4571658" y="5683187"/>
               <a:ext cx="219455" cy="219455"/>
             </a:xfrm>
             <a:prstGeom prst="rect">
@@ -10039,13 +10908,13 @@
         </p:sp>
         <p:sp>
           <p:nvSpPr>
-            <p:cNvPr id="191" name="rc191"/>
-            <p:cNvSpPr/>
-            <p:nvPr/>
-          </p:nvSpPr>
-          <p:spPr>
-            <a:xfrm>
-              <a:off x="5541749" y="5692187"/>
+            <p:cNvPr id="212" name="rc212"/>
+            <p:cNvSpPr/>
+            <p:nvPr/>
+          </p:nvSpPr>
+          <p:spPr>
+            <a:xfrm>
+              <a:off x="4580658" y="5692187"/>
               <a:ext cx="201456" cy="201456"/>
             </a:xfrm>
             <a:prstGeom prst="rect">
@@ -10065,13 +10934,13 @@
         </p:sp>
         <p:sp>
           <p:nvSpPr>
-            <p:cNvPr id="192" name="rc192"/>
-            <p:cNvSpPr/>
-            <p:nvPr/>
-          </p:nvSpPr>
-          <p:spPr>
-            <a:xfrm>
-              <a:off x="6434766" y="5463731"/>
+            <p:cNvPr id="213" name="rc213"/>
+            <p:cNvSpPr/>
+            <p:nvPr/>
+          </p:nvSpPr>
+          <p:spPr>
+            <a:xfrm>
+              <a:off x="5772226" y="5463731"/>
               <a:ext cx="219455" cy="219455"/>
             </a:xfrm>
             <a:prstGeom prst="rect">
@@ -10091,13 +10960,13 @@
         </p:sp>
         <p:sp>
           <p:nvSpPr>
-            <p:cNvPr id="193" name="rc193"/>
-            <p:cNvSpPr/>
-            <p:nvPr/>
-          </p:nvSpPr>
-          <p:spPr>
-            <a:xfrm>
-              <a:off x="6443766" y="5472731"/>
+            <p:cNvPr id="214" name="rc214"/>
+            <p:cNvSpPr/>
+            <p:nvPr/>
+          </p:nvSpPr>
+          <p:spPr>
+            <a:xfrm>
+              <a:off x="5781226" y="5472731"/>
               <a:ext cx="201456" cy="201456"/>
             </a:xfrm>
             <a:prstGeom prst="rect">
@@ -10117,13 +10986,13 @@
         </p:sp>
         <p:sp>
           <p:nvSpPr>
-            <p:cNvPr id="194" name="rc194"/>
-            <p:cNvSpPr/>
-            <p:nvPr/>
-          </p:nvSpPr>
-          <p:spPr>
-            <a:xfrm>
-              <a:off x="6434766" y="5683187"/>
+            <p:cNvPr id="215" name="rc215"/>
+            <p:cNvSpPr/>
+            <p:nvPr/>
+          </p:nvSpPr>
+          <p:spPr>
+            <a:xfrm>
+              <a:off x="5772226" y="5683187"/>
               <a:ext cx="219455" cy="219455"/>
             </a:xfrm>
             <a:prstGeom prst="rect">
@@ -10143,13 +11012,13 @@
         </p:sp>
         <p:sp>
           <p:nvSpPr>
-            <p:cNvPr id="195" name="rc195"/>
-            <p:cNvSpPr/>
-            <p:nvPr/>
-          </p:nvSpPr>
-          <p:spPr>
-            <a:xfrm>
-              <a:off x="6443766" y="5692187"/>
+            <p:cNvPr id="216" name="rc216"/>
+            <p:cNvSpPr/>
+            <p:nvPr/>
+          </p:nvSpPr>
+          <p:spPr>
+            <a:xfrm>
+              <a:off x="5781226" y="5692187"/>
               <a:ext cx="201456" cy="201456"/>
             </a:xfrm>
             <a:prstGeom prst="rect">
@@ -10169,14 +11038,14 @@
         </p:sp>
         <p:sp>
           <p:nvSpPr>
-            <p:cNvPr id="196" name="tx196"/>
-            <p:cNvSpPr/>
-            <p:nvPr/>
-          </p:nvSpPr>
-          <p:spPr>
-            <a:xfrm>
-              <a:off x="4144863" y="5531767"/>
-              <a:ext cx="269468" cy="81691"/>
+            <p:cNvPr id="217" name="tx217"/>
+            <p:cNvSpPr/>
+            <p:nvPr/>
+          </p:nvSpPr>
+          <p:spPr>
+            <a:xfrm>
+              <a:off x="2631017" y="5531767"/>
+              <a:ext cx="999346" cy="81691"/>
             </a:xfrm>
             <a:prstGeom prst="rect">
               <a:avLst/>
@@ -10208,21 +11077,21 @@
                   <a:latin typeface="Arial"/>
                   <a:cs typeface="Arial"/>
                 </a:rPr>
-                <a:t>≤10亿</a:t>
+                <a:t>≥10的10次方（100亿）</a:t>
               </a:r>
             </a:p>
           </p:txBody>
         </p:sp>
         <p:sp>
           <p:nvSpPr>
-            <p:cNvPr id="197" name="tx197"/>
-            <p:cNvSpPr/>
-            <p:nvPr/>
-          </p:nvSpPr>
-          <p:spPr>
-            <a:xfrm>
-              <a:off x="4144863" y="5751223"/>
-              <a:ext cx="393779" cy="81691"/>
+            <p:cNvPr id="218" name="tx218"/>
+            <p:cNvSpPr/>
+            <p:nvPr/>
+          </p:nvSpPr>
+          <p:spPr>
+            <a:xfrm>
+              <a:off x="2631017" y="5751223"/>
+              <a:ext cx="499263" cy="81691"/>
             </a:xfrm>
             <a:prstGeom prst="rect">
               <a:avLst/>
@@ -10254,21 +11123,21 @@
                   <a:latin typeface="Arial"/>
                   <a:cs typeface="Arial"/>
                 </a:rPr>
-                <a:t>≥1000亿</a:t>
+                <a:t>≥10的5次方</a:t>
               </a:r>
             </a:p>
           </p:txBody>
         </p:sp>
         <p:sp>
           <p:nvSpPr>
-            <p:cNvPr id="198" name="tx198"/>
-            <p:cNvSpPr/>
-            <p:nvPr/>
-          </p:nvSpPr>
-          <p:spPr>
-            <a:xfrm>
-              <a:off x="4919778" y="5531767"/>
-              <a:ext cx="369659" cy="81691"/>
+            <p:cNvPr id="219" name="tx219"/>
+            <p:cNvSpPr/>
+            <p:nvPr/>
+          </p:nvSpPr>
+          <p:spPr>
+            <a:xfrm>
+              <a:off x="3958687" y="5531767"/>
+              <a:ext cx="499263" cy="81691"/>
             </a:xfrm>
             <a:prstGeom prst="rect">
               <a:avLst/>
@@ -10300,21 +11169,21 @@
                   <a:latin typeface="Arial"/>
                   <a:cs typeface="Arial"/>
                 </a:rPr>
-                <a:t>10-50亿</a:t>
+                <a:t>≥10的6次方</a:t>
               </a:r>
             </a:p>
           </p:txBody>
         </p:sp>
         <p:sp>
           <p:nvSpPr>
-            <p:cNvPr id="199" name="tx199"/>
-            <p:cNvSpPr/>
-            <p:nvPr/>
-          </p:nvSpPr>
-          <p:spPr>
-            <a:xfrm>
-              <a:off x="4919778" y="5751169"/>
-              <a:ext cx="493970" cy="81746"/>
+            <p:cNvPr id="220" name="tx220"/>
+            <p:cNvSpPr/>
+            <p:nvPr/>
+          </p:nvSpPr>
+          <p:spPr>
+            <a:xfrm>
+              <a:off x="3958687" y="5751223"/>
+              <a:ext cx="499263" cy="81691"/>
             </a:xfrm>
             <a:prstGeom prst="rect">
               <a:avLst/>
@@ -10346,21 +11215,21 @@
                   <a:latin typeface="Arial"/>
                   <a:cs typeface="Arial"/>
                 </a:rPr>
-                <a:t>100-300亿</a:t>
+                <a:t>≥10的7次方</a:t>
               </a:r>
             </a:p>
           </p:txBody>
         </p:sp>
         <p:sp>
           <p:nvSpPr>
-            <p:cNvPr id="200" name="tx200"/>
-            <p:cNvSpPr/>
-            <p:nvPr/>
-          </p:nvSpPr>
-          <p:spPr>
-            <a:xfrm>
-              <a:off x="5821794" y="5531713"/>
-              <a:ext cx="493970" cy="81746"/>
+            <p:cNvPr id="221" name="tx221"/>
+            <p:cNvSpPr/>
+            <p:nvPr/>
+          </p:nvSpPr>
+          <p:spPr>
+            <a:xfrm>
+              <a:off x="4860703" y="5531767"/>
+              <a:ext cx="812879" cy="81691"/>
             </a:xfrm>
             <a:prstGeom prst="rect">
               <a:avLst/>
@@ -10392,21 +11261,21 @@
                   <a:latin typeface="Arial"/>
                   <a:cs typeface="Arial"/>
                 </a:rPr>
-                <a:t>300-500亿</a:t>
+                <a:t>≥10的8次方（1亿）</a:t>
               </a:r>
             </a:p>
           </p:txBody>
         </p:sp>
         <p:sp>
           <p:nvSpPr>
-            <p:cNvPr id="201" name="tx201"/>
-            <p:cNvSpPr/>
-            <p:nvPr/>
-          </p:nvSpPr>
-          <p:spPr>
-            <a:xfrm>
-              <a:off x="5821794" y="5751223"/>
-              <a:ext cx="431814" cy="81691"/>
+            <p:cNvPr id="222" name="tx222"/>
+            <p:cNvSpPr/>
+            <p:nvPr/>
+          </p:nvSpPr>
+          <p:spPr>
+            <a:xfrm>
+              <a:off x="4860703" y="5751223"/>
+              <a:ext cx="875034" cy="81691"/>
             </a:xfrm>
             <a:prstGeom prst="rect">
               <a:avLst/>
@@ -10438,21 +11307,21 @@
                   <a:latin typeface="Arial"/>
                   <a:cs typeface="Arial"/>
                 </a:rPr>
-                <a:t>50-100亿</a:t>
+                <a:t>≥10的9次方（10亿）</a:t>
               </a:r>
             </a:p>
           </p:txBody>
         </p:sp>
         <p:sp>
           <p:nvSpPr>
-            <p:cNvPr id="202" name="tx202"/>
-            <p:cNvSpPr/>
-            <p:nvPr/>
-          </p:nvSpPr>
-          <p:spPr>
-            <a:xfrm>
-              <a:off x="6723811" y="5531767"/>
-              <a:ext cx="556126" cy="81691"/>
+            <p:cNvPr id="223" name="tx223"/>
+            <p:cNvSpPr/>
+            <p:nvPr/>
+          </p:nvSpPr>
+          <p:spPr>
+            <a:xfrm>
+              <a:off x="6061271" y="5509885"/>
+              <a:ext cx="2694954" cy="103574"/>
             </a:xfrm>
             <a:prstGeom prst="rect">
               <a:avLst/>
@@ -10484,21 +11353,21 @@
                   <a:latin typeface="Arial"/>
                   <a:cs typeface="Arial"/>
                 </a:rPr>
-                <a:t>500-1000亿</a:t>
+                <a:t>不能低于出厂活菌数的一定百分比：____%（如选该项，请填写数值）</a:t>
               </a:r>
             </a:p>
           </p:txBody>
         </p:sp>
         <p:sp>
           <p:nvSpPr>
-            <p:cNvPr id="203" name="tx203"/>
-            <p:cNvSpPr/>
-            <p:nvPr/>
-          </p:nvSpPr>
-          <p:spPr>
-            <a:xfrm>
-              <a:off x="6723811" y="5763065"/>
-              <a:ext cx="335280" cy="69850"/>
+            <p:cNvPr id="224" name="tx224"/>
+            <p:cNvSpPr/>
+            <p:nvPr/>
+          </p:nvSpPr>
+          <p:spPr>
+            <a:xfrm>
+              <a:off x="6061271" y="5763065"/>
+              <a:ext cx="1089659" cy="69850"/>
             </a:xfrm>
             <a:prstGeom prst="rect">
               <a:avLst/>
@@ -10530,7 +11399,7 @@
                   <a:latin typeface="Arial"/>
                   <a:cs typeface="Arial"/>
                 </a:rPr>
-                <a:t>不应摄入</a:t>
+                <a:t>无所谓死活，只要产品还有效</a:t>
               </a:r>
             </a:p>
           </p:txBody>

--- a/_book/plot/unnamed-chunk-49-1.pptx
+++ b/_book/plot/unnamed-chunk-49-1.pptx
@@ -3193,7 +3193,7 @@
           <p:spPr>
             <a:xfrm>
               <a:off x="2179881" y="1809173"/>
-              <a:ext cx="1295770" cy="3245468"/>
+              <a:ext cx="1295770" cy="3464924"/>
             </a:xfrm>
             <a:prstGeom prst="rect">
               <a:avLst/>
@@ -3218,7 +3218,7 @@
           </p:nvSpPr>
           <p:spPr>
             <a:xfrm>
-              <a:off x="2179881" y="4549058"/>
+              <a:off x="2179881" y="4777168"/>
               <a:ext cx="1295770" cy="0"/>
             </a:xfrm>
             <a:custGeom>
@@ -3261,7 +3261,7 @@
           </p:nvSpPr>
           <p:spPr>
             <a:xfrm>
-              <a:off x="2179881" y="3832936"/>
+              <a:off x="2179881" y="4098304"/>
               <a:ext cx="1295770" cy="0"/>
             </a:xfrm>
             <a:custGeom>
@@ -3304,7 +3304,7 @@
           </p:nvSpPr>
           <p:spPr>
             <a:xfrm>
-              <a:off x="2179881" y="3116813"/>
+              <a:off x="2179881" y="3419439"/>
               <a:ext cx="1295770" cy="0"/>
             </a:xfrm>
             <a:custGeom>
@@ -3347,7 +3347,7 @@
           </p:nvSpPr>
           <p:spPr>
             <a:xfrm>
-              <a:off x="2179881" y="2400690"/>
+              <a:off x="2179881" y="2740575"/>
               <a:ext cx="1295770" cy="0"/>
             </a:xfrm>
             <a:custGeom>
@@ -3390,7 +3390,7 @@
           </p:nvSpPr>
           <p:spPr>
             <a:xfrm>
-              <a:off x="2179881" y="4907120"/>
+              <a:off x="2179881" y="2061710"/>
               <a:ext cx="1295770" cy="0"/>
             </a:xfrm>
             <a:custGeom>
@@ -3409,6 +3409,49 @@
                 </a:path>
               </a:pathLst>
             </a:custGeom>
+            <a:ln w="6775" cap="flat">
+              <a:solidFill>
+                <a:srgbClr val="EBEBEB">
+                  <a:alpha val="100000"/>
+                </a:srgbClr>
+              </a:solidFill>
+              <a:prstDash val="solid"/>
+              <a:round/>
+            </a:ln>
+          </p:spPr>
+          <p:txBody>
+            <a:bodyPr/>
+            <a:lstStyle/>
+            <a:p/>
+          </p:txBody>
+        </p:sp>
+        <p:sp>
+          <p:nvSpPr>
+            <p:cNvPr id="11" name="pl11"/>
+            <p:cNvSpPr/>
+            <p:nvPr/>
+          </p:nvSpPr>
+          <p:spPr>
+            <a:xfrm>
+              <a:off x="2179881" y="5116600"/>
+              <a:ext cx="1295770" cy="0"/>
+            </a:xfrm>
+            <a:custGeom>
+              <a:avLst/>
+              <a:pathLst>
+                <a:path w="1295770" h="0">
+                  <a:moveTo>
+                    <a:pt x="0" y="0"/>
+                  </a:moveTo>
+                  <a:lnTo>
+                    <a:pt x="1295770" y="0"/>
+                  </a:lnTo>
+                  <a:lnTo>
+                    <a:pt x="1295770" y="0"/>
+                  </a:lnTo>
+                </a:path>
+              </a:pathLst>
+            </a:custGeom>
             <a:ln w="13550" cap="flat">
               <a:solidFill>
                 <a:srgbClr val="EBEBEB">
@@ -3427,13 +3470,13 @@
         </p:sp>
         <p:sp>
           <p:nvSpPr>
-            <p:cNvPr id="11" name="pl11"/>
-            <p:cNvSpPr/>
-            <p:nvPr/>
-          </p:nvSpPr>
-          <p:spPr>
-            <a:xfrm>
-              <a:off x="2179881" y="4190997"/>
+            <p:cNvPr id="12" name="pl12"/>
+            <p:cNvSpPr/>
+            <p:nvPr/>
+          </p:nvSpPr>
+          <p:spPr>
+            <a:xfrm>
+              <a:off x="2179881" y="4437736"/>
               <a:ext cx="1295770" cy="0"/>
             </a:xfrm>
             <a:custGeom>
@@ -3470,13 +3513,13 @@
         </p:sp>
         <p:sp>
           <p:nvSpPr>
-            <p:cNvPr id="12" name="pl12"/>
-            <p:cNvSpPr/>
-            <p:nvPr/>
-          </p:nvSpPr>
-          <p:spPr>
-            <a:xfrm>
-              <a:off x="2179881" y="3474874"/>
+            <p:cNvPr id="13" name="pl13"/>
+            <p:cNvSpPr/>
+            <p:nvPr/>
+          </p:nvSpPr>
+          <p:spPr>
+            <a:xfrm>
+              <a:off x="2179881" y="3758871"/>
               <a:ext cx="1295770" cy="0"/>
             </a:xfrm>
             <a:custGeom>
@@ -3513,13 +3556,13 @@
         </p:sp>
         <p:sp>
           <p:nvSpPr>
-            <p:cNvPr id="13" name="pl13"/>
-            <p:cNvSpPr/>
-            <p:nvPr/>
-          </p:nvSpPr>
-          <p:spPr>
-            <a:xfrm>
-              <a:off x="2179881" y="2758751"/>
+            <p:cNvPr id="14" name="pl14"/>
+            <p:cNvSpPr/>
+            <p:nvPr/>
+          </p:nvSpPr>
+          <p:spPr>
+            <a:xfrm>
+              <a:off x="2179881" y="3080007"/>
               <a:ext cx="1295770" cy="0"/>
             </a:xfrm>
             <a:custGeom>
@@ -3556,13 +3599,13 @@
         </p:sp>
         <p:sp>
           <p:nvSpPr>
-            <p:cNvPr id="14" name="pl14"/>
-            <p:cNvSpPr/>
-            <p:nvPr/>
-          </p:nvSpPr>
-          <p:spPr>
-            <a:xfrm>
-              <a:off x="2179881" y="2042629"/>
+            <p:cNvPr id="15" name="pl15"/>
+            <p:cNvSpPr/>
+            <p:nvPr/>
+          </p:nvSpPr>
+          <p:spPr>
+            <a:xfrm>
+              <a:off x="2179881" y="2401142"/>
               <a:ext cx="1295770" cy="0"/>
             </a:xfrm>
             <a:custGeom>
@@ -3599,21 +3642,21 @@
         </p:sp>
         <p:sp>
           <p:nvSpPr>
-            <p:cNvPr id="15" name="pl15"/>
-            <p:cNvSpPr/>
-            <p:nvPr/>
-          </p:nvSpPr>
-          <p:spPr>
-            <a:xfrm>
-              <a:off x="2274694" y="1809173"/>
-              <a:ext cx="0" cy="3245468"/>
-            </a:xfrm>
-            <a:custGeom>
-              <a:avLst/>
-              <a:pathLst>
-                <a:path w="0" h="3245468">
-                  <a:moveTo>
-                    <a:pt x="0" y="3245468"/>
+            <p:cNvPr id="16" name="pl16"/>
+            <p:cNvSpPr/>
+            <p:nvPr/>
+          </p:nvSpPr>
+          <p:spPr>
+            <a:xfrm>
+              <a:off x="2364991" y="1809173"/>
+              <a:ext cx="0" cy="3464924"/>
+            </a:xfrm>
+            <a:custGeom>
+              <a:avLst/>
+              <a:pathLst>
+                <a:path w="0" h="3464924">
+                  <a:moveTo>
+                    <a:pt x="0" y="3464924"/>
                   </a:moveTo>
                   <a:lnTo>
                     <a:pt x="0" y="0"/>
@@ -3642,21 +3685,21 @@
         </p:sp>
         <p:sp>
           <p:nvSpPr>
-            <p:cNvPr id="16" name="pl16"/>
-            <p:cNvSpPr/>
-            <p:nvPr/>
-          </p:nvSpPr>
-          <p:spPr>
-            <a:xfrm>
-              <a:off x="2432715" y="1809173"/>
-              <a:ext cx="0" cy="3245468"/>
-            </a:xfrm>
-            <a:custGeom>
-              <a:avLst/>
-              <a:pathLst>
-                <a:path w="0" h="3245468">
-                  <a:moveTo>
-                    <a:pt x="0" y="3245468"/>
+            <p:cNvPr id="17" name="pl17"/>
+            <p:cNvSpPr/>
+            <p:nvPr/>
+          </p:nvSpPr>
+          <p:spPr>
+            <a:xfrm>
+              <a:off x="2673508" y="1809173"/>
+              <a:ext cx="0" cy="3464924"/>
+            </a:xfrm>
+            <a:custGeom>
+              <a:avLst/>
+              <a:pathLst>
+                <a:path w="0" h="3464924">
+                  <a:moveTo>
+                    <a:pt x="0" y="3464924"/>
                   </a:moveTo>
                   <a:lnTo>
                     <a:pt x="0" y="0"/>
@@ -3685,21 +3728,21 @@
         </p:sp>
         <p:sp>
           <p:nvSpPr>
-            <p:cNvPr id="17" name="pl17"/>
-            <p:cNvSpPr/>
-            <p:nvPr/>
-          </p:nvSpPr>
-          <p:spPr>
-            <a:xfrm>
-              <a:off x="2590735" y="1809173"/>
-              <a:ext cx="0" cy="3245468"/>
-            </a:xfrm>
-            <a:custGeom>
-              <a:avLst/>
-              <a:pathLst>
-                <a:path w="0" h="3245468">
-                  <a:moveTo>
-                    <a:pt x="0" y="3245468"/>
+            <p:cNvPr id="18" name="pl18"/>
+            <p:cNvSpPr/>
+            <p:nvPr/>
+          </p:nvSpPr>
+          <p:spPr>
+            <a:xfrm>
+              <a:off x="2982025" y="1809173"/>
+              <a:ext cx="0" cy="3464924"/>
+            </a:xfrm>
+            <a:custGeom>
+              <a:avLst/>
+              <a:pathLst>
+                <a:path w="0" h="3464924">
+                  <a:moveTo>
+                    <a:pt x="0" y="3464924"/>
                   </a:moveTo>
                   <a:lnTo>
                     <a:pt x="0" y="0"/>
@@ -3728,21 +3771,21 @@
         </p:sp>
         <p:sp>
           <p:nvSpPr>
-            <p:cNvPr id="18" name="pl18"/>
-            <p:cNvSpPr/>
-            <p:nvPr/>
-          </p:nvSpPr>
-          <p:spPr>
-            <a:xfrm>
-              <a:off x="2748756" y="1809173"/>
-              <a:ext cx="0" cy="3245468"/>
-            </a:xfrm>
-            <a:custGeom>
-              <a:avLst/>
-              <a:pathLst>
-                <a:path w="0" h="3245468">
-                  <a:moveTo>
-                    <a:pt x="0" y="3245468"/>
+            <p:cNvPr id="19" name="pl19"/>
+            <p:cNvSpPr/>
+            <p:nvPr/>
+          </p:nvSpPr>
+          <p:spPr>
+            <a:xfrm>
+              <a:off x="3290542" y="1809173"/>
+              <a:ext cx="0" cy="3464924"/>
+            </a:xfrm>
+            <a:custGeom>
+              <a:avLst/>
+              <a:pathLst>
+                <a:path w="0" h="3464924">
+                  <a:moveTo>
+                    <a:pt x="0" y="3464924"/>
                   </a:moveTo>
                   <a:lnTo>
                     <a:pt x="0" y="0"/>
@@ -3771,192 +3814,20 @@
         </p:sp>
         <p:sp>
           <p:nvSpPr>
-            <p:cNvPr id="19" name="pl19"/>
-            <p:cNvSpPr/>
-            <p:nvPr/>
-          </p:nvSpPr>
-          <p:spPr>
-            <a:xfrm>
-              <a:off x="2906777" y="1809173"/>
-              <a:ext cx="0" cy="3245468"/>
-            </a:xfrm>
-            <a:custGeom>
-              <a:avLst/>
-              <a:pathLst>
-                <a:path w="0" h="3245468">
-                  <a:moveTo>
-                    <a:pt x="0" y="3245468"/>
-                  </a:moveTo>
-                  <a:lnTo>
-                    <a:pt x="0" y="0"/>
-                  </a:lnTo>
-                  <a:lnTo>
-                    <a:pt x="0" y="0"/>
-                  </a:lnTo>
-                </a:path>
-              </a:pathLst>
-            </a:custGeom>
-            <a:ln w="13550" cap="flat">
-              <a:solidFill>
-                <a:srgbClr val="EBEBEB">
-                  <a:alpha val="100000"/>
-                </a:srgbClr>
-              </a:solidFill>
-              <a:prstDash val="solid"/>
-              <a:round/>
-            </a:ln>
-          </p:spPr>
-          <p:txBody>
-            <a:bodyPr/>
-            <a:lstStyle/>
-            <a:p/>
-          </p:txBody>
-        </p:sp>
-        <p:sp>
-          <p:nvSpPr>
-            <p:cNvPr id="20" name="pl20"/>
-            <p:cNvSpPr/>
-            <p:nvPr/>
-          </p:nvSpPr>
-          <p:spPr>
-            <a:xfrm>
-              <a:off x="3064798" y="1809173"/>
-              <a:ext cx="0" cy="3245468"/>
-            </a:xfrm>
-            <a:custGeom>
-              <a:avLst/>
-              <a:pathLst>
-                <a:path w="0" h="3245468">
-                  <a:moveTo>
-                    <a:pt x="0" y="3245468"/>
-                  </a:moveTo>
-                  <a:lnTo>
-                    <a:pt x="0" y="0"/>
-                  </a:lnTo>
-                  <a:lnTo>
-                    <a:pt x="0" y="0"/>
-                  </a:lnTo>
-                </a:path>
-              </a:pathLst>
-            </a:custGeom>
-            <a:ln w="13550" cap="flat">
-              <a:solidFill>
-                <a:srgbClr val="EBEBEB">
-                  <a:alpha val="100000"/>
-                </a:srgbClr>
-              </a:solidFill>
-              <a:prstDash val="solid"/>
-              <a:round/>
-            </a:ln>
-          </p:spPr>
-          <p:txBody>
-            <a:bodyPr/>
-            <a:lstStyle/>
-            <a:p/>
-          </p:txBody>
-        </p:sp>
-        <p:sp>
-          <p:nvSpPr>
-            <p:cNvPr id="21" name="pl21"/>
-            <p:cNvSpPr/>
-            <p:nvPr/>
-          </p:nvSpPr>
-          <p:spPr>
-            <a:xfrm>
-              <a:off x="3222819" y="1809173"/>
-              <a:ext cx="0" cy="3245468"/>
-            </a:xfrm>
-            <a:custGeom>
-              <a:avLst/>
-              <a:pathLst>
-                <a:path w="0" h="3245468">
-                  <a:moveTo>
-                    <a:pt x="0" y="3245468"/>
-                  </a:moveTo>
-                  <a:lnTo>
-                    <a:pt x="0" y="0"/>
-                  </a:lnTo>
-                  <a:lnTo>
-                    <a:pt x="0" y="0"/>
-                  </a:lnTo>
-                </a:path>
-              </a:pathLst>
-            </a:custGeom>
-            <a:ln w="13550" cap="flat">
-              <a:solidFill>
-                <a:srgbClr val="EBEBEB">
-                  <a:alpha val="100000"/>
-                </a:srgbClr>
-              </a:solidFill>
-              <a:prstDash val="solid"/>
-              <a:round/>
-            </a:ln>
-          </p:spPr>
-          <p:txBody>
-            <a:bodyPr/>
-            <a:lstStyle/>
-            <a:p/>
-          </p:txBody>
-        </p:sp>
-        <p:sp>
-          <p:nvSpPr>
-            <p:cNvPr id="22" name="pl22"/>
-            <p:cNvSpPr/>
-            <p:nvPr/>
-          </p:nvSpPr>
-          <p:spPr>
-            <a:xfrm>
-              <a:off x="3380840" y="1809173"/>
-              <a:ext cx="0" cy="3245468"/>
-            </a:xfrm>
-            <a:custGeom>
-              <a:avLst/>
-              <a:pathLst>
-                <a:path w="0" h="3245468">
-                  <a:moveTo>
-                    <a:pt x="0" y="3245468"/>
-                  </a:moveTo>
-                  <a:lnTo>
-                    <a:pt x="0" y="0"/>
-                  </a:lnTo>
-                  <a:lnTo>
-                    <a:pt x="0" y="0"/>
-                  </a:lnTo>
-                </a:path>
-              </a:pathLst>
-            </a:custGeom>
-            <a:ln w="13550" cap="flat">
-              <a:solidFill>
-                <a:srgbClr val="EBEBEB">
-                  <a:alpha val="100000"/>
-                </a:srgbClr>
-              </a:solidFill>
-              <a:prstDash val="solid"/>
-              <a:round/>
-            </a:ln>
-          </p:spPr>
-          <p:txBody>
-            <a:bodyPr/>
-            <a:lstStyle/>
-            <a:p/>
-          </p:txBody>
-        </p:sp>
-        <p:sp>
-          <p:nvSpPr>
-            <p:cNvPr id="23" name="rc23"/>
-            <p:cNvSpPr/>
-            <p:nvPr/>
-          </p:nvSpPr>
-          <p:spPr>
-            <a:xfrm>
-              <a:off x="2203584" y="3990483"/>
-              <a:ext cx="142218" cy="916637"/>
+            <p:cNvPr id="20" name="rc20"/>
+            <p:cNvSpPr/>
+            <p:nvPr/>
+          </p:nvSpPr>
+          <p:spPr>
+            <a:xfrm>
+              <a:off x="2226159" y="5103023"/>
+              <a:ext cx="277665" cy="13577"/>
             </a:xfrm>
             <a:prstGeom prst="rect">
               <a:avLst/>
             </a:prstGeom>
             <a:solidFill>
-              <a:srgbClr val="FFF5F0">
+              <a:srgbClr val="FEE5D9">
                 <a:alpha val="100000"/>
               </a:srgbClr>
             </a:solidFill>
@@ -3969,20 +3840,20 @@
         </p:sp>
         <p:sp>
           <p:nvSpPr>
-            <p:cNvPr id="24" name="rc24"/>
-            <p:cNvSpPr/>
-            <p:nvPr/>
-          </p:nvSpPr>
-          <p:spPr>
-            <a:xfrm>
-              <a:off x="2361605" y="4105062"/>
-              <a:ext cx="142218" cy="802057"/>
+            <p:cNvPr id="21" name="rc21"/>
+            <p:cNvSpPr/>
+            <p:nvPr/>
+          </p:nvSpPr>
+          <p:spPr>
+            <a:xfrm>
+              <a:off x="2534676" y="5089446"/>
+              <a:ext cx="277665" cy="27154"/>
             </a:xfrm>
             <a:prstGeom prst="rect">
               <a:avLst/>
             </a:prstGeom>
             <a:solidFill>
-              <a:srgbClr val="FEE0D2">
+              <a:srgbClr val="FCAE91">
                 <a:alpha val="100000"/>
               </a:srgbClr>
             </a:solidFill>
@@ -3995,66 +3866,14 @@
         </p:sp>
         <p:sp>
           <p:nvSpPr>
-            <p:cNvPr id="25" name="rc25"/>
-            <p:cNvSpPr/>
-            <p:nvPr/>
-          </p:nvSpPr>
-          <p:spPr>
-            <a:xfrm>
-              <a:off x="2519626" y="4019127"/>
-              <a:ext cx="142218" cy="887992"/>
-            </a:xfrm>
-            <a:prstGeom prst="rect">
-              <a:avLst/>
-            </a:prstGeom>
-            <a:solidFill>
-              <a:srgbClr val="FCBBA1">
-                <a:alpha val="100000"/>
-              </a:srgbClr>
-            </a:solidFill>
-          </p:spPr>
-          <p:txBody>
-            <a:bodyPr/>
-            <a:lstStyle/>
-            <a:p/>
-          </p:txBody>
-        </p:sp>
-        <p:sp>
-          <p:nvSpPr>
-            <p:cNvPr id="26" name="rc26"/>
-            <p:cNvSpPr/>
-            <p:nvPr/>
-          </p:nvSpPr>
-          <p:spPr>
-            <a:xfrm>
-              <a:off x="2677647" y="3904548"/>
-              <a:ext cx="142218" cy="1002571"/>
-            </a:xfrm>
-            <a:prstGeom prst="rect">
-              <a:avLst/>
-            </a:prstGeom>
-            <a:solidFill>
-              <a:srgbClr val="FC9272">
-                <a:alpha val="100000"/>
-              </a:srgbClr>
-            </a:solidFill>
-          </p:spPr>
-          <p:txBody>
-            <a:bodyPr/>
-            <a:lstStyle/>
-            <a:p/>
-          </p:txBody>
-        </p:sp>
-        <p:sp>
-          <p:nvSpPr>
-            <p:cNvPr id="27" name="rc27"/>
-            <p:cNvSpPr/>
-            <p:nvPr/>
-          </p:nvSpPr>
-          <p:spPr>
-            <a:xfrm>
-              <a:off x="2835668" y="2672817"/>
-              <a:ext cx="142218" cy="2234303"/>
+            <p:cNvPr id="22" name="rc22"/>
+            <p:cNvSpPr/>
+            <p:nvPr/>
+          </p:nvSpPr>
+          <p:spPr>
+            <a:xfrm>
+              <a:off x="2843193" y="1966669"/>
+              <a:ext cx="277665" cy="3149931"/>
             </a:xfrm>
             <a:prstGeom prst="rect">
               <a:avLst/>
@@ -4073,40 +3892,14 @@
         </p:sp>
         <p:sp>
           <p:nvSpPr>
-            <p:cNvPr id="28" name="rc28"/>
-            <p:cNvSpPr/>
-            <p:nvPr/>
-          </p:nvSpPr>
-          <p:spPr>
-            <a:xfrm>
-              <a:off x="2993689" y="3159780"/>
-              <a:ext cx="142218" cy="1747339"/>
-            </a:xfrm>
-            <a:prstGeom prst="rect">
-              <a:avLst/>
-            </a:prstGeom>
-            <a:solidFill>
-              <a:srgbClr val="EF3B2C">
-                <a:alpha val="100000"/>
-              </a:srgbClr>
-            </a:solidFill>
-          </p:spPr>
-          <p:txBody>
-            <a:bodyPr/>
-            <a:lstStyle/>
-            <a:p/>
-          </p:txBody>
-        </p:sp>
-        <p:sp>
-          <p:nvSpPr>
-            <p:cNvPr id="29" name="rc29"/>
-            <p:cNvSpPr/>
-            <p:nvPr/>
-          </p:nvSpPr>
-          <p:spPr>
-            <a:xfrm>
-              <a:off x="3151709" y="1956694"/>
-              <a:ext cx="142218" cy="2950425"/>
+            <p:cNvPr id="23" name="rc23"/>
+            <p:cNvSpPr/>
+            <p:nvPr/>
+          </p:nvSpPr>
+          <p:spPr>
+            <a:xfrm>
+              <a:off x="3151709" y="2333256"/>
+              <a:ext cx="277665" cy="2783344"/>
             </a:xfrm>
             <a:prstGeom prst="rect">
               <a:avLst/>
@@ -4125,40 +3918,14 @@
         </p:sp>
         <p:sp>
           <p:nvSpPr>
-            <p:cNvPr id="30" name="rc30"/>
-            <p:cNvSpPr/>
-            <p:nvPr/>
-          </p:nvSpPr>
-          <p:spPr>
-            <a:xfrm>
-              <a:off x="3309730" y="2844686"/>
-              <a:ext cx="142218" cy="2062433"/>
-            </a:xfrm>
-            <a:prstGeom prst="rect">
-              <a:avLst/>
-            </a:prstGeom>
-            <a:solidFill>
-              <a:srgbClr val="99000D">
-                <a:alpha val="100000"/>
-              </a:srgbClr>
-            </a:solidFill>
-          </p:spPr>
-          <p:txBody>
-            <a:bodyPr/>
-            <a:lstStyle/>
-            <a:p/>
-          </p:txBody>
-        </p:sp>
-        <p:sp>
-          <p:nvSpPr>
-            <p:cNvPr id="31" name="rc31"/>
+            <p:cNvPr id="24" name="rc24"/>
             <p:cNvSpPr/>
             <p:nvPr/>
           </p:nvSpPr>
           <p:spPr>
             <a:xfrm>
               <a:off x="2179881" y="1809173"/>
-              <a:ext cx="1295770" cy="3245468"/>
+              <a:ext cx="1295770" cy="3464924"/>
             </a:xfrm>
             <a:prstGeom prst="rect">
               <a:avLst/>
@@ -4181,14 +3948,14 @@
         </p:sp>
         <p:sp>
           <p:nvSpPr>
-            <p:cNvPr id="32" name="rc32"/>
+            <p:cNvPr id="25" name="rc25"/>
             <p:cNvSpPr/>
             <p:nvPr/>
           </p:nvSpPr>
           <p:spPr>
             <a:xfrm>
               <a:off x="3545241" y="1809173"/>
-              <a:ext cx="1295770" cy="3245468"/>
+              <a:ext cx="1295770" cy="3464924"/>
             </a:xfrm>
             <a:prstGeom prst="rect">
               <a:avLst/>
@@ -4207,13 +3974,314 @@
         </p:sp>
         <p:sp>
           <p:nvSpPr>
+            <p:cNvPr id="26" name="pl26"/>
+            <p:cNvSpPr/>
+            <p:nvPr/>
+          </p:nvSpPr>
+          <p:spPr>
+            <a:xfrm>
+              <a:off x="3545241" y="4777168"/>
+              <a:ext cx="1295770" cy="0"/>
+            </a:xfrm>
+            <a:custGeom>
+              <a:avLst/>
+              <a:pathLst>
+                <a:path w="1295770" h="0">
+                  <a:moveTo>
+                    <a:pt x="0" y="0"/>
+                  </a:moveTo>
+                  <a:lnTo>
+                    <a:pt x="1295770" y="0"/>
+                  </a:lnTo>
+                  <a:lnTo>
+                    <a:pt x="1295770" y="0"/>
+                  </a:lnTo>
+                </a:path>
+              </a:pathLst>
+            </a:custGeom>
+            <a:ln w="6775" cap="flat">
+              <a:solidFill>
+                <a:srgbClr val="EBEBEB">
+                  <a:alpha val="100000"/>
+                </a:srgbClr>
+              </a:solidFill>
+              <a:prstDash val="solid"/>
+              <a:round/>
+            </a:ln>
+          </p:spPr>
+          <p:txBody>
+            <a:bodyPr/>
+            <a:lstStyle/>
+            <a:p/>
+          </p:txBody>
+        </p:sp>
+        <p:sp>
+          <p:nvSpPr>
+            <p:cNvPr id="27" name="pl27"/>
+            <p:cNvSpPr/>
+            <p:nvPr/>
+          </p:nvSpPr>
+          <p:spPr>
+            <a:xfrm>
+              <a:off x="3545241" y="4098304"/>
+              <a:ext cx="1295770" cy="0"/>
+            </a:xfrm>
+            <a:custGeom>
+              <a:avLst/>
+              <a:pathLst>
+                <a:path w="1295770" h="0">
+                  <a:moveTo>
+                    <a:pt x="0" y="0"/>
+                  </a:moveTo>
+                  <a:lnTo>
+                    <a:pt x="1295770" y="0"/>
+                  </a:lnTo>
+                  <a:lnTo>
+                    <a:pt x="1295770" y="0"/>
+                  </a:lnTo>
+                </a:path>
+              </a:pathLst>
+            </a:custGeom>
+            <a:ln w="6775" cap="flat">
+              <a:solidFill>
+                <a:srgbClr val="EBEBEB">
+                  <a:alpha val="100000"/>
+                </a:srgbClr>
+              </a:solidFill>
+              <a:prstDash val="solid"/>
+              <a:round/>
+            </a:ln>
+          </p:spPr>
+          <p:txBody>
+            <a:bodyPr/>
+            <a:lstStyle/>
+            <a:p/>
+          </p:txBody>
+        </p:sp>
+        <p:sp>
+          <p:nvSpPr>
+            <p:cNvPr id="28" name="pl28"/>
+            <p:cNvSpPr/>
+            <p:nvPr/>
+          </p:nvSpPr>
+          <p:spPr>
+            <a:xfrm>
+              <a:off x="3545241" y="3419439"/>
+              <a:ext cx="1295770" cy="0"/>
+            </a:xfrm>
+            <a:custGeom>
+              <a:avLst/>
+              <a:pathLst>
+                <a:path w="1295770" h="0">
+                  <a:moveTo>
+                    <a:pt x="0" y="0"/>
+                  </a:moveTo>
+                  <a:lnTo>
+                    <a:pt x="1295770" y="0"/>
+                  </a:lnTo>
+                  <a:lnTo>
+                    <a:pt x="1295770" y="0"/>
+                  </a:lnTo>
+                </a:path>
+              </a:pathLst>
+            </a:custGeom>
+            <a:ln w="6775" cap="flat">
+              <a:solidFill>
+                <a:srgbClr val="EBEBEB">
+                  <a:alpha val="100000"/>
+                </a:srgbClr>
+              </a:solidFill>
+              <a:prstDash val="solid"/>
+              <a:round/>
+            </a:ln>
+          </p:spPr>
+          <p:txBody>
+            <a:bodyPr/>
+            <a:lstStyle/>
+            <a:p/>
+          </p:txBody>
+        </p:sp>
+        <p:sp>
+          <p:nvSpPr>
+            <p:cNvPr id="29" name="pl29"/>
+            <p:cNvSpPr/>
+            <p:nvPr/>
+          </p:nvSpPr>
+          <p:spPr>
+            <a:xfrm>
+              <a:off x="3545241" y="2740575"/>
+              <a:ext cx="1295770" cy="0"/>
+            </a:xfrm>
+            <a:custGeom>
+              <a:avLst/>
+              <a:pathLst>
+                <a:path w="1295770" h="0">
+                  <a:moveTo>
+                    <a:pt x="0" y="0"/>
+                  </a:moveTo>
+                  <a:lnTo>
+                    <a:pt x="1295770" y="0"/>
+                  </a:lnTo>
+                  <a:lnTo>
+                    <a:pt x="1295770" y="0"/>
+                  </a:lnTo>
+                </a:path>
+              </a:pathLst>
+            </a:custGeom>
+            <a:ln w="6775" cap="flat">
+              <a:solidFill>
+                <a:srgbClr val="EBEBEB">
+                  <a:alpha val="100000"/>
+                </a:srgbClr>
+              </a:solidFill>
+              <a:prstDash val="solid"/>
+              <a:round/>
+            </a:ln>
+          </p:spPr>
+          <p:txBody>
+            <a:bodyPr/>
+            <a:lstStyle/>
+            <a:p/>
+          </p:txBody>
+        </p:sp>
+        <p:sp>
+          <p:nvSpPr>
+            <p:cNvPr id="30" name="pl30"/>
+            <p:cNvSpPr/>
+            <p:nvPr/>
+          </p:nvSpPr>
+          <p:spPr>
+            <a:xfrm>
+              <a:off x="3545241" y="2061710"/>
+              <a:ext cx="1295770" cy="0"/>
+            </a:xfrm>
+            <a:custGeom>
+              <a:avLst/>
+              <a:pathLst>
+                <a:path w="1295770" h="0">
+                  <a:moveTo>
+                    <a:pt x="0" y="0"/>
+                  </a:moveTo>
+                  <a:lnTo>
+                    <a:pt x="1295770" y="0"/>
+                  </a:lnTo>
+                  <a:lnTo>
+                    <a:pt x="1295770" y="0"/>
+                  </a:lnTo>
+                </a:path>
+              </a:pathLst>
+            </a:custGeom>
+            <a:ln w="6775" cap="flat">
+              <a:solidFill>
+                <a:srgbClr val="EBEBEB">
+                  <a:alpha val="100000"/>
+                </a:srgbClr>
+              </a:solidFill>
+              <a:prstDash val="solid"/>
+              <a:round/>
+            </a:ln>
+          </p:spPr>
+          <p:txBody>
+            <a:bodyPr/>
+            <a:lstStyle/>
+            <a:p/>
+          </p:txBody>
+        </p:sp>
+        <p:sp>
+          <p:nvSpPr>
+            <p:cNvPr id="31" name="pl31"/>
+            <p:cNvSpPr/>
+            <p:nvPr/>
+          </p:nvSpPr>
+          <p:spPr>
+            <a:xfrm>
+              <a:off x="3545241" y="5116600"/>
+              <a:ext cx="1295770" cy="0"/>
+            </a:xfrm>
+            <a:custGeom>
+              <a:avLst/>
+              <a:pathLst>
+                <a:path w="1295770" h="0">
+                  <a:moveTo>
+                    <a:pt x="0" y="0"/>
+                  </a:moveTo>
+                  <a:lnTo>
+                    <a:pt x="1295770" y="0"/>
+                  </a:lnTo>
+                  <a:lnTo>
+                    <a:pt x="1295770" y="0"/>
+                  </a:lnTo>
+                </a:path>
+              </a:pathLst>
+            </a:custGeom>
+            <a:ln w="13550" cap="flat">
+              <a:solidFill>
+                <a:srgbClr val="EBEBEB">
+                  <a:alpha val="100000"/>
+                </a:srgbClr>
+              </a:solidFill>
+              <a:prstDash val="solid"/>
+              <a:round/>
+            </a:ln>
+          </p:spPr>
+          <p:txBody>
+            <a:bodyPr/>
+            <a:lstStyle/>
+            <a:p/>
+          </p:txBody>
+        </p:sp>
+        <p:sp>
+          <p:nvSpPr>
+            <p:cNvPr id="32" name="pl32"/>
+            <p:cNvSpPr/>
+            <p:nvPr/>
+          </p:nvSpPr>
+          <p:spPr>
+            <a:xfrm>
+              <a:off x="3545241" y="4437736"/>
+              <a:ext cx="1295770" cy="0"/>
+            </a:xfrm>
+            <a:custGeom>
+              <a:avLst/>
+              <a:pathLst>
+                <a:path w="1295770" h="0">
+                  <a:moveTo>
+                    <a:pt x="0" y="0"/>
+                  </a:moveTo>
+                  <a:lnTo>
+                    <a:pt x="1295770" y="0"/>
+                  </a:lnTo>
+                  <a:lnTo>
+                    <a:pt x="1295770" y="0"/>
+                  </a:lnTo>
+                </a:path>
+              </a:pathLst>
+            </a:custGeom>
+            <a:ln w="13550" cap="flat">
+              <a:solidFill>
+                <a:srgbClr val="EBEBEB">
+                  <a:alpha val="100000"/>
+                </a:srgbClr>
+              </a:solidFill>
+              <a:prstDash val="solid"/>
+              <a:round/>
+            </a:ln>
+          </p:spPr>
+          <p:txBody>
+            <a:bodyPr/>
+            <a:lstStyle/>
+            <a:p/>
+          </p:txBody>
+        </p:sp>
+        <p:sp>
+          <p:nvSpPr>
             <p:cNvPr id="33" name="pl33"/>
             <p:cNvSpPr/>
             <p:nvPr/>
           </p:nvSpPr>
           <p:spPr>
             <a:xfrm>
-              <a:off x="3545241" y="4549058"/>
+              <a:off x="3545241" y="3758871"/>
               <a:ext cx="1295770" cy="0"/>
             </a:xfrm>
             <a:custGeom>
@@ -4232,7 +4300,7 @@
                 </a:path>
               </a:pathLst>
             </a:custGeom>
-            <a:ln w="6775" cap="flat">
+            <a:ln w="13550" cap="flat">
               <a:solidFill>
                 <a:srgbClr val="EBEBEB">
                   <a:alpha val="100000"/>
@@ -4256,7 +4324,7 @@
           </p:nvSpPr>
           <p:spPr>
             <a:xfrm>
-              <a:off x="3545241" y="3832936"/>
+              <a:off x="3545241" y="3080007"/>
               <a:ext cx="1295770" cy="0"/>
             </a:xfrm>
             <a:custGeom>
@@ -4275,7 +4343,7 @@
                 </a:path>
               </a:pathLst>
             </a:custGeom>
-            <a:ln w="6775" cap="flat">
+            <a:ln w="13550" cap="flat">
               <a:solidFill>
                 <a:srgbClr val="EBEBEB">
                   <a:alpha val="100000"/>
@@ -4299,7 +4367,7 @@
           </p:nvSpPr>
           <p:spPr>
             <a:xfrm>
-              <a:off x="3545241" y="3116813"/>
+              <a:off x="3545241" y="2401142"/>
               <a:ext cx="1295770" cy="0"/>
             </a:xfrm>
             <a:custGeom>
@@ -4318,7 +4386,7 @@
                 </a:path>
               </a:pathLst>
             </a:custGeom>
-            <a:ln w="6775" cap="flat">
+            <a:ln w="13550" cap="flat">
               <a:solidFill>
                 <a:srgbClr val="EBEBEB">
                   <a:alpha val="100000"/>
@@ -4342,26 +4410,26 @@
           </p:nvSpPr>
           <p:spPr>
             <a:xfrm>
-              <a:off x="3545241" y="2400690"/>
-              <a:ext cx="1295770" cy="0"/>
-            </a:xfrm>
-            <a:custGeom>
-              <a:avLst/>
-              <a:pathLst>
-                <a:path w="1295770" h="0">
-                  <a:moveTo>
-                    <a:pt x="0" y="0"/>
-                  </a:moveTo>
-                  <a:lnTo>
-                    <a:pt x="1295770" y="0"/>
-                  </a:lnTo>
-                  <a:lnTo>
-                    <a:pt x="1295770" y="0"/>
-                  </a:lnTo>
-                </a:path>
-              </a:pathLst>
-            </a:custGeom>
-            <a:ln w="6775" cap="flat">
+              <a:off x="3730351" y="1809173"/>
+              <a:ext cx="0" cy="3464924"/>
+            </a:xfrm>
+            <a:custGeom>
+              <a:avLst/>
+              <a:pathLst>
+                <a:path w="0" h="3464924">
+                  <a:moveTo>
+                    <a:pt x="0" y="3464924"/>
+                  </a:moveTo>
+                  <a:lnTo>
+                    <a:pt x="0" y="0"/>
+                  </a:lnTo>
+                  <a:lnTo>
+                    <a:pt x="0" y="0"/>
+                  </a:lnTo>
+                </a:path>
+              </a:pathLst>
+            </a:custGeom>
+            <a:ln w="13550" cap="flat">
               <a:solidFill>
                 <a:srgbClr val="EBEBEB">
                   <a:alpha val="100000"/>
@@ -4385,21 +4453,21 @@
           </p:nvSpPr>
           <p:spPr>
             <a:xfrm>
-              <a:off x="3545241" y="4907120"/>
-              <a:ext cx="1295770" cy="0"/>
-            </a:xfrm>
-            <a:custGeom>
-              <a:avLst/>
-              <a:pathLst>
-                <a:path w="1295770" h="0">
-                  <a:moveTo>
-                    <a:pt x="0" y="0"/>
-                  </a:moveTo>
-                  <a:lnTo>
-                    <a:pt x="1295770" y="0"/>
-                  </a:lnTo>
-                  <a:lnTo>
-                    <a:pt x="1295770" y="0"/>
+              <a:off x="4038868" y="1809173"/>
+              <a:ext cx="0" cy="3464924"/>
+            </a:xfrm>
+            <a:custGeom>
+              <a:avLst/>
+              <a:pathLst>
+                <a:path w="0" h="3464924">
+                  <a:moveTo>
+                    <a:pt x="0" y="3464924"/>
+                  </a:moveTo>
+                  <a:lnTo>
+                    <a:pt x="0" y="0"/>
+                  </a:lnTo>
+                  <a:lnTo>
+                    <a:pt x="0" y="0"/>
                   </a:lnTo>
                 </a:path>
               </a:pathLst>
@@ -4428,21 +4496,21 @@
           </p:nvSpPr>
           <p:spPr>
             <a:xfrm>
-              <a:off x="3545241" y="4190997"/>
-              <a:ext cx="1295770" cy="0"/>
-            </a:xfrm>
-            <a:custGeom>
-              <a:avLst/>
-              <a:pathLst>
-                <a:path w="1295770" h="0">
-                  <a:moveTo>
-                    <a:pt x="0" y="0"/>
-                  </a:moveTo>
-                  <a:lnTo>
-                    <a:pt x="1295770" y="0"/>
-                  </a:lnTo>
-                  <a:lnTo>
-                    <a:pt x="1295770" y="0"/>
+              <a:off x="4347385" y="1809173"/>
+              <a:ext cx="0" cy="3464924"/>
+            </a:xfrm>
+            <a:custGeom>
+              <a:avLst/>
+              <a:pathLst>
+                <a:path w="0" h="3464924">
+                  <a:moveTo>
+                    <a:pt x="0" y="3464924"/>
+                  </a:moveTo>
+                  <a:lnTo>
+                    <a:pt x="0" y="0"/>
+                  </a:lnTo>
+                  <a:lnTo>
+                    <a:pt x="0" y="0"/>
                   </a:lnTo>
                 </a:path>
               </a:pathLst>
@@ -4471,21 +4539,21 @@
           </p:nvSpPr>
           <p:spPr>
             <a:xfrm>
-              <a:off x="3545241" y="3474874"/>
-              <a:ext cx="1295770" cy="0"/>
-            </a:xfrm>
-            <a:custGeom>
-              <a:avLst/>
-              <a:pathLst>
-                <a:path w="1295770" h="0">
-                  <a:moveTo>
-                    <a:pt x="0" y="0"/>
-                  </a:moveTo>
-                  <a:lnTo>
-                    <a:pt x="1295770" y="0"/>
-                  </a:lnTo>
-                  <a:lnTo>
-                    <a:pt x="1295770" y="0"/>
+              <a:off x="4655902" y="1809173"/>
+              <a:ext cx="0" cy="3464924"/>
+            </a:xfrm>
+            <a:custGeom>
+              <a:avLst/>
+              <a:pathLst>
+                <a:path w="0" h="3464924">
+                  <a:moveTo>
+                    <a:pt x="0" y="3464924"/>
+                  </a:moveTo>
+                  <a:lnTo>
+                    <a:pt x="0" y="0"/>
+                  </a:lnTo>
+                  <a:lnTo>
+                    <a:pt x="0" y="0"/>
                   </a:lnTo>
                 </a:path>
               </a:pathLst>
@@ -4508,450 +4576,20 @@
         </p:sp>
         <p:sp>
           <p:nvSpPr>
-            <p:cNvPr id="40" name="pl40"/>
-            <p:cNvSpPr/>
-            <p:nvPr/>
-          </p:nvSpPr>
-          <p:spPr>
-            <a:xfrm>
-              <a:off x="3545241" y="2758751"/>
-              <a:ext cx="1295770" cy="0"/>
-            </a:xfrm>
-            <a:custGeom>
-              <a:avLst/>
-              <a:pathLst>
-                <a:path w="1295770" h="0">
-                  <a:moveTo>
-                    <a:pt x="0" y="0"/>
-                  </a:moveTo>
-                  <a:lnTo>
-                    <a:pt x="1295770" y="0"/>
-                  </a:lnTo>
-                  <a:lnTo>
-                    <a:pt x="1295770" y="0"/>
-                  </a:lnTo>
-                </a:path>
-              </a:pathLst>
-            </a:custGeom>
-            <a:ln w="13550" cap="flat">
-              <a:solidFill>
-                <a:srgbClr val="EBEBEB">
-                  <a:alpha val="100000"/>
-                </a:srgbClr>
-              </a:solidFill>
-              <a:prstDash val="solid"/>
-              <a:round/>
-            </a:ln>
-          </p:spPr>
-          <p:txBody>
-            <a:bodyPr/>
-            <a:lstStyle/>
-            <a:p/>
-          </p:txBody>
-        </p:sp>
-        <p:sp>
-          <p:nvSpPr>
-            <p:cNvPr id="41" name="pl41"/>
-            <p:cNvSpPr/>
-            <p:nvPr/>
-          </p:nvSpPr>
-          <p:spPr>
-            <a:xfrm>
-              <a:off x="3545241" y="2042629"/>
-              <a:ext cx="1295770" cy="0"/>
-            </a:xfrm>
-            <a:custGeom>
-              <a:avLst/>
-              <a:pathLst>
-                <a:path w="1295770" h="0">
-                  <a:moveTo>
-                    <a:pt x="0" y="0"/>
-                  </a:moveTo>
-                  <a:lnTo>
-                    <a:pt x="1295770" y="0"/>
-                  </a:lnTo>
-                  <a:lnTo>
-                    <a:pt x="1295770" y="0"/>
-                  </a:lnTo>
-                </a:path>
-              </a:pathLst>
-            </a:custGeom>
-            <a:ln w="13550" cap="flat">
-              <a:solidFill>
-                <a:srgbClr val="EBEBEB">
-                  <a:alpha val="100000"/>
-                </a:srgbClr>
-              </a:solidFill>
-              <a:prstDash val="solid"/>
-              <a:round/>
-            </a:ln>
-          </p:spPr>
-          <p:txBody>
-            <a:bodyPr/>
-            <a:lstStyle/>
-            <a:p/>
-          </p:txBody>
-        </p:sp>
-        <p:sp>
-          <p:nvSpPr>
-            <p:cNvPr id="42" name="pl42"/>
-            <p:cNvSpPr/>
-            <p:nvPr/>
-          </p:nvSpPr>
-          <p:spPr>
-            <a:xfrm>
-              <a:off x="3640054" y="1809173"/>
-              <a:ext cx="0" cy="3245468"/>
-            </a:xfrm>
-            <a:custGeom>
-              <a:avLst/>
-              <a:pathLst>
-                <a:path w="0" h="3245468">
-                  <a:moveTo>
-                    <a:pt x="0" y="3245468"/>
-                  </a:moveTo>
-                  <a:lnTo>
-                    <a:pt x="0" y="0"/>
-                  </a:lnTo>
-                  <a:lnTo>
-                    <a:pt x="0" y="0"/>
-                  </a:lnTo>
-                </a:path>
-              </a:pathLst>
-            </a:custGeom>
-            <a:ln w="13550" cap="flat">
-              <a:solidFill>
-                <a:srgbClr val="EBEBEB">
-                  <a:alpha val="100000"/>
-                </a:srgbClr>
-              </a:solidFill>
-              <a:prstDash val="solid"/>
-              <a:round/>
-            </a:ln>
-          </p:spPr>
-          <p:txBody>
-            <a:bodyPr/>
-            <a:lstStyle/>
-            <a:p/>
-          </p:txBody>
-        </p:sp>
-        <p:sp>
-          <p:nvSpPr>
-            <p:cNvPr id="43" name="pl43"/>
-            <p:cNvSpPr/>
-            <p:nvPr/>
-          </p:nvSpPr>
-          <p:spPr>
-            <a:xfrm>
-              <a:off x="3798075" y="1809173"/>
-              <a:ext cx="0" cy="3245468"/>
-            </a:xfrm>
-            <a:custGeom>
-              <a:avLst/>
-              <a:pathLst>
-                <a:path w="0" h="3245468">
-                  <a:moveTo>
-                    <a:pt x="0" y="3245468"/>
-                  </a:moveTo>
-                  <a:lnTo>
-                    <a:pt x="0" y="0"/>
-                  </a:lnTo>
-                  <a:lnTo>
-                    <a:pt x="0" y="0"/>
-                  </a:lnTo>
-                </a:path>
-              </a:pathLst>
-            </a:custGeom>
-            <a:ln w="13550" cap="flat">
-              <a:solidFill>
-                <a:srgbClr val="EBEBEB">
-                  <a:alpha val="100000"/>
-                </a:srgbClr>
-              </a:solidFill>
-              <a:prstDash val="solid"/>
-              <a:round/>
-            </a:ln>
-          </p:spPr>
-          <p:txBody>
-            <a:bodyPr/>
-            <a:lstStyle/>
-            <a:p/>
-          </p:txBody>
-        </p:sp>
-        <p:sp>
-          <p:nvSpPr>
-            <p:cNvPr id="44" name="pl44"/>
-            <p:cNvSpPr/>
-            <p:nvPr/>
-          </p:nvSpPr>
-          <p:spPr>
-            <a:xfrm>
-              <a:off x="3956095" y="1809173"/>
-              <a:ext cx="0" cy="3245468"/>
-            </a:xfrm>
-            <a:custGeom>
-              <a:avLst/>
-              <a:pathLst>
-                <a:path w="0" h="3245468">
-                  <a:moveTo>
-                    <a:pt x="0" y="3245468"/>
-                  </a:moveTo>
-                  <a:lnTo>
-                    <a:pt x="0" y="0"/>
-                  </a:lnTo>
-                  <a:lnTo>
-                    <a:pt x="0" y="0"/>
-                  </a:lnTo>
-                </a:path>
-              </a:pathLst>
-            </a:custGeom>
-            <a:ln w="13550" cap="flat">
-              <a:solidFill>
-                <a:srgbClr val="EBEBEB">
-                  <a:alpha val="100000"/>
-                </a:srgbClr>
-              </a:solidFill>
-              <a:prstDash val="solid"/>
-              <a:round/>
-            </a:ln>
-          </p:spPr>
-          <p:txBody>
-            <a:bodyPr/>
-            <a:lstStyle/>
-            <a:p/>
-          </p:txBody>
-        </p:sp>
-        <p:sp>
-          <p:nvSpPr>
-            <p:cNvPr id="45" name="pl45"/>
-            <p:cNvSpPr/>
-            <p:nvPr/>
-          </p:nvSpPr>
-          <p:spPr>
-            <a:xfrm>
-              <a:off x="4114116" y="1809173"/>
-              <a:ext cx="0" cy="3245468"/>
-            </a:xfrm>
-            <a:custGeom>
-              <a:avLst/>
-              <a:pathLst>
-                <a:path w="0" h="3245468">
-                  <a:moveTo>
-                    <a:pt x="0" y="3245468"/>
-                  </a:moveTo>
-                  <a:lnTo>
-                    <a:pt x="0" y="0"/>
-                  </a:lnTo>
-                  <a:lnTo>
-                    <a:pt x="0" y="0"/>
-                  </a:lnTo>
-                </a:path>
-              </a:pathLst>
-            </a:custGeom>
-            <a:ln w="13550" cap="flat">
-              <a:solidFill>
-                <a:srgbClr val="EBEBEB">
-                  <a:alpha val="100000"/>
-                </a:srgbClr>
-              </a:solidFill>
-              <a:prstDash val="solid"/>
-              <a:round/>
-            </a:ln>
-          </p:spPr>
-          <p:txBody>
-            <a:bodyPr/>
-            <a:lstStyle/>
-            <a:p/>
-          </p:txBody>
-        </p:sp>
-        <p:sp>
-          <p:nvSpPr>
-            <p:cNvPr id="46" name="pl46"/>
-            <p:cNvSpPr/>
-            <p:nvPr/>
-          </p:nvSpPr>
-          <p:spPr>
-            <a:xfrm>
-              <a:off x="4272137" y="1809173"/>
-              <a:ext cx="0" cy="3245468"/>
-            </a:xfrm>
-            <a:custGeom>
-              <a:avLst/>
-              <a:pathLst>
-                <a:path w="0" h="3245468">
-                  <a:moveTo>
-                    <a:pt x="0" y="3245468"/>
-                  </a:moveTo>
-                  <a:lnTo>
-                    <a:pt x="0" y="0"/>
-                  </a:lnTo>
-                  <a:lnTo>
-                    <a:pt x="0" y="0"/>
-                  </a:lnTo>
-                </a:path>
-              </a:pathLst>
-            </a:custGeom>
-            <a:ln w="13550" cap="flat">
-              <a:solidFill>
-                <a:srgbClr val="EBEBEB">
-                  <a:alpha val="100000"/>
-                </a:srgbClr>
-              </a:solidFill>
-              <a:prstDash val="solid"/>
-              <a:round/>
-            </a:ln>
-          </p:spPr>
-          <p:txBody>
-            <a:bodyPr/>
-            <a:lstStyle/>
-            <a:p/>
-          </p:txBody>
-        </p:sp>
-        <p:sp>
-          <p:nvSpPr>
-            <p:cNvPr id="47" name="pl47"/>
-            <p:cNvSpPr/>
-            <p:nvPr/>
-          </p:nvSpPr>
-          <p:spPr>
-            <a:xfrm>
-              <a:off x="4430158" y="1809173"/>
-              <a:ext cx="0" cy="3245468"/>
-            </a:xfrm>
-            <a:custGeom>
-              <a:avLst/>
-              <a:pathLst>
-                <a:path w="0" h="3245468">
-                  <a:moveTo>
-                    <a:pt x="0" y="3245468"/>
-                  </a:moveTo>
-                  <a:lnTo>
-                    <a:pt x="0" y="0"/>
-                  </a:lnTo>
-                  <a:lnTo>
-                    <a:pt x="0" y="0"/>
-                  </a:lnTo>
-                </a:path>
-              </a:pathLst>
-            </a:custGeom>
-            <a:ln w="13550" cap="flat">
-              <a:solidFill>
-                <a:srgbClr val="EBEBEB">
-                  <a:alpha val="100000"/>
-                </a:srgbClr>
-              </a:solidFill>
-              <a:prstDash val="solid"/>
-              <a:round/>
-            </a:ln>
-          </p:spPr>
-          <p:txBody>
-            <a:bodyPr/>
-            <a:lstStyle/>
-            <a:p/>
-          </p:txBody>
-        </p:sp>
-        <p:sp>
-          <p:nvSpPr>
-            <p:cNvPr id="48" name="pl48"/>
-            <p:cNvSpPr/>
-            <p:nvPr/>
-          </p:nvSpPr>
-          <p:spPr>
-            <a:xfrm>
-              <a:off x="4588179" y="1809173"/>
-              <a:ext cx="0" cy="3245468"/>
-            </a:xfrm>
-            <a:custGeom>
-              <a:avLst/>
-              <a:pathLst>
-                <a:path w="0" h="3245468">
-                  <a:moveTo>
-                    <a:pt x="0" y="3245468"/>
-                  </a:moveTo>
-                  <a:lnTo>
-                    <a:pt x="0" y="0"/>
-                  </a:lnTo>
-                  <a:lnTo>
-                    <a:pt x="0" y="0"/>
-                  </a:lnTo>
-                </a:path>
-              </a:pathLst>
-            </a:custGeom>
-            <a:ln w="13550" cap="flat">
-              <a:solidFill>
-                <a:srgbClr val="EBEBEB">
-                  <a:alpha val="100000"/>
-                </a:srgbClr>
-              </a:solidFill>
-              <a:prstDash val="solid"/>
-              <a:round/>
-            </a:ln>
-          </p:spPr>
-          <p:txBody>
-            <a:bodyPr/>
-            <a:lstStyle/>
-            <a:p/>
-          </p:txBody>
-        </p:sp>
-        <p:sp>
-          <p:nvSpPr>
-            <p:cNvPr id="49" name="pl49"/>
-            <p:cNvSpPr/>
-            <p:nvPr/>
-          </p:nvSpPr>
-          <p:spPr>
-            <a:xfrm>
-              <a:off x="4746200" y="1809173"/>
-              <a:ext cx="0" cy="3245468"/>
-            </a:xfrm>
-            <a:custGeom>
-              <a:avLst/>
-              <a:pathLst>
-                <a:path w="0" h="3245468">
-                  <a:moveTo>
-                    <a:pt x="0" y="3245468"/>
-                  </a:moveTo>
-                  <a:lnTo>
-                    <a:pt x="0" y="0"/>
-                  </a:lnTo>
-                  <a:lnTo>
-                    <a:pt x="0" y="0"/>
-                  </a:lnTo>
-                </a:path>
-              </a:pathLst>
-            </a:custGeom>
-            <a:ln w="13550" cap="flat">
-              <a:solidFill>
-                <a:srgbClr val="EBEBEB">
-                  <a:alpha val="100000"/>
-                </a:srgbClr>
-              </a:solidFill>
-              <a:prstDash val="solid"/>
-              <a:round/>
-            </a:ln>
-          </p:spPr>
-          <p:txBody>
-            <a:bodyPr/>
-            <a:lstStyle/>
-            <a:p/>
-          </p:txBody>
-        </p:sp>
-        <p:sp>
-          <p:nvSpPr>
-            <p:cNvPr id="50" name="rc50"/>
-            <p:cNvSpPr/>
-            <p:nvPr/>
-          </p:nvSpPr>
-          <p:spPr>
-            <a:xfrm>
-              <a:off x="3568944" y="4019127"/>
-              <a:ext cx="142218" cy="887992"/>
+            <p:cNvPr id="40" name="rc40"/>
+            <p:cNvSpPr/>
+            <p:nvPr/>
+          </p:nvSpPr>
+          <p:spPr>
+            <a:xfrm>
+              <a:off x="3900036" y="5103023"/>
+              <a:ext cx="277665" cy="13577"/>
             </a:xfrm>
             <a:prstGeom prst="rect">
               <a:avLst/>
             </a:prstGeom>
             <a:solidFill>
-              <a:srgbClr val="FFF5F0">
+              <a:srgbClr val="FCAE91">
                 <a:alpha val="100000"/>
               </a:srgbClr>
             </a:solidFill>
@@ -4964,92 +4602,14 @@
         </p:sp>
         <p:sp>
           <p:nvSpPr>
-            <p:cNvPr id="51" name="rc51"/>
-            <p:cNvSpPr/>
-            <p:nvPr/>
-          </p:nvSpPr>
-          <p:spPr>
-            <a:xfrm>
-              <a:off x="3726965" y="4019127"/>
-              <a:ext cx="142218" cy="887992"/>
-            </a:xfrm>
-            <a:prstGeom prst="rect">
-              <a:avLst/>
-            </a:prstGeom>
-            <a:solidFill>
-              <a:srgbClr val="FEE0D2">
-                <a:alpha val="100000"/>
-              </a:srgbClr>
-            </a:solidFill>
-          </p:spPr>
-          <p:txBody>
-            <a:bodyPr/>
-            <a:lstStyle/>
-            <a:p/>
-          </p:txBody>
-        </p:sp>
-        <p:sp>
-          <p:nvSpPr>
-            <p:cNvPr id="52" name="rc52"/>
-            <p:cNvSpPr/>
-            <p:nvPr/>
-          </p:nvSpPr>
-          <p:spPr>
-            <a:xfrm>
-              <a:off x="3884986" y="4190997"/>
-              <a:ext cx="142218" cy="716122"/>
-            </a:xfrm>
-            <a:prstGeom prst="rect">
-              <a:avLst/>
-            </a:prstGeom>
-            <a:solidFill>
-              <a:srgbClr val="FCBBA1">
-                <a:alpha val="100000"/>
-              </a:srgbClr>
-            </a:solidFill>
-          </p:spPr>
-          <p:txBody>
-            <a:bodyPr/>
-            <a:lstStyle/>
-            <a:p/>
-          </p:txBody>
-        </p:sp>
-        <p:sp>
-          <p:nvSpPr>
-            <p:cNvPr id="53" name="rc53"/>
-            <p:cNvSpPr/>
-            <p:nvPr/>
-          </p:nvSpPr>
-          <p:spPr>
-            <a:xfrm>
-              <a:off x="4043007" y="4477446"/>
-              <a:ext cx="142218" cy="429673"/>
-            </a:xfrm>
-            <a:prstGeom prst="rect">
-              <a:avLst/>
-            </a:prstGeom>
-            <a:solidFill>
-              <a:srgbClr val="FC9272">
-                <a:alpha val="100000"/>
-              </a:srgbClr>
-            </a:solidFill>
-          </p:spPr>
-          <p:txBody>
-            <a:bodyPr/>
-            <a:lstStyle/>
-            <a:p/>
-          </p:txBody>
-        </p:sp>
-        <p:sp>
-          <p:nvSpPr>
-            <p:cNvPr id="54" name="rc54"/>
-            <p:cNvSpPr/>
-            <p:nvPr/>
-          </p:nvSpPr>
-          <p:spPr>
-            <a:xfrm>
-              <a:off x="4201028" y="3875903"/>
-              <a:ext cx="142218" cy="1031216"/>
+            <p:cNvPr id="41" name="rc41"/>
+            <p:cNvSpPr/>
+            <p:nvPr/>
+          </p:nvSpPr>
+          <p:spPr>
+            <a:xfrm>
+              <a:off x="4208552" y="3663830"/>
+              <a:ext cx="277665" cy="1452770"/>
             </a:xfrm>
             <a:prstGeom prst="rect">
               <a:avLst/>
@@ -5068,40 +4628,14 @@
         </p:sp>
         <p:sp>
           <p:nvSpPr>
-            <p:cNvPr id="55" name="rc55"/>
-            <p:cNvSpPr/>
-            <p:nvPr/>
-          </p:nvSpPr>
-          <p:spPr>
-            <a:xfrm>
-              <a:off x="4359049" y="3847258"/>
-              <a:ext cx="142218" cy="1059861"/>
-            </a:xfrm>
-            <a:prstGeom prst="rect">
-              <a:avLst/>
-            </a:prstGeom>
-            <a:solidFill>
-              <a:srgbClr val="EF3B2C">
-                <a:alpha val="100000"/>
-              </a:srgbClr>
-            </a:solidFill>
-          </p:spPr>
-          <p:txBody>
-            <a:bodyPr/>
-            <a:lstStyle/>
-            <a:p/>
-          </p:txBody>
-        </p:sp>
-        <p:sp>
-          <p:nvSpPr>
-            <p:cNvPr id="56" name="rc56"/>
-            <p:cNvSpPr/>
-            <p:nvPr/>
-          </p:nvSpPr>
-          <p:spPr>
-            <a:xfrm>
-              <a:off x="4517069" y="3045200"/>
-              <a:ext cx="142218" cy="1861919"/>
+            <p:cNvPr id="42" name="rc42"/>
+            <p:cNvSpPr/>
+            <p:nvPr/>
+          </p:nvSpPr>
+          <p:spPr>
+            <a:xfrm>
+              <a:off x="4517069" y="3066430"/>
+              <a:ext cx="277665" cy="2050170"/>
             </a:xfrm>
             <a:prstGeom prst="rect">
               <a:avLst/>
@@ -5120,40 +4654,14 @@
         </p:sp>
         <p:sp>
           <p:nvSpPr>
-            <p:cNvPr id="57" name="rc57"/>
-            <p:cNvSpPr/>
-            <p:nvPr/>
-          </p:nvSpPr>
-          <p:spPr>
-            <a:xfrm>
-              <a:off x="4675090" y="4362866"/>
-              <a:ext cx="142218" cy="544253"/>
-            </a:xfrm>
-            <a:prstGeom prst="rect">
-              <a:avLst/>
-            </a:prstGeom>
-            <a:solidFill>
-              <a:srgbClr val="99000D">
-                <a:alpha val="100000"/>
-              </a:srgbClr>
-            </a:solidFill>
-          </p:spPr>
-          <p:txBody>
-            <a:bodyPr/>
-            <a:lstStyle/>
-            <a:p/>
-          </p:txBody>
-        </p:sp>
-        <p:sp>
-          <p:nvSpPr>
-            <p:cNvPr id="58" name="rc58"/>
+            <p:cNvPr id="43" name="rc43"/>
             <p:cNvSpPr/>
             <p:nvPr/>
           </p:nvSpPr>
           <p:spPr>
             <a:xfrm>
               <a:off x="3545241" y="1809173"/>
-              <a:ext cx="1295770" cy="3245468"/>
+              <a:ext cx="1295770" cy="3464924"/>
             </a:xfrm>
             <a:prstGeom prst="rect">
               <a:avLst/>
@@ -5176,14 +4684,14 @@
         </p:sp>
         <p:sp>
           <p:nvSpPr>
-            <p:cNvPr id="59" name="rc59"/>
+            <p:cNvPr id="44" name="rc44"/>
             <p:cNvSpPr/>
             <p:nvPr/>
           </p:nvSpPr>
           <p:spPr>
             <a:xfrm>
               <a:off x="4910601" y="1809173"/>
-              <a:ext cx="1295770" cy="3245468"/>
+              <a:ext cx="1295770" cy="3464924"/>
             </a:xfrm>
             <a:prstGeom prst="rect">
               <a:avLst/>
@@ -5202,13 +4710,13 @@
         </p:sp>
         <p:sp>
           <p:nvSpPr>
-            <p:cNvPr id="60" name="pl60"/>
-            <p:cNvSpPr/>
-            <p:nvPr/>
-          </p:nvSpPr>
-          <p:spPr>
-            <a:xfrm>
-              <a:off x="4910601" y="4549058"/>
+            <p:cNvPr id="45" name="pl45"/>
+            <p:cNvSpPr/>
+            <p:nvPr/>
+          </p:nvSpPr>
+          <p:spPr>
+            <a:xfrm>
+              <a:off x="4910601" y="4777168"/>
               <a:ext cx="1295770" cy="0"/>
             </a:xfrm>
             <a:custGeom>
@@ -5245,13 +4753,13 @@
         </p:sp>
         <p:sp>
           <p:nvSpPr>
-            <p:cNvPr id="61" name="pl61"/>
-            <p:cNvSpPr/>
-            <p:nvPr/>
-          </p:nvSpPr>
-          <p:spPr>
-            <a:xfrm>
-              <a:off x="4910601" y="3832936"/>
+            <p:cNvPr id="46" name="pl46"/>
+            <p:cNvSpPr/>
+            <p:nvPr/>
+          </p:nvSpPr>
+          <p:spPr>
+            <a:xfrm>
+              <a:off x="4910601" y="4098304"/>
               <a:ext cx="1295770" cy="0"/>
             </a:xfrm>
             <a:custGeom>
@@ -5288,13 +4796,13 @@
         </p:sp>
         <p:sp>
           <p:nvSpPr>
-            <p:cNvPr id="62" name="pl62"/>
-            <p:cNvSpPr/>
-            <p:nvPr/>
-          </p:nvSpPr>
-          <p:spPr>
-            <a:xfrm>
-              <a:off x="4910601" y="3116813"/>
+            <p:cNvPr id="47" name="pl47"/>
+            <p:cNvSpPr/>
+            <p:nvPr/>
+          </p:nvSpPr>
+          <p:spPr>
+            <a:xfrm>
+              <a:off x="4910601" y="3419439"/>
               <a:ext cx="1295770" cy="0"/>
             </a:xfrm>
             <a:custGeom>
@@ -5331,13 +4839,13 @@
         </p:sp>
         <p:sp>
           <p:nvSpPr>
-            <p:cNvPr id="63" name="pl63"/>
-            <p:cNvSpPr/>
-            <p:nvPr/>
-          </p:nvSpPr>
-          <p:spPr>
-            <a:xfrm>
-              <a:off x="4910601" y="2400690"/>
+            <p:cNvPr id="48" name="pl48"/>
+            <p:cNvSpPr/>
+            <p:nvPr/>
+          </p:nvSpPr>
+          <p:spPr>
+            <a:xfrm>
+              <a:off x="4910601" y="2740575"/>
               <a:ext cx="1295770" cy="0"/>
             </a:xfrm>
             <a:custGeom>
@@ -5374,13 +4882,13 @@
         </p:sp>
         <p:sp>
           <p:nvSpPr>
-            <p:cNvPr id="64" name="pl64"/>
-            <p:cNvSpPr/>
-            <p:nvPr/>
-          </p:nvSpPr>
-          <p:spPr>
-            <a:xfrm>
-              <a:off x="4910601" y="4907120"/>
+            <p:cNvPr id="49" name="pl49"/>
+            <p:cNvSpPr/>
+            <p:nvPr/>
+          </p:nvSpPr>
+          <p:spPr>
+            <a:xfrm>
+              <a:off x="4910601" y="2061710"/>
               <a:ext cx="1295770" cy="0"/>
             </a:xfrm>
             <a:custGeom>
@@ -5399,6 +4907,49 @@
                 </a:path>
               </a:pathLst>
             </a:custGeom>
+            <a:ln w="6775" cap="flat">
+              <a:solidFill>
+                <a:srgbClr val="EBEBEB">
+                  <a:alpha val="100000"/>
+                </a:srgbClr>
+              </a:solidFill>
+              <a:prstDash val="solid"/>
+              <a:round/>
+            </a:ln>
+          </p:spPr>
+          <p:txBody>
+            <a:bodyPr/>
+            <a:lstStyle/>
+            <a:p/>
+          </p:txBody>
+        </p:sp>
+        <p:sp>
+          <p:nvSpPr>
+            <p:cNvPr id="50" name="pl50"/>
+            <p:cNvSpPr/>
+            <p:nvPr/>
+          </p:nvSpPr>
+          <p:spPr>
+            <a:xfrm>
+              <a:off x="4910601" y="5116600"/>
+              <a:ext cx="1295770" cy="0"/>
+            </a:xfrm>
+            <a:custGeom>
+              <a:avLst/>
+              <a:pathLst>
+                <a:path w="1295770" h="0">
+                  <a:moveTo>
+                    <a:pt x="0" y="0"/>
+                  </a:moveTo>
+                  <a:lnTo>
+                    <a:pt x="1295770" y="0"/>
+                  </a:lnTo>
+                  <a:lnTo>
+                    <a:pt x="1295770" y="0"/>
+                  </a:lnTo>
+                </a:path>
+              </a:pathLst>
+            </a:custGeom>
             <a:ln w="13550" cap="flat">
               <a:solidFill>
                 <a:srgbClr val="EBEBEB">
@@ -5417,13 +4968,13 @@
         </p:sp>
         <p:sp>
           <p:nvSpPr>
-            <p:cNvPr id="65" name="pl65"/>
-            <p:cNvSpPr/>
-            <p:nvPr/>
-          </p:nvSpPr>
-          <p:spPr>
-            <a:xfrm>
-              <a:off x="4910601" y="4190997"/>
+            <p:cNvPr id="51" name="pl51"/>
+            <p:cNvSpPr/>
+            <p:nvPr/>
+          </p:nvSpPr>
+          <p:spPr>
+            <a:xfrm>
+              <a:off x="4910601" y="4437736"/>
               <a:ext cx="1295770" cy="0"/>
             </a:xfrm>
             <a:custGeom>
@@ -5460,13 +5011,13 @@
         </p:sp>
         <p:sp>
           <p:nvSpPr>
-            <p:cNvPr id="66" name="pl66"/>
-            <p:cNvSpPr/>
-            <p:nvPr/>
-          </p:nvSpPr>
-          <p:spPr>
-            <a:xfrm>
-              <a:off x="4910601" y="3474874"/>
+            <p:cNvPr id="52" name="pl52"/>
+            <p:cNvSpPr/>
+            <p:nvPr/>
+          </p:nvSpPr>
+          <p:spPr>
+            <a:xfrm>
+              <a:off x="4910601" y="3758871"/>
               <a:ext cx="1295770" cy="0"/>
             </a:xfrm>
             <a:custGeom>
@@ -5503,13 +5054,13 @@
         </p:sp>
         <p:sp>
           <p:nvSpPr>
-            <p:cNvPr id="67" name="pl67"/>
-            <p:cNvSpPr/>
-            <p:nvPr/>
-          </p:nvSpPr>
-          <p:spPr>
-            <a:xfrm>
-              <a:off x="4910601" y="2758751"/>
+            <p:cNvPr id="53" name="pl53"/>
+            <p:cNvSpPr/>
+            <p:nvPr/>
+          </p:nvSpPr>
+          <p:spPr>
+            <a:xfrm>
+              <a:off x="4910601" y="3080007"/>
               <a:ext cx="1295770" cy="0"/>
             </a:xfrm>
             <a:custGeom>
@@ -5546,13 +5097,13 @@
         </p:sp>
         <p:sp>
           <p:nvSpPr>
-            <p:cNvPr id="68" name="pl68"/>
-            <p:cNvSpPr/>
-            <p:nvPr/>
-          </p:nvSpPr>
-          <p:spPr>
-            <a:xfrm>
-              <a:off x="4910601" y="2042629"/>
+            <p:cNvPr id="54" name="pl54"/>
+            <p:cNvSpPr/>
+            <p:nvPr/>
+          </p:nvSpPr>
+          <p:spPr>
+            <a:xfrm>
+              <a:off x="4910601" y="2401142"/>
               <a:ext cx="1295770" cy="0"/>
             </a:xfrm>
             <a:custGeom>
@@ -5589,21 +5140,21 @@
         </p:sp>
         <p:sp>
           <p:nvSpPr>
-            <p:cNvPr id="69" name="pl69"/>
-            <p:cNvSpPr/>
-            <p:nvPr/>
-          </p:nvSpPr>
-          <p:spPr>
-            <a:xfrm>
-              <a:off x="5005414" y="1809173"/>
-              <a:ext cx="0" cy="3245468"/>
-            </a:xfrm>
-            <a:custGeom>
-              <a:avLst/>
-              <a:pathLst>
-                <a:path w="0" h="3245468">
-                  <a:moveTo>
-                    <a:pt x="0" y="3245468"/>
+            <p:cNvPr id="55" name="pl55"/>
+            <p:cNvSpPr/>
+            <p:nvPr/>
+          </p:nvSpPr>
+          <p:spPr>
+            <a:xfrm>
+              <a:off x="5095711" y="1809173"/>
+              <a:ext cx="0" cy="3464924"/>
+            </a:xfrm>
+            <a:custGeom>
+              <a:avLst/>
+              <a:pathLst>
+                <a:path w="0" h="3464924">
+                  <a:moveTo>
+                    <a:pt x="0" y="3464924"/>
                   </a:moveTo>
                   <a:lnTo>
                     <a:pt x="0" y="0"/>
@@ -5632,21 +5183,21 @@
         </p:sp>
         <p:sp>
           <p:nvSpPr>
-            <p:cNvPr id="70" name="pl70"/>
-            <p:cNvSpPr/>
-            <p:nvPr/>
-          </p:nvSpPr>
-          <p:spPr>
-            <a:xfrm>
-              <a:off x="5163434" y="1809173"/>
-              <a:ext cx="0" cy="3245468"/>
-            </a:xfrm>
-            <a:custGeom>
-              <a:avLst/>
-              <a:pathLst>
-                <a:path w="0" h="3245468">
-                  <a:moveTo>
-                    <a:pt x="0" y="3245468"/>
+            <p:cNvPr id="56" name="pl56"/>
+            <p:cNvSpPr/>
+            <p:nvPr/>
+          </p:nvSpPr>
+          <p:spPr>
+            <a:xfrm>
+              <a:off x="5404228" y="1809173"/>
+              <a:ext cx="0" cy="3464924"/>
+            </a:xfrm>
+            <a:custGeom>
+              <a:avLst/>
+              <a:pathLst>
+                <a:path w="0" h="3464924">
+                  <a:moveTo>
+                    <a:pt x="0" y="3464924"/>
                   </a:moveTo>
                   <a:lnTo>
                     <a:pt x="0" y="0"/>
@@ -5675,21 +5226,21 @@
         </p:sp>
         <p:sp>
           <p:nvSpPr>
-            <p:cNvPr id="71" name="pl71"/>
-            <p:cNvSpPr/>
-            <p:nvPr/>
-          </p:nvSpPr>
-          <p:spPr>
-            <a:xfrm>
-              <a:off x="5321455" y="1809173"/>
-              <a:ext cx="0" cy="3245468"/>
-            </a:xfrm>
-            <a:custGeom>
-              <a:avLst/>
-              <a:pathLst>
-                <a:path w="0" h="3245468">
-                  <a:moveTo>
-                    <a:pt x="0" y="3245468"/>
+            <p:cNvPr id="57" name="pl57"/>
+            <p:cNvSpPr/>
+            <p:nvPr/>
+          </p:nvSpPr>
+          <p:spPr>
+            <a:xfrm>
+              <a:off x="5712745" y="1809173"/>
+              <a:ext cx="0" cy="3464924"/>
+            </a:xfrm>
+            <a:custGeom>
+              <a:avLst/>
+              <a:pathLst>
+                <a:path w="0" h="3464924">
+                  <a:moveTo>
+                    <a:pt x="0" y="3464924"/>
                   </a:moveTo>
                   <a:lnTo>
                     <a:pt x="0" y="0"/>
@@ -5718,21 +5269,21 @@
         </p:sp>
         <p:sp>
           <p:nvSpPr>
-            <p:cNvPr id="72" name="pl72"/>
-            <p:cNvSpPr/>
-            <p:nvPr/>
-          </p:nvSpPr>
-          <p:spPr>
-            <a:xfrm>
-              <a:off x="5479476" y="1809173"/>
-              <a:ext cx="0" cy="3245468"/>
-            </a:xfrm>
-            <a:custGeom>
-              <a:avLst/>
-              <a:pathLst>
-                <a:path w="0" h="3245468">
-                  <a:moveTo>
-                    <a:pt x="0" y="3245468"/>
+            <p:cNvPr id="58" name="pl58"/>
+            <p:cNvSpPr/>
+            <p:nvPr/>
+          </p:nvSpPr>
+          <p:spPr>
+            <a:xfrm>
+              <a:off x="6021262" y="1809173"/>
+              <a:ext cx="0" cy="3464924"/>
+            </a:xfrm>
+            <a:custGeom>
+              <a:avLst/>
+              <a:pathLst>
+                <a:path w="0" h="3464924">
+                  <a:moveTo>
+                    <a:pt x="0" y="3464924"/>
                   </a:moveTo>
                   <a:lnTo>
                     <a:pt x="0" y="0"/>
@@ -5761,192 +5312,20 @@
         </p:sp>
         <p:sp>
           <p:nvSpPr>
-            <p:cNvPr id="73" name="pl73"/>
-            <p:cNvSpPr/>
-            <p:nvPr/>
-          </p:nvSpPr>
-          <p:spPr>
-            <a:xfrm>
-              <a:off x="5637497" y="1809173"/>
-              <a:ext cx="0" cy="3245468"/>
-            </a:xfrm>
-            <a:custGeom>
-              <a:avLst/>
-              <a:pathLst>
-                <a:path w="0" h="3245468">
-                  <a:moveTo>
-                    <a:pt x="0" y="3245468"/>
-                  </a:moveTo>
-                  <a:lnTo>
-                    <a:pt x="0" y="0"/>
-                  </a:lnTo>
-                  <a:lnTo>
-                    <a:pt x="0" y="0"/>
-                  </a:lnTo>
-                </a:path>
-              </a:pathLst>
-            </a:custGeom>
-            <a:ln w="13550" cap="flat">
-              <a:solidFill>
-                <a:srgbClr val="EBEBEB">
-                  <a:alpha val="100000"/>
-                </a:srgbClr>
-              </a:solidFill>
-              <a:prstDash val="solid"/>
-              <a:round/>
-            </a:ln>
-          </p:spPr>
-          <p:txBody>
-            <a:bodyPr/>
-            <a:lstStyle/>
-            <a:p/>
-          </p:txBody>
-        </p:sp>
-        <p:sp>
-          <p:nvSpPr>
-            <p:cNvPr id="74" name="pl74"/>
-            <p:cNvSpPr/>
-            <p:nvPr/>
-          </p:nvSpPr>
-          <p:spPr>
-            <a:xfrm>
-              <a:off x="5795518" y="1809173"/>
-              <a:ext cx="0" cy="3245468"/>
-            </a:xfrm>
-            <a:custGeom>
-              <a:avLst/>
-              <a:pathLst>
-                <a:path w="0" h="3245468">
-                  <a:moveTo>
-                    <a:pt x="0" y="3245468"/>
-                  </a:moveTo>
-                  <a:lnTo>
-                    <a:pt x="0" y="0"/>
-                  </a:lnTo>
-                  <a:lnTo>
-                    <a:pt x="0" y="0"/>
-                  </a:lnTo>
-                </a:path>
-              </a:pathLst>
-            </a:custGeom>
-            <a:ln w="13550" cap="flat">
-              <a:solidFill>
-                <a:srgbClr val="EBEBEB">
-                  <a:alpha val="100000"/>
-                </a:srgbClr>
-              </a:solidFill>
-              <a:prstDash val="solid"/>
-              <a:round/>
-            </a:ln>
-          </p:spPr>
-          <p:txBody>
-            <a:bodyPr/>
-            <a:lstStyle/>
-            <a:p/>
-          </p:txBody>
-        </p:sp>
-        <p:sp>
-          <p:nvSpPr>
-            <p:cNvPr id="75" name="pl75"/>
-            <p:cNvSpPr/>
-            <p:nvPr/>
-          </p:nvSpPr>
-          <p:spPr>
-            <a:xfrm>
-              <a:off x="5953539" y="1809173"/>
-              <a:ext cx="0" cy="3245468"/>
-            </a:xfrm>
-            <a:custGeom>
-              <a:avLst/>
-              <a:pathLst>
-                <a:path w="0" h="3245468">
-                  <a:moveTo>
-                    <a:pt x="0" y="3245468"/>
-                  </a:moveTo>
-                  <a:lnTo>
-                    <a:pt x="0" y="0"/>
-                  </a:lnTo>
-                  <a:lnTo>
-                    <a:pt x="0" y="0"/>
-                  </a:lnTo>
-                </a:path>
-              </a:pathLst>
-            </a:custGeom>
-            <a:ln w="13550" cap="flat">
-              <a:solidFill>
-                <a:srgbClr val="EBEBEB">
-                  <a:alpha val="100000"/>
-                </a:srgbClr>
-              </a:solidFill>
-              <a:prstDash val="solid"/>
-              <a:round/>
-            </a:ln>
-          </p:spPr>
-          <p:txBody>
-            <a:bodyPr/>
-            <a:lstStyle/>
-            <a:p/>
-          </p:txBody>
-        </p:sp>
-        <p:sp>
-          <p:nvSpPr>
-            <p:cNvPr id="76" name="pl76"/>
-            <p:cNvSpPr/>
-            <p:nvPr/>
-          </p:nvSpPr>
-          <p:spPr>
-            <a:xfrm>
-              <a:off x="6111560" y="1809173"/>
-              <a:ext cx="0" cy="3245468"/>
-            </a:xfrm>
-            <a:custGeom>
-              <a:avLst/>
-              <a:pathLst>
-                <a:path w="0" h="3245468">
-                  <a:moveTo>
-                    <a:pt x="0" y="3245468"/>
-                  </a:moveTo>
-                  <a:lnTo>
-                    <a:pt x="0" y="0"/>
-                  </a:lnTo>
-                  <a:lnTo>
-                    <a:pt x="0" y="0"/>
-                  </a:lnTo>
-                </a:path>
-              </a:pathLst>
-            </a:custGeom>
-            <a:ln w="13550" cap="flat">
-              <a:solidFill>
-                <a:srgbClr val="EBEBEB">
-                  <a:alpha val="100000"/>
-                </a:srgbClr>
-              </a:solidFill>
-              <a:prstDash val="solid"/>
-              <a:round/>
-            </a:ln>
-          </p:spPr>
-          <p:txBody>
-            <a:bodyPr/>
-            <a:lstStyle/>
-            <a:p/>
-          </p:txBody>
-        </p:sp>
-        <p:sp>
-          <p:nvSpPr>
-            <p:cNvPr id="77" name="rc77"/>
-            <p:cNvSpPr/>
-            <p:nvPr/>
-          </p:nvSpPr>
-          <p:spPr>
-            <a:xfrm>
-              <a:off x="4934304" y="4391511"/>
-              <a:ext cx="142218" cy="515608"/>
+            <p:cNvPr id="59" name="rc59"/>
+            <p:cNvSpPr/>
+            <p:nvPr/>
+          </p:nvSpPr>
+          <p:spPr>
+            <a:xfrm>
+              <a:off x="5265396" y="5089446"/>
+              <a:ext cx="277665" cy="27154"/>
             </a:xfrm>
             <a:prstGeom prst="rect">
               <a:avLst/>
             </a:prstGeom>
             <a:solidFill>
-              <a:srgbClr val="FFF5F0">
+              <a:srgbClr val="FCAE91">
                 <a:alpha val="100000"/>
               </a:srgbClr>
             </a:solidFill>
@@ -5959,92 +5338,14 @@
         </p:sp>
         <p:sp>
           <p:nvSpPr>
-            <p:cNvPr id="78" name="rc78"/>
-            <p:cNvSpPr/>
-            <p:nvPr/>
-          </p:nvSpPr>
-          <p:spPr>
-            <a:xfrm>
-              <a:off x="5092325" y="4821185"/>
-              <a:ext cx="142218" cy="85934"/>
-            </a:xfrm>
-            <a:prstGeom prst="rect">
-              <a:avLst/>
-            </a:prstGeom>
-            <a:solidFill>
-              <a:srgbClr val="FEE0D2">
-                <a:alpha val="100000"/>
-              </a:srgbClr>
-            </a:solidFill>
-          </p:spPr>
-          <p:txBody>
-            <a:bodyPr/>
-            <a:lstStyle/>
-            <a:p/>
-          </p:txBody>
-        </p:sp>
-        <p:sp>
-          <p:nvSpPr>
-            <p:cNvPr id="79" name="rc79"/>
-            <p:cNvSpPr/>
-            <p:nvPr/>
-          </p:nvSpPr>
-          <p:spPr>
-            <a:xfrm>
-              <a:off x="5250346" y="4792540"/>
-              <a:ext cx="142218" cy="114579"/>
-            </a:xfrm>
-            <a:prstGeom prst="rect">
-              <a:avLst/>
-            </a:prstGeom>
-            <a:solidFill>
-              <a:srgbClr val="FCBBA1">
-                <a:alpha val="100000"/>
-              </a:srgbClr>
-            </a:solidFill>
-          </p:spPr>
-          <p:txBody>
-            <a:bodyPr/>
-            <a:lstStyle/>
-            <a:p/>
-          </p:txBody>
-        </p:sp>
-        <p:sp>
-          <p:nvSpPr>
-            <p:cNvPr id="80" name="rc80"/>
-            <p:cNvSpPr/>
-            <p:nvPr/>
-          </p:nvSpPr>
-          <p:spPr>
-            <a:xfrm>
-              <a:off x="5408367" y="4677960"/>
-              <a:ext cx="142218" cy="229159"/>
-            </a:xfrm>
-            <a:prstGeom prst="rect">
-              <a:avLst/>
-            </a:prstGeom>
-            <a:solidFill>
-              <a:srgbClr val="FC9272">
-                <a:alpha val="100000"/>
-              </a:srgbClr>
-            </a:solidFill>
-          </p:spPr>
-          <p:txBody>
-            <a:bodyPr/>
-            <a:lstStyle/>
-            <a:p/>
-          </p:txBody>
-        </p:sp>
-        <p:sp>
-          <p:nvSpPr>
-            <p:cNvPr id="81" name="rc81"/>
-            <p:cNvSpPr/>
-            <p:nvPr/>
-          </p:nvSpPr>
-          <p:spPr>
-            <a:xfrm>
-              <a:off x="5566388" y="4821185"/>
-              <a:ext cx="142218" cy="85934"/>
+            <p:cNvPr id="60" name="rc60"/>
+            <p:cNvSpPr/>
+            <p:nvPr/>
+          </p:nvSpPr>
+          <p:spPr>
+            <a:xfrm>
+              <a:off x="5573912" y="4763591"/>
+              <a:ext cx="277665" cy="353009"/>
             </a:xfrm>
             <a:prstGeom prst="rect">
               <a:avLst/>
@@ -6063,40 +5364,14 @@
         </p:sp>
         <p:sp>
           <p:nvSpPr>
-            <p:cNvPr id="82" name="rc82"/>
-            <p:cNvSpPr/>
-            <p:nvPr/>
-          </p:nvSpPr>
-          <p:spPr>
-            <a:xfrm>
-              <a:off x="5724408" y="4477446"/>
-              <a:ext cx="142218" cy="429673"/>
-            </a:xfrm>
-            <a:prstGeom prst="rect">
-              <a:avLst/>
-            </a:prstGeom>
-            <a:solidFill>
-              <a:srgbClr val="EF3B2C">
-                <a:alpha val="100000"/>
-              </a:srgbClr>
-            </a:solidFill>
-          </p:spPr>
-          <p:txBody>
-            <a:bodyPr/>
-            <a:lstStyle/>
-            <a:p/>
-          </p:txBody>
-        </p:sp>
-        <p:sp>
-          <p:nvSpPr>
-            <p:cNvPr id="83" name="rc83"/>
-            <p:cNvSpPr/>
-            <p:nvPr/>
-          </p:nvSpPr>
-          <p:spPr>
-            <a:xfrm>
-              <a:off x="5882429" y="4334221"/>
-              <a:ext cx="142218" cy="572898"/>
+            <p:cNvPr id="61" name="rc61"/>
+            <p:cNvSpPr/>
+            <p:nvPr/>
+          </p:nvSpPr>
+          <p:spPr>
+            <a:xfrm>
+              <a:off x="5882429" y="4329118"/>
+              <a:ext cx="277665" cy="787482"/>
             </a:xfrm>
             <a:prstGeom prst="rect">
               <a:avLst/>
@@ -6115,40 +5390,14 @@
         </p:sp>
         <p:sp>
           <p:nvSpPr>
-            <p:cNvPr id="84" name="rc84"/>
-            <p:cNvSpPr/>
-            <p:nvPr/>
-          </p:nvSpPr>
-          <p:spPr>
-            <a:xfrm>
-              <a:off x="6040450" y="4477446"/>
-              <a:ext cx="142218" cy="429673"/>
-            </a:xfrm>
-            <a:prstGeom prst="rect">
-              <a:avLst/>
-            </a:prstGeom>
-            <a:solidFill>
-              <a:srgbClr val="99000D">
-                <a:alpha val="100000"/>
-              </a:srgbClr>
-            </a:solidFill>
-          </p:spPr>
-          <p:txBody>
-            <a:bodyPr/>
-            <a:lstStyle/>
-            <a:p/>
-          </p:txBody>
-        </p:sp>
-        <p:sp>
-          <p:nvSpPr>
-            <p:cNvPr id="85" name="rc85"/>
+            <p:cNvPr id="62" name="rc62"/>
             <p:cNvSpPr/>
             <p:nvPr/>
           </p:nvSpPr>
           <p:spPr>
             <a:xfrm>
               <a:off x="4910601" y="1809173"/>
-              <a:ext cx="1295770" cy="3245468"/>
+              <a:ext cx="1295770" cy="3464924"/>
             </a:xfrm>
             <a:prstGeom prst="rect">
               <a:avLst/>
@@ -6171,14 +5420,14 @@
         </p:sp>
         <p:sp>
           <p:nvSpPr>
-            <p:cNvPr id="86" name="rc86"/>
+            <p:cNvPr id="63" name="rc63"/>
             <p:cNvSpPr/>
             <p:nvPr/>
           </p:nvSpPr>
           <p:spPr>
             <a:xfrm>
               <a:off x="6275961" y="1809173"/>
-              <a:ext cx="1295770" cy="3245468"/>
+              <a:ext cx="1295770" cy="3464924"/>
             </a:xfrm>
             <a:prstGeom prst="rect">
               <a:avLst/>
@@ -6197,13 +5446,13 @@
         </p:sp>
         <p:sp>
           <p:nvSpPr>
-            <p:cNvPr id="87" name="pl87"/>
-            <p:cNvSpPr/>
-            <p:nvPr/>
-          </p:nvSpPr>
-          <p:spPr>
-            <a:xfrm>
-              <a:off x="6275961" y="4549058"/>
+            <p:cNvPr id="64" name="pl64"/>
+            <p:cNvSpPr/>
+            <p:nvPr/>
+          </p:nvSpPr>
+          <p:spPr>
+            <a:xfrm>
+              <a:off x="6275961" y="4777168"/>
               <a:ext cx="1295770" cy="0"/>
             </a:xfrm>
             <a:custGeom>
@@ -6240,13 +5489,13 @@
         </p:sp>
         <p:sp>
           <p:nvSpPr>
-            <p:cNvPr id="88" name="pl88"/>
-            <p:cNvSpPr/>
-            <p:nvPr/>
-          </p:nvSpPr>
-          <p:spPr>
-            <a:xfrm>
-              <a:off x="6275961" y="3832936"/>
+            <p:cNvPr id="65" name="pl65"/>
+            <p:cNvSpPr/>
+            <p:nvPr/>
+          </p:nvSpPr>
+          <p:spPr>
+            <a:xfrm>
+              <a:off x="6275961" y="4098304"/>
               <a:ext cx="1295770" cy="0"/>
             </a:xfrm>
             <a:custGeom>
@@ -6283,13 +5532,13 @@
         </p:sp>
         <p:sp>
           <p:nvSpPr>
-            <p:cNvPr id="89" name="pl89"/>
-            <p:cNvSpPr/>
-            <p:nvPr/>
-          </p:nvSpPr>
-          <p:spPr>
-            <a:xfrm>
-              <a:off x="6275961" y="3116813"/>
+            <p:cNvPr id="66" name="pl66"/>
+            <p:cNvSpPr/>
+            <p:nvPr/>
+          </p:nvSpPr>
+          <p:spPr>
+            <a:xfrm>
+              <a:off x="6275961" y="3419439"/>
               <a:ext cx="1295770" cy="0"/>
             </a:xfrm>
             <a:custGeom>
@@ -6326,13 +5575,13 @@
         </p:sp>
         <p:sp>
           <p:nvSpPr>
-            <p:cNvPr id="90" name="pl90"/>
-            <p:cNvSpPr/>
-            <p:nvPr/>
-          </p:nvSpPr>
-          <p:spPr>
-            <a:xfrm>
-              <a:off x="6275961" y="2400690"/>
+            <p:cNvPr id="67" name="pl67"/>
+            <p:cNvSpPr/>
+            <p:nvPr/>
+          </p:nvSpPr>
+          <p:spPr>
+            <a:xfrm>
+              <a:off x="6275961" y="2740575"/>
               <a:ext cx="1295770" cy="0"/>
             </a:xfrm>
             <a:custGeom>
@@ -6369,13 +5618,13 @@
         </p:sp>
         <p:sp>
           <p:nvSpPr>
-            <p:cNvPr id="91" name="pl91"/>
-            <p:cNvSpPr/>
-            <p:nvPr/>
-          </p:nvSpPr>
-          <p:spPr>
-            <a:xfrm>
-              <a:off x="6275961" y="4907120"/>
+            <p:cNvPr id="68" name="pl68"/>
+            <p:cNvSpPr/>
+            <p:nvPr/>
+          </p:nvSpPr>
+          <p:spPr>
+            <a:xfrm>
+              <a:off x="6275961" y="2061710"/>
               <a:ext cx="1295770" cy="0"/>
             </a:xfrm>
             <a:custGeom>
@@ -6394,6 +5643,49 @@
                 </a:path>
               </a:pathLst>
             </a:custGeom>
+            <a:ln w="6775" cap="flat">
+              <a:solidFill>
+                <a:srgbClr val="EBEBEB">
+                  <a:alpha val="100000"/>
+                </a:srgbClr>
+              </a:solidFill>
+              <a:prstDash val="solid"/>
+              <a:round/>
+            </a:ln>
+          </p:spPr>
+          <p:txBody>
+            <a:bodyPr/>
+            <a:lstStyle/>
+            <a:p/>
+          </p:txBody>
+        </p:sp>
+        <p:sp>
+          <p:nvSpPr>
+            <p:cNvPr id="69" name="pl69"/>
+            <p:cNvSpPr/>
+            <p:nvPr/>
+          </p:nvSpPr>
+          <p:spPr>
+            <a:xfrm>
+              <a:off x="6275961" y="5116600"/>
+              <a:ext cx="1295770" cy="0"/>
+            </a:xfrm>
+            <a:custGeom>
+              <a:avLst/>
+              <a:pathLst>
+                <a:path w="1295770" h="0">
+                  <a:moveTo>
+                    <a:pt x="0" y="0"/>
+                  </a:moveTo>
+                  <a:lnTo>
+                    <a:pt x="1295770" y="0"/>
+                  </a:lnTo>
+                  <a:lnTo>
+                    <a:pt x="1295770" y="0"/>
+                  </a:lnTo>
+                </a:path>
+              </a:pathLst>
+            </a:custGeom>
             <a:ln w="13550" cap="flat">
               <a:solidFill>
                 <a:srgbClr val="EBEBEB">
@@ -6412,13 +5704,13 @@
         </p:sp>
         <p:sp>
           <p:nvSpPr>
-            <p:cNvPr id="92" name="pl92"/>
-            <p:cNvSpPr/>
-            <p:nvPr/>
-          </p:nvSpPr>
-          <p:spPr>
-            <a:xfrm>
-              <a:off x="6275961" y="4190997"/>
+            <p:cNvPr id="70" name="pl70"/>
+            <p:cNvSpPr/>
+            <p:nvPr/>
+          </p:nvSpPr>
+          <p:spPr>
+            <a:xfrm>
+              <a:off x="6275961" y="4437736"/>
               <a:ext cx="1295770" cy="0"/>
             </a:xfrm>
             <a:custGeom>
@@ -6455,13 +5747,13 @@
         </p:sp>
         <p:sp>
           <p:nvSpPr>
-            <p:cNvPr id="93" name="pl93"/>
-            <p:cNvSpPr/>
-            <p:nvPr/>
-          </p:nvSpPr>
-          <p:spPr>
-            <a:xfrm>
-              <a:off x="6275961" y="3474874"/>
+            <p:cNvPr id="71" name="pl71"/>
+            <p:cNvSpPr/>
+            <p:nvPr/>
+          </p:nvSpPr>
+          <p:spPr>
+            <a:xfrm>
+              <a:off x="6275961" y="3758871"/>
               <a:ext cx="1295770" cy="0"/>
             </a:xfrm>
             <a:custGeom>
@@ -6498,13 +5790,13 @@
         </p:sp>
         <p:sp>
           <p:nvSpPr>
-            <p:cNvPr id="94" name="pl94"/>
-            <p:cNvSpPr/>
-            <p:nvPr/>
-          </p:nvSpPr>
-          <p:spPr>
-            <a:xfrm>
-              <a:off x="6275961" y="2758751"/>
+            <p:cNvPr id="72" name="pl72"/>
+            <p:cNvSpPr/>
+            <p:nvPr/>
+          </p:nvSpPr>
+          <p:spPr>
+            <a:xfrm>
+              <a:off x="6275961" y="3080007"/>
               <a:ext cx="1295770" cy="0"/>
             </a:xfrm>
             <a:custGeom>
@@ -6541,13 +5833,13 @@
         </p:sp>
         <p:sp>
           <p:nvSpPr>
-            <p:cNvPr id="95" name="pl95"/>
-            <p:cNvSpPr/>
-            <p:nvPr/>
-          </p:nvSpPr>
-          <p:spPr>
-            <a:xfrm>
-              <a:off x="6275961" y="2042629"/>
+            <p:cNvPr id="73" name="pl73"/>
+            <p:cNvSpPr/>
+            <p:nvPr/>
+          </p:nvSpPr>
+          <p:spPr>
+            <a:xfrm>
+              <a:off x="6275961" y="2401142"/>
               <a:ext cx="1295770" cy="0"/>
             </a:xfrm>
             <a:custGeom>
@@ -6584,21 +5876,21 @@
         </p:sp>
         <p:sp>
           <p:nvSpPr>
-            <p:cNvPr id="96" name="pl96"/>
-            <p:cNvSpPr/>
-            <p:nvPr/>
-          </p:nvSpPr>
-          <p:spPr>
-            <a:xfrm>
-              <a:off x="6370774" y="1809173"/>
-              <a:ext cx="0" cy="3245468"/>
-            </a:xfrm>
-            <a:custGeom>
-              <a:avLst/>
-              <a:pathLst>
-                <a:path w="0" h="3245468">
-                  <a:moveTo>
-                    <a:pt x="0" y="3245468"/>
+            <p:cNvPr id="74" name="pl74"/>
+            <p:cNvSpPr/>
+            <p:nvPr/>
+          </p:nvSpPr>
+          <p:spPr>
+            <a:xfrm>
+              <a:off x="6461071" y="1809173"/>
+              <a:ext cx="0" cy="3464924"/>
+            </a:xfrm>
+            <a:custGeom>
+              <a:avLst/>
+              <a:pathLst>
+                <a:path w="0" h="3464924">
+                  <a:moveTo>
+                    <a:pt x="0" y="3464924"/>
                   </a:moveTo>
                   <a:lnTo>
                     <a:pt x="0" y="0"/>
@@ -6627,21 +5919,21 @@
         </p:sp>
         <p:sp>
           <p:nvSpPr>
-            <p:cNvPr id="97" name="pl97"/>
-            <p:cNvSpPr/>
-            <p:nvPr/>
-          </p:nvSpPr>
-          <p:spPr>
-            <a:xfrm>
-              <a:off x="6528794" y="1809173"/>
-              <a:ext cx="0" cy="3245468"/>
-            </a:xfrm>
-            <a:custGeom>
-              <a:avLst/>
-              <a:pathLst>
-                <a:path w="0" h="3245468">
-                  <a:moveTo>
-                    <a:pt x="0" y="3245468"/>
+            <p:cNvPr id="75" name="pl75"/>
+            <p:cNvSpPr/>
+            <p:nvPr/>
+          </p:nvSpPr>
+          <p:spPr>
+            <a:xfrm>
+              <a:off x="6769588" y="1809173"/>
+              <a:ext cx="0" cy="3464924"/>
+            </a:xfrm>
+            <a:custGeom>
+              <a:avLst/>
+              <a:pathLst>
+                <a:path w="0" h="3464924">
+                  <a:moveTo>
+                    <a:pt x="0" y="3464924"/>
                   </a:moveTo>
                   <a:lnTo>
                     <a:pt x="0" y="0"/>
@@ -6670,21 +5962,21 @@
         </p:sp>
         <p:sp>
           <p:nvSpPr>
-            <p:cNvPr id="98" name="pl98"/>
-            <p:cNvSpPr/>
-            <p:nvPr/>
-          </p:nvSpPr>
-          <p:spPr>
-            <a:xfrm>
-              <a:off x="6686815" y="1809173"/>
-              <a:ext cx="0" cy="3245468"/>
-            </a:xfrm>
-            <a:custGeom>
-              <a:avLst/>
-              <a:pathLst>
-                <a:path w="0" h="3245468">
-                  <a:moveTo>
-                    <a:pt x="0" y="3245468"/>
+            <p:cNvPr id="76" name="pl76"/>
+            <p:cNvSpPr/>
+            <p:nvPr/>
+          </p:nvSpPr>
+          <p:spPr>
+            <a:xfrm>
+              <a:off x="7078105" y="1809173"/>
+              <a:ext cx="0" cy="3464924"/>
+            </a:xfrm>
+            <a:custGeom>
+              <a:avLst/>
+              <a:pathLst>
+                <a:path w="0" h="3464924">
+                  <a:moveTo>
+                    <a:pt x="0" y="3464924"/>
                   </a:moveTo>
                   <a:lnTo>
                     <a:pt x="0" y="0"/>
@@ -6713,21 +6005,21 @@
         </p:sp>
         <p:sp>
           <p:nvSpPr>
-            <p:cNvPr id="99" name="pl99"/>
-            <p:cNvSpPr/>
-            <p:nvPr/>
-          </p:nvSpPr>
-          <p:spPr>
-            <a:xfrm>
-              <a:off x="6844836" y="1809173"/>
-              <a:ext cx="0" cy="3245468"/>
-            </a:xfrm>
-            <a:custGeom>
-              <a:avLst/>
-              <a:pathLst>
-                <a:path w="0" h="3245468">
-                  <a:moveTo>
-                    <a:pt x="0" y="3245468"/>
+            <p:cNvPr id="77" name="pl77"/>
+            <p:cNvSpPr/>
+            <p:nvPr/>
+          </p:nvSpPr>
+          <p:spPr>
+            <a:xfrm>
+              <a:off x="7386622" y="1809173"/>
+              <a:ext cx="0" cy="3464924"/>
+            </a:xfrm>
+            <a:custGeom>
+              <a:avLst/>
+              <a:pathLst>
+                <a:path w="0" h="3464924">
+                  <a:moveTo>
+                    <a:pt x="0" y="3464924"/>
                   </a:moveTo>
                   <a:lnTo>
                     <a:pt x="0" y="0"/>
@@ -6756,290 +6048,14 @@
         </p:sp>
         <p:sp>
           <p:nvSpPr>
-            <p:cNvPr id="100" name="pl100"/>
-            <p:cNvSpPr/>
-            <p:nvPr/>
-          </p:nvSpPr>
-          <p:spPr>
-            <a:xfrm>
-              <a:off x="7002857" y="1809173"/>
-              <a:ext cx="0" cy="3245468"/>
-            </a:xfrm>
-            <a:custGeom>
-              <a:avLst/>
-              <a:pathLst>
-                <a:path w="0" h="3245468">
-                  <a:moveTo>
-                    <a:pt x="0" y="3245468"/>
-                  </a:moveTo>
-                  <a:lnTo>
-                    <a:pt x="0" y="0"/>
-                  </a:lnTo>
-                  <a:lnTo>
-                    <a:pt x="0" y="0"/>
-                  </a:lnTo>
-                </a:path>
-              </a:pathLst>
-            </a:custGeom>
-            <a:ln w="13550" cap="flat">
-              <a:solidFill>
-                <a:srgbClr val="EBEBEB">
-                  <a:alpha val="100000"/>
-                </a:srgbClr>
-              </a:solidFill>
-              <a:prstDash val="solid"/>
-              <a:round/>
-            </a:ln>
-          </p:spPr>
-          <p:txBody>
-            <a:bodyPr/>
-            <a:lstStyle/>
-            <a:p/>
-          </p:txBody>
-        </p:sp>
-        <p:sp>
-          <p:nvSpPr>
-            <p:cNvPr id="101" name="pl101"/>
-            <p:cNvSpPr/>
-            <p:nvPr/>
-          </p:nvSpPr>
-          <p:spPr>
-            <a:xfrm>
-              <a:off x="7160878" y="1809173"/>
-              <a:ext cx="0" cy="3245468"/>
-            </a:xfrm>
-            <a:custGeom>
-              <a:avLst/>
-              <a:pathLst>
-                <a:path w="0" h="3245468">
-                  <a:moveTo>
-                    <a:pt x="0" y="3245468"/>
-                  </a:moveTo>
-                  <a:lnTo>
-                    <a:pt x="0" y="0"/>
-                  </a:lnTo>
-                  <a:lnTo>
-                    <a:pt x="0" y="0"/>
-                  </a:lnTo>
-                </a:path>
-              </a:pathLst>
-            </a:custGeom>
-            <a:ln w="13550" cap="flat">
-              <a:solidFill>
-                <a:srgbClr val="EBEBEB">
-                  <a:alpha val="100000"/>
-                </a:srgbClr>
-              </a:solidFill>
-              <a:prstDash val="solid"/>
-              <a:round/>
-            </a:ln>
-          </p:spPr>
-          <p:txBody>
-            <a:bodyPr/>
-            <a:lstStyle/>
-            <a:p/>
-          </p:txBody>
-        </p:sp>
-        <p:sp>
-          <p:nvSpPr>
-            <p:cNvPr id="102" name="pl102"/>
-            <p:cNvSpPr/>
-            <p:nvPr/>
-          </p:nvSpPr>
-          <p:spPr>
-            <a:xfrm>
-              <a:off x="7318899" y="1809173"/>
-              <a:ext cx="0" cy="3245468"/>
-            </a:xfrm>
-            <a:custGeom>
-              <a:avLst/>
-              <a:pathLst>
-                <a:path w="0" h="3245468">
-                  <a:moveTo>
-                    <a:pt x="0" y="3245468"/>
-                  </a:moveTo>
-                  <a:lnTo>
-                    <a:pt x="0" y="0"/>
-                  </a:lnTo>
-                  <a:lnTo>
-                    <a:pt x="0" y="0"/>
-                  </a:lnTo>
-                </a:path>
-              </a:pathLst>
-            </a:custGeom>
-            <a:ln w="13550" cap="flat">
-              <a:solidFill>
-                <a:srgbClr val="EBEBEB">
-                  <a:alpha val="100000"/>
-                </a:srgbClr>
-              </a:solidFill>
-              <a:prstDash val="solid"/>
-              <a:round/>
-            </a:ln>
-          </p:spPr>
-          <p:txBody>
-            <a:bodyPr/>
-            <a:lstStyle/>
-            <a:p/>
-          </p:txBody>
-        </p:sp>
-        <p:sp>
-          <p:nvSpPr>
-            <p:cNvPr id="103" name="pl103"/>
-            <p:cNvSpPr/>
-            <p:nvPr/>
-          </p:nvSpPr>
-          <p:spPr>
-            <a:xfrm>
-              <a:off x="7476919" y="1809173"/>
-              <a:ext cx="0" cy="3245468"/>
-            </a:xfrm>
-            <a:custGeom>
-              <a:avLst/>
-              <a:pathLst>
-                <a:path w="0" h="3245468">
-                  <a:moveTo>
-                    <a:pt x="0" y="3245468"/>
-                  </a:moveTo>
-                  <a:lnTo>
-                    <a:pt x="0" y="0"/>
-                  </a:lnTo>
-                  <a:lnTo>
-                    <a:pt x="0" y="0"/>
-                  </a:lnTo>
-                </a:path>
-              </a:pathLst>
-            </a:custGeom>
-            <a:ln w="13550" cap="flat">
-              <a:solidFill>
-                <a:srgbClr val="EBEBEB">
-                  <a:alpha val="100000"/>
-                </a:srgbClr>
-              </a:solidFill>
-              <a:prstDash val="solid"/>
-              <a:round/>
-            </a:ln>
-          </p:spPr>
-          <p:txBody>
-            <a:bodyPr/>
-            <a:lstStyle/>
-            <a:p/>
-          </p:txBody>
-        </p:sp>
-        <p:sp>
-          <p:nvSpPr>
-            <p:cNvPr id="104" name="rc104"/>
-            <p:cNvSpPr/>
-            <p:nvPr/>
-          </p:nvSpPr>
-          <p:spPr>
-            <a:xfrm>
-              <a:off x="6299664" y="4706605"/>
-              <a:ext cx="142218" cy="200514"/>
-            </a:xfrm>
-            <a:prstGeom prst="rect">
-              <a:avLst/>
-            </a:prstGeom>
-            <a:solidFill>
-              <a:srgbClr val="FFF5F0">
-                <a:alpha val="100000"/>
-              </a:srgbClr>
-            </a:solidFill>
-          </p:spPr>
-          <p:txBody>
-            <a:bodyPr/>
-            <a:lstStyle/>
-            <a:p/>
-          </p:txBody>
-        </p:sp>
-        <p:sp>
-          <p:nvSpPr>
-            <p:cNvPr id="105" name="rc105"/>
-            <p:cNvSpPr/>
-            <p:nvPr/>
-          </p:nvSpPr>
-          <p:spPr>
-            <a:xfrm>
-              <a:off x="6457685" y="4792540"/>
-              <a:ext cx="142218" cy="114579"/>
-            </a:xfrm>
-            <a:prstGeom prst="rect">
-              <a:avLst/>
-            </a:prstGeom>
-            <a:solidFill>
-              <a:srgbClr val="FEE0D2">
-                <a:alpha val="100000"/>
-              </a:srgbClr>
-            </a:solidFill>
-          </p:spPr>
-          <p:txBody>
-            <a:bodyPr/>
-            <a:lstStyle/>
-            <a:p/>
-          </p:txBody>
-        </p:sp>
-        <p:sp>
-          <p:nvSpPr>
-            <p:cNvPr id="106" name="rc106"/>
-            <p:cNvSpPr/>
-            <p:nvPr/>
-          </p:nvSpPr>
-          <p:spPr>
-            <a:xfrm>
-              <a:off x="6615706" y="4821185"/>
-              <a:ext cx="142218" cy="85934"/>
-            </a:xfrm>
-            <a:prstGeom prst="rect">
-              <a:avLst/>
-            </a:prstGeom>
-            <a:solidFill>
-              <a:srgbClr val="FCBBA1">
-                <a:alpha val="100000"/>
-              </a:srgbClr>
-            </a:solidFill>
-          </p:spPr>
-          <p:txBody>
-            <a:bodyPr/>
-            <a:lstStyle/>
-            <a:p/>
-          </p:txBody>
-        </p:sp>
-        <p:sp>
-          <p:nvSpPr>
-            <p:cNvPr id="107" name="rc107"/>
-            <p:cNvSpPr/>
-            <p:nvPr/>
-          </p:nvSpPr>
-          <p:spPr>
-            <a:xfrm>
-              <a:off x="6773727" y="4821185"/>
-              <a:ext cx="142218" cy="85934"/>
-            </a:xfrm>
-            <a:prstGeom prst="rect">
-              <a:avLst/>
-            </a:prstGeom>
-            <a:solidFill>
-              <a:srgbClr val="FC9272">
-                <a:alpha val="100000"/>
-              </a:srgbClr>
-            </a:solidFill>
-          </p:spPr>
-          <p:txBody>
-            <a:bodyPr/>
-            <a:lstStyle/>
-            <a:p/>
-          </p:txBody>
-        </p:sp>
-        <p:sp>
-          <p:nvSpPr>
-            <p:cNvPr id="108" name="rc108"/>
-            <p:cNvSpPr/>
-            <p:nvPr/>
-          </p:nvSpPr>
-          <p:spPr>
-            <a:xfrm>
-              <a:off x="6931748" y="4792540"/>
-              <a:ext cx="142218" cy="114579"/>
+            <p:cNvPr id="78" name="rc78"/>
+            <p:cNvSpPr/>
+            <p:nvPr/>
+          </p:nvSpPr>
+          <p:spPr>
+            <a:xfrm>
+              <a:off x="6939272" y="4627818"/>
+              <a:ext cx="277665" cy="488782"/>
             </a:xfrm>
             <a:prstGeom prst="rect">
               <a:avLst/>
@@ -7058,40 +6074,14 @@
         </p:sp>
         <p:sp>
           <p:nvSpPr>
-            <p:cNvPr id="109" name="rc109"/>
-            <p:cNvSpPr/>
-            <p:nvPr/>
-          </p:nvSpPr>
-          <p:spPr>
-            <a:xfrm>
-              <a:off x="7089768" y="4592026"/>
-              <a:ext cx="142218" cy="315094"/>
-            </a:xfrm>
-            <a:prstGeom prst="rect">
-              <a:avLst/>
-            </a:prstGeom>
-            <a:solidFill>
-              <a:srgbClr val="EF3B2C">
-                <a:alpha val="100000"/>
-              </a:srgbClr>
-            </a:solidFill>
-          </p:spPr>
-          <p:txBody>
-            <a:bodyPr/>
-            <a:lstStyle/>
-            <a:p/>
-          </p:txBody>
-        </p:sp>
-        <p:sp>
-          <p:nvSpPr>
-            <p:cNvPr id="110" name="rc110"/>
-            <p:cNvSpPr/>
-            <p:nvPr/>
-          </p:nvSpPr>
-          <p:spPr>
-            <a:xfrm>
-              <a:off x="7247789" y="4019127"/>
-              <a:ext cx="142218" cy="887992"/>
+            <p:cNvPr id="79" name="rc79"/>
+            <p:cNvSpPr/>
+            <p:nvPr/>
+          </p:nvSpPr>
+          <p:spPr>
+            <a:xfrm>
+              <a:off x="7247789" y="4654973"/>
+              <a:ext cx="277665" cy="461627"/>
             </a:xfrm>
             <a:prstGeom prst="rect">
               <a:avLst/>
@@ -7110,40 +6100,14 @@
         </p:sp>
         <p:sp>
           <p:nvSpPr>
-            <p:cNvPr id="111" name="rc111"/>
-            <p:cNvSpPr/>
-            <p:nvPr/>
-          </p:nvSpPr>
-          <p:spPr>
-            <a:xfrm>
-              <a:off x="7405810" y="4706605"/>
-              <a:ext cx="142218" cy="200514"/>
-            </a:xfrm>
-            <a:prstGeom prst="rect">
-              <a:avLst/>
-            </a:prstGeom>
-            <a:solidFill>
-              <a:srgbClr val="99000D">
-                <a:alpha val="100000"/>
-              </a:srgbClr>
-            </a:solidFill>
-          </p:spPr>
-          <p:txBody>
-            <a:bodyPr/>
-            <a:lstStyle/>
-            <a:p/>
-          </p:txBody>
-        </p:sp>
-        <p:sp>
-          <p:nvSpPr>
-            <p:cNvPr id="112" name="rc112"/>
+            <p:cNvPr id="80" name="rc80"/>
             <p:cNvSpPr/>
             <p:nvPr/>
           </p:nvSpPr>
           <p:spPr>
             <a:xfrm>
               <a:off x="6275961" y="1809173"/>
-              <a:ext cx="1295770" cy="3245468"/>
+              <a:ext cx="1295770" cy="3464924"/>
             </a:xfrm>
             <a:prstGeom prst="rect">
               <a:avLst/>
@@ -7166,14 +6130,14 @@
         </p:sp>
         <p:sp>
           <p:nvSpPr>
-            <p:cNvPr id="113" name="rc113"/>
+            <p:cNvPr id="81" name="rc81"/>
             <p:cNvSpPr/>
             <p:nvPr/>
           </p:nvSpPr>
           <p:spPr>
             <a:xfrm>
               <a:off x="7641321" y="1809173"/>
-              <a:ext cx="1295770" cy="3245468"/>
+              <a:ext cx="1295770" cy="3464924"/>
             </a:xfrm>
             <a:prstGeom prst="rect">
               <a:avLst/>
@@ -7192,13 +6156,13 @@
         </p:sp>
         <p:sp>
           <p:nvSpPr>
-            <p:cNvPr id="114" name="pl114"/>
-            <p:cNvSpPr/>
-            <p:nvPr/>
-          </p:nvSpPr>
-          <p:spPr>
-            <a:xfrm>
-              <a:off x="7641321" y="4549058"/>
+            <p:cNvPr id="82" name="pl82"/>
+            <p:cNvSpPr/>
+            <p:nvPr/>
+          </p:nvSpPr>
+          <p:spPr>
+            <a:xfrm>
+              <a:off x="7641321" y="4777168"/>
               <a:ext cx="1295770" cy="0"/>
             </a:xfrm>
             <a:custGeom>
@@ -7235,13 +6199,13 @@
         </p:sp>
         <p:sp>
           <p:nvSpPr>
-            <p:cNvPr id="115" name="pl115"/>
-            <p:cNvSpPr/>
-            <p:nvPr/>
-          </p:nvSpPr>
-          <p:spPr>
-            <a:xfrm>
-              <a:off x="7641321" y="3832936"/>
+            <p:cNvPr id="83" name="pl83"/>
+            <p:cNvSpPr/>
+            <p:nvPr/>
+          </p:nvSpPr>
+          <p:spPr>
+            <a:xfrm>
+              <a:off x="7641321" y="4098304"/>
               <a:ext cx="1295770" cy="0"/>
             </a:xfrm>
             <a:custGeom>
@@ -7278,13 +6242,13 @@
         </p:sp>
         <p:sp>
           <p:nvSpPr>
-            <p:cNvPr id="116" name="pl116"/>
-            <p:cNvSpPr/>
-            <p:nvPr/>
-          </p:nvSpPr>
-          <p:spPr>
-            <a:xfrm>
-              <a:off x="7641321" y="3116813"/>
+            <p:cNvPr id="84" name="pl84"/>
+            <p:cNvSpPr/>
+            <p:nvPr/>
+          </p:nvSpPr>
+          <p:spPr>
+            <a:xfrm>
+              <a:off x="7641321" y="3419439"/>
               <a:ext cx="1295770" cy="0"/>
             </a:xfrm>
             <a:custGeom>
@@ -7321,13 +6285,13 @@
         </p:sp>
         <p:sp>
           <p:nvSpPr>
-            <p:cNvPr id="117" name="pl117"/>
-            <p:cNvSpPr/>
-            <p:nvPr/>
-          </p:nvSpPr>
-          <p:spPr>
-            <a:xfrm>
-              <a:off x="7641321" y="2400690"/>
+            <p:cNvPr id="85" name="pl85"/>
+            <p:cNvSpPr/>
+            <p:nvPr/>
+          </p:nvSpPr>
+          <p:spPr>
+            <a:xfrm>
+              <a:off x="7641321" y="2740575"/>
               <a:ext cx="1295770" cy="0"/>
             </a:xfrm>
             <a:custGeom>
@@ -7364,13 +6328,13 @@
         </p:sp>
         <p:sp>
           <p:nvSpPr>
-            <p:cNvPr id="118" name="pl118"/>
-            <p:cNvSpPr/>
-            <p:nvPr/>
-          </p:nvSpPr>
-          <p:spPr>
-            <a:xfrm>
-              <a:off x="7641321" y="4907120"/>
+            <p:cNvPr id="86" name="pl86"/>
+            <p:cNvSpPr/>
+            <p:nvPr/>
+          </p:nvSpPr>
+          <p:spPr>
+            <a:xfrm>
+              <a:off x="7641321" y="2061710"/>
               <a:ext cx="1295770" cy="0"/>
             </a:xfrm>
             <a:custGeom>
@@ -7389,6 +6353,49 @@
                 </a:path>
               </a:pathLst>
             </a:custGeom>
+            <a:ln w="6775" cap="flat">
+              <a:solidFill>
+                <a:srgbClr val="EBEBEB">
+                  <a:alpha val="100000"/>
+                </a:srgbClr>
+              </a:solidFill>
+              <a:prstDash val="solid"/>
+              <a:round/>
+            </a:ln>
+          </p:spPr>
+          <p:txBody>
+            <a:bodyPr/>
+            <a:lstStyle/>
+            <a:p/>
+          </p:txBody>
+        </p:sp>
+        <p:sp>
+          <p:nvSpPr>
+            <p:cNvPr id="87" name="pl87"/>
+            <p:cNvSpPr/>
+            <p:nvPr/>
+          </p:nvSpPr>
+          <p:spPr>
+            <a:xfrm>
+              <a:off x="7641321" y="5116600"/>
+              <a:ext cx="1295770" cy="0"/>
+            </a:xfrm>
+            <a:custGeom>
+              <a:avLst/>
+              <a:pathLst>
+                <a:path w="1295770" h="0">
+                  <a:moveTo>
+                    <a:pt x="0" y="0"/>
+                  </a:moveTo>
+                  <a:lnTo>
+                    <a:pt x="1295770" y="0"/>
+                  </a:lnTo>
+                  <a:lnTo>
+                    <a:pt x="1295770" y="0"/>
+                  </a:lnTo>
+                </a:path>
+              </a:pathLst>
+            </a:custGeom>
             <a:ln w="13550" cap="flat">
               <a:solidFill>
                 <a:srgbClr val="EBEBEB">
@@ -7407,13 +6414,13 @@
         </p:sp>
         <p:sp>
           <p:nvSpPr>
-            <p:cNvPr id="119" name="pl119"/>
-            <p:cNvSpPr/>
-            <p:nvPr/>
-          </p:nvSpPr>
-          <p:spPr>
-            <a:xfrm>
-              <a:off x="7641321" y="4190997"/>
+            <p:cNvPr id="88" name="pl88"/>
+            <p:cNvSpPr/>
+            <p:nvPr/>
+          </p:nvSpPr>
+          <p:spPr>
+            <a:xfrm>
+              <a:off x="7641321" y="4437736"/>
               <a:ext cx="1295770" cy="0"/>
             </a:xfrm>
             <a:custGeom>
@@ -7450,13 +6457,13 @@
         </p:sp>
         <p:sp>
           <p:nvSpPr>
-            <p:cNvPr id="120" name="pl120"/>
-            <p:cNvSpPr/>
-            <p:nvPr/>
-          </p:nvSpPr>
-          <p:spPr>
-            <a:xfrm>
-              <a:off x="7641321" y="3474874"/>
+            <p:cNvPr id="89" name="pl89"/>
+            <p:cNvSpPr/>
+            <p:nvPr/>
+          </p:nvSpPr>
+          <p:spPr>
+            <a:xfrm>
+              <a:off x="7641321" y="3758871"/>
               <a:ext cx="1295770" cy="0"/>
             </a:xfrm>
             <a:custGeom>
@@ -7493,13 +6500,13 @@
         </p:sp>
         <p:sp>
           <p:nvSpPr>
-            <p:cNvPr id="121" name="pl121"/>
-            <p:cNvSpPr/>
-            <p:nvPr/>
-          </p:nvSpPr>
-          <p:spPr>
-            <a:xfrm>
-              <a:off x="7641321" y="2758751"/>
+            <p:cNvPr id="90" name="pl90"/>
+            <p:cNvSpPr/>
+            <p:nvPr/>
+          </p:nvSpPr>
+          <p:spPr>
+            <a:xfrm>
+              <a:off x="7641321" y="3080007"/>
               <a:ext cx="1295770" cy="0"/>
             </a:xfrm>
             <a:custGeom>
@@ -7536,13 +6543,13 @@
         </p:sp>
         <p:sp>
           <p:nvSpPr>
-            <p:cNvPr id="122" name="pl122"/>
-            <p:cNvSpPr/>
-            <p:nvPr/>
-          </p:nvSpPr>
-          <p:spPr>
-            <a:xfrm>
-              <a:off x="7641321" y="2042629"/>
+            <p:cNvPr id="91" name="pl91"/>
+            <p:cNvSpPr/>
+            <p:nvPr/>
+          </p:nvSpPr>
+          <p:spPr>
+            <a:xfrm>
+              <a:off x="7641321" y="2401142"/>
               <a:ext cx="1295770" cy="0"/>
             </a:xfrm>
             <a:custGeom>
@@ -7579,21 +6586,21 @@
         </p:sp>
         <p:sp>
           <p:nvSpPr>
-            <p:cNvPr id="123" name="pl123"/>
-            <p:cNvSpPr/>
-            <p:nvPr/>
-          </p:nvSpPr>
-          <p:spPr>
-            <a:xfrm>
-              <a:off x="7736134" y="1809173"/>
-              <a:ext cx="0" cy="3245468"/>
-            </a:xfrm>
-            <a:custGeom>
-              <a:avLst/>
-              <a:pathLst>
-                <a:path w="0" h="3245468">
-                  <a:moveTo>
-                    <a:pt x="0" y="3245468"/>
+            <p:cNvPr id="92" name="pl92"/>
+            <p:cNvSpPr/>
+            <p:nvPr/>
+          </p:nvSpPr>
+          <p:spPr>
+            <a:xfrm>
+              <a:off x="7826431" y="1809173"/>
+              <a:ext cx="0" cy="3464924"/>
+            </a:xfrm>
+            <a:custGeom>
+              <a:avLst/>
+              <a:pathLst>
+                <a:path w="0" h="3464924">
+                  <a:moveTo>
+                    <a:pt x="0" y="3464924"/>
                   </a:moveTo>
                   <a:lnTo>
                     <a:pt x="0" y="0"/>
@@ -7622,21 +6629,21 @@
         </p:sp>
         <p:sp>
           <p:nvSpPr>
-            <p:cNvPr id="124" name="pl124"/>
-            <p:cNvSpPr/>
-            <p:nvPr/>
-          </p:nvSpPr>
-          <p:spPr>
-            <a:xfrm>
-              <a:off x="7894154" y="1809173"/>
-              <a:ext cx="0" cy="3245468"/>
-            </a:xfrm>
-            <a:custGeom>
-              <a:avLst/>
-              <a:pathLst>
-                <a:path w="0" h="3245468">
-                  <a:moveTo>
-                    <a:pt x="0" y="3245468"/>
+            <p:cNvPr id="93" name="pl93"/>
+            <p:cNvSpPr/>
+            <p:nvPr/>
+          </p:nvSpPr>
+          <p:spPr>
+            <a:xfrm>
+              <a:off x="8134948" y="1809173"/>
+              <a:ext cx="0" cy="3464924"/>
+            </a:xfrm>
+            <a:custGeom>
+              <a:avLst/>
+              <a:pathLst>
+                <a:path w="0" h="3464924">
+                  <a:moveTo>
+                    <a:pt x="0" y="3464924"/>
                   </a:moveTo>
                   <a:lnTo>
                     <a:pt x="0" y="0"/>
@@ -7665,21 +6672,21 @@
         </p:sp>
         <p:sp>
           <p:nvSpPr>
-            <p:cNvPr id="125" name="pl125"/>
-            <p:cNvSpPr/>
-            <p:nvPr/>
-          </p:nvSpPr>
-          <p:spPr>
-            <a:xfrm>
-              <a:off x="8052175" y="1809173"/>
-              <a:ext cx="0" cy="3245468"/>
-            </a:xfrm>
-            <a:custGeom>
-              <a:avLst/>
-              <a:pathLst>
-                <a:path w="0" h="3245468">
-                  <a:moveTo>
-                    <a:pt x="0" y="3245468"/>
+            <p:cNvPr id="94" name="pl94"/>
+            <p:cNvSpPr/>
+            <p:nvPr/>
+          </p:nvSpPr>
+          <p:spPr>
+            <a:xfrm>
+              <a:off x="8443465" y="1809173"/>
+              <a:ext cx="0" cy="3464924"/>
+            </a:xfrm>
+            <a:custGeom>
+              <a:avLst/>
+              <a:pathLst>
+                <a:path w="0" h="3464924">
+                  <a:moveTo>
+                    <a:pt x="0" y="3464924"/>
                   </a:moveTo>
                   <a:lnTo>
                     <a:pt x="0" y="0"/>
@@ -7708,21 +6715,21 @@
         </p:sp>
         <p:sp>
           <p:nvSpPr>
-            <p:cNvPr id="126" name="pl126"/>
-            <p:cNvSpPr/>
-            <p:nvPr/>
-          </p:nvSpPr>
-          <p:spPr>
-            <a:xfrm>
-              <a:off x="8210196" y="1809173"/>
-              <a:ext cx="0" cy="3245468"/>
-            </a:xfrm>
-            <a:custGeom>
-              <a:avLst/>
-              <a:pathLst>
-                <a:path w="0" h="3245468">
-                  <a:moveTo>
-                    <a:pt x="0" y="3245468"/>
+            <p:cNvPr id="95" name="pl95"/>
+            <p:cNvSpPr/>
+            <p:nvPr/>
+          </p:nvSpPr>
+          <p:spPr>
+            <a:xfrm>
+              <a:off x="8751982" y="1809173"/>
+              <a:ext cx="0" cy="3464924"/>
+            </a:xfrm>
+            <a:custGeom>
+              <a:avLst/>
+              <a:pathLst>
+                <a:path w="0" h="3464924">
+                  <a:moveTo>
+                    <a:pt x="0" y="3464924"/>
                   </a:moveTo>
                   <a:lnTo>
                     <a:pt x="0" y="0"/>
@@ -7751,192 +6758,20 @@
         </p:sp>
         <p:sp>
           <p:nvSpPr>
-            <p:cNvPr id="127" name="pl127"/>
-            <p:cNvSpPr/>
-            <p:nvPr/>
-          </p:nvSpPr>
-          <p:spPr>
-            <a:xfrm>
-              <a:off x="8368217" y="1809173"/>
-              <a:ext cx="0" cy="3245468"/>
-            </a:xfrm>
-            <a:custGeom>
-              <a:avLst/>
-              <a:pathLst>
-                <a:path w="0" h="3245468">
-                  <a:moveTo>
-                    <a:pt x="0" y="3245468"/>
-                  </a:moveTo>
-                  <a:lnTo>
-                    <a:pt x="0" y="0"/>
-                  </a:lnTo>
-                  <a:lnTo>
-                    <a:pt x="0" y="0"/>
-                  </a:lnTo>
-                </a:path>
-              </a:pathLst>
-            </a:custGeom>
-            <a:ln w="13550" cap="flat">
-              <a:solidFill>
-                <a:srgbClr val="EBEBEB">
-                  <a:alpha val="100000"/>
-                </a:srgbClr>
-              </a:solidFill>
-              <a:prstDash val="solid"/>
-              <a:round/>
-            </a:ln>
-          </p:spPr>
-          <p:txBody>
-            <a:bodyPr/>
-            <a:lstStyle/>
-            <a:p/>
-          </p:txBody>
-        </p:sp>
-        <p:sp>
-          <p:nvSpPr>
-            <p:cNvPr id="128" name="pl128"/>
-            <p:cNvSpPr/>
-            <p:nvPr/>
-          </p:nvSpPr>
-          <p:spPr>
-            <a:xfrm>
-              <a:off x="8526238" y="1809173"/>
-              <a:ext cx="0" cy="3245468"/>
-            </a:xfrm>
-            <a:custGeom>
-              <a:avLst/>
-              <a:pathLst>
-                <a:path w="0" h="3245468">
-                  <a:moveTo>
-                    <a:pt x="0" y="3245468"/>
-                  </a:moveTo>
-                  <a:lnTo>
-                    <a:pt x="0" y="0"/>
-                  </a:lnTo>
-                  <a:lnTo>
-                    <a:pt x="0" y="0"/>
-                  </a:lnTo>
-                </a:path>
-              </a:pathLst>
-            </a:custGeom>
-            <a:ln w="13550" cap="flat">
-              <a:solidFill>
-                <a:srgbClr val="EBEBEB">
-                  <a:alpha val="100000"/>
-                </a:srgbClr>
-              </a:solidFill>
-              <a:prstDash val="solid"/>
-              <a:round/>
-            </a:ln>
-          </p:spPr>
-          <p:txBody>
-            <a:bodyPr/>
-            <a:lstStyle/>
-            <a:p/>
-          </p:txBody>
-        </p:sp>
-        <p:sp>
-          <p:nvSpPr>
-            <p:cNvPr id="129" name="pl129"/>
-            <p:cNvSpPr/>
-            <p:nvPr/>
-          </p:nvSpPr>
-          <p:spPr>
-            <a:xfrm>
-              <a:off x="8684259" y="1809173"/>
-              <a:ext cx="0" cy="3245468"/>
-            </a:xfrm>
-            <a:custGeom>
-              <a:avLst/>
-              <a:pathLst>
-                <a:path w="0" h="3245468">
-                  <a:moveTo>
-                    <a:pt x="0" y="3245468"/>
-                  </a:moveTo>
-                  <a:lnTo>
-                    <a:pt x="0" y="0"/>
-                  </a:lnTo>
-                  <a:lnTo>
-                    <a:pt x="0" y="0"/>
-                  </a:lnTo>
-                </a:path>
-              </a:pathLst>
-            </a:custGeom>
-            <a:ln w="13550" cap="flat">
-              <a:solidFill>
-                <a:srgbClr val="EBEBEB">
-                  <a:alpha val="100000"/>
-                </a:srgbClr>
-              </a:solidFill>
-              <a:prstDash val="solid"/>
-              <a:round/>
-            </a:ln>
-          </p:spPr>
-          <p:txBody>
-            <a:bodyPr/>
-            <a:lstStyle/>
-            <a:p/>
-          </p:txBody>
-        </p:sp>
-        <p:sp>
-          <p:nvSpPr>
-            <p:cNvPr id="130" name="pl130"/>
-            <p:cNvSpPr/>
-            <p:nvPr/>
-          </p:nvSpPr>
-          <p:spPr>
-            <a:xfrm>
-              <a:off x="8842279" y="1809173"/>
-              <a:ext cx="0" cy="3245468"/>
-            </a:xfrm>
-            <a:custGeom>
-              <a:avLst/>
-              <a:pathLst>
-                <a:path w="0" h="3245468">
-                  <a:moveTo>
-                    <a:pt x="0" y="3245468"/>
-                  </a:moveTo>
-                  <a:lnTo>
-                    <a:pt x="0" y="0"/>
-                  </a:lnTo>
-                  <a:lnTo>
-                    <a:pt x="0" y="0"/>
-                  </a:lnTo>
-                </a:path>
-              </a:pathLst>
-            </a:custGeom>
-            <a:ln w="13550" cap="flat">
-              <a:solidFill>
-                <a:srgbClr val="EBEBEB">
-                  <a:alpha val="100000"/>
-                </a:srgbClr>
-              </a:solidFill>
-              <a:prstDash val="solid"/>
-              <a:round/>
-            </a:ln>
-          </p:spPr>
-          <p:txBody>
-            <a:bodyPr/>
-            <a:lstStyle/>
-            <a:p/>
-          </p:txBody>
-        </p:sp>
-        <p:sp>
-          <p:nvSpPr>
-            <p:cNvPr id="131" name="rc131"/>
-            <p:cNvSpPr/>
-            <p:nvPr/>
-          </p:nvSpPr>
-          <p:spPr>
-            <a:xfrm>
-              <a:off x="7665024" y="4592026"/>
-              <a:ext cx="142218" cy="315094"/>
+            <p:cNvPr id="96" name="rc96"/>
+            <p:cNvSpPr/>
+            <p:nvPr/>
+          </p:nvSpPr>
+          <p:spPr>
+            <a:xfrm>
+              <a:off x="7996115" y="5103023"/>
+              <a:ext cx="277665" cy="13577"/>
             </a:xfrm>
             <a:prstGeom prst="rect">
               <a:avLst/>
             </a:prstGeom>
             <a:solidFill>
-              <a:srgbClr val="FFF5F0">
+              <a:srgbClr val="FCAE91">
                 <a:alpha val="100000"/>
               </a:srgbClr>
             </a:solidFill>
@@ -7949,92 +6784,14 @@
         </p:sp>
         <p:sp>
           <p:nvSpPr>
-            <p:cNvPr id="132" name="rc132"/>
-            <p:cNvSpPr/>
-            <p:nvPr/>
-          </p:nvSpPr>
-          <p:spPr>
-            <a:xfrm>
-              <a:off x="7823045" y="4506091"/>
-              <a:ext cx="142218" cy="401028"/>
-            </a:xfrm>
-            <a:prstGeom prst="rect">
-              <a:avLst/>
-            </a:prstGeom>
-            <a:solidFill>
-              <a:srgbClr val="FEE0D2">
-                <a:alpha val="100000"/>
-              </a:srgbClr>
-            </a:solidFill>
-          </p:spPr>
-          <p:txBody>
-            <a:bodyPr/>
-            <a:lstStyle/>
-            <a:p/>
-          </p:txBody>
-        </p:sp>
-        <p:sp>
-          <p:nvSpPr>
-            <p:cNvPr id="133" name="rc133"/>
-            <p:cNvSpPr/>
-            <p:nvPr/>
-          </p:nvSpPr>
-          <p:spPr>
-            <a:xfrm>
-              <a:off x="7981066" y="4620671"/>
-              <a:ext cx="142218" cy="286449"/>
-            </a:xfrm>
-            <a:prstGeom prst="rect">
-              <a:avLst/>
-            </a:prstGeom>
-            <a:solidFill>
-              <a:srgbClr val="FCBBA1">
-                <a:alpha val="100000"/>
-              </a:srgbClr>
-            </a:solidFill>
-          </p:spPr>
-          <p:txBody>
-            <a:bodyPr/>
-            <a:lstStyle/>
-            <a:p/>
-          </p:txBody>
-        </p:sp>
-        <p:sp>
-          <p:nvSpPr>
-            <p:cNvPr id="134" name="rc134"/>
-            <p:cNvSpPr/>
-            <p:nvPr/>
-          </p:nvSpPr>
-          <p:spPr>
-            <a:xfrm>
-              <a:off x="8139087" y="4792540"/>
-              <a:ext cx="142218" cy="114579"/>
-            </a:xfrm>
-            <a:prstGeom prst="rect">
-              <a:avLst/>
-            </a:prstGeom>
-            <a:solidFill>
-              <a:srgbClr val="FC9272">
-                <a:alpha val="100000"/>
-              </a:srgbClr>
-            </a:solidFill>
-          </p:spPr>
-          <p:txBody>
-            <a:bodyPr/>
-            <a:lstStyle/>
-            <a:p/>
-          </p:txBody>
-        </p:sp>
-        <p:sp>
-          <p:nvSpPr>
-            <p:cNvPr id="135" name="rc135"/>
-            <p:cNvSpPr/>
-            <p:nvPr/>
-          </p:nvSpPr>
-          <p:spPr>
-            <a:xfrm>
-              <a:off x="8297108" y="4649315"/>
-              <a:ext cx="142218" cy="257804"/>
+            <p:cNvPr id="97" name="rc97"/>
+            <p:cNvSpPr/>
+            <p:nvPr/>
+          </p:nvSpPr>
+          <p:spPr>
+            <a:xfrm>
+              <a:off x="8304632" y="4329118"/>
+              <a:ext cx="277665" cy="787482"/>
             </a:xfrm>
             <a:prstGeom prst="rect">
               <a:avLst/>
@@ -8053,40 +6810,14 @@
         </p:sp>
         <p:sp>
           <p:nvSpPr>
-            <p:cNvPr id="136" name="rc136"/>
-            <p:cNvSpPr/>
-            <p:nvPr/>
-          </p:nvSpPr>
-          <p:spPr>
-            <a:xfrm>
-              <a:off x="8455128" y="4534736"/>
-              <a:ext cx="142218" cy="372383"/>
-            </a:xfrm>
-            <a:prstGeom prst="rect">
-              <a:avLst/>
-            </a:prstGeom>
-            <a:solidFill>
-              <a:srgbClr val="EF3B2C">
-                <a:alpha val="100000"/>
-              </a:srgbClr>
-            </a:solidFill>
-          </p:spPr>
-          <p:txBody>
-            <a:bodyPr/>
-            <a:lstStyle/>
-            <a:p/>
-          </p:txBody>
-        </p:sp>
-        <p:sp>
-          <p:nvSpPr>
-            <p:cNvPr id="137" name="rc137"/>
-            <p:cNvSpPr/>
-            <p:nvPr/>
-          </p:nvSpPr>
-          <p:spPr>
-            <a:xfrm>
-              <a:off x="8613149" y="4133707"/>
-              <a:ext cx="142218" cy="773412"/>
+            <p:cNvPr id="98" name="rc98"/>
+            <p:cNvSpPr/>
+            <p:nvPr/>
+          </p:nvSpPr>
+          <p:spPr>
+            <a:xfrm>
+              <a:off x="8613149" y="4587086"/>
+              <a:ext cx="277665" cy="529514"/>
             </a:xfrm>
             <a:prstGeom prst="rect">
               <a:avLst/>
@@ -8105,40 +6836,14 @@
         </p:sp>
         <p:sp>
           <p:nvSpPr>
-            <p:cNvPr id="138" name="rc138"/>
-            <p:cNvSpPr/>
-            <p:nvPr/>
-          </p:nvSpPr>
-          <p:spPr>
-            <a:xfrm>
-              <a:off x="8771170" y="4620671"/>
-              <a:ext cx="142218" cy="286449"/>
-            </a:xfrm>
-            <a:prstGeom prst="rect">
-              <a:avLst/>
-            </a:prstGeom>
-            <a:solidFill>
-              <a:srgbClr val="99000D">
-                <a:alpha val="100000"/>
-              </a:srgbClr>
-            </a:solidFill>
-          </p:spPr>
-          <p:txBody>
-            <a:bodyPr/>
-            <a:lstStyle/>
-            <a:p/>
-          </p:txBody>
-        </p:sp>
-        <p:sp>
-          <p:nvSpPr>
-            <p:cNvPr id="139" name="rc139"/>
+            <p:cNvPr id="99" name="rc99"/>
             <p:cNvSpPr/>
             <p:nvPr/>
           </p:nvSpPr>
           <p:spPr>
             <a:xfrm>
               <a:off x="7641321" y="1809173"/>
-              <a:ext cx="1295770" cy="3245468"/>
+              <a:ext cx="1295770" cy="3464924"/>
             </a:xfrm>
             <a:prstGeom prst="rect">
               <a:avLst/>
@@ -8161,7 +6866,7 @@
         </p:sp>
         <p:sp>
           <p:nvSpPr>
-            <p:cNvPr id="140" name="rc140"/>
+            <p:cNvPr id="100" name="rc100"/>
             <p:cNvSpPr/>
             <p:nvPr/>
           </p:nvSpPr>
@@ -8196,7 +6901,7 @@
         </p:sp>
         <p:sp>
           <p:nvSpPr>
-            <p:cNvPr id="141" name="tx141"/>
+            <p:cNvPr id="101" name="tx101"/>
             <p:cNvSpPr/>
             <p:nvPr/>
           </p:nvSpPr>
@@ -8242,7 +6947,7 @@
         </p:sp>
         <p:sp>
           <p:nvSpPr>
-            <p:cNvPr id="142" name="rc142"/>
+            <p:cNvPr id="102" name="rc102"/>
             <p:cNvSpPr/>
             <p:nvPr/>
           </p:nvSpPr>
@@ -8277,7 +6982,7 @@
         </p:sp>
         <p:sp>
           <p:nvSpPr>
-            <p:cNvPr id="143" name="tx143"/>
+            <p:cNvPr id="103" name="tx103"/>
             <p:cNvSpPr/>
             <p:nvPr/>
           </p:nvSpPr>
@@ -8323,7 +7028,7 @@
         </p:sp>
         <p:sp>
           <p:nvSpPr>
-            <p:cNvPr id="144" name="rc144"/>
+            <p:cNvPr id="104" name="rc104"/>
             <p:cNvSpPr/>
             <p:nvPr/>
           </p:nvSpPr>
@@ -8358,7 +7063,7 @@
         </p:sp>
         <p:sp>
           <p:nvSpPr>
-            <p:cNvPr id="145" name="tx145"/>
+            <p:cNvPr id="105" name="tx105"/>
             <p:cNvSpPr/>
             <p:nvPr/>
           </p:nvSpPr>
@@ -8404,7 +7109,7 @@
         </p:sp>
         <p:sp>
           <p:nvSpPr>
-            <p:cNvPr id="146" name="rc146"/>
+            <p:cNvPr id="106" name="rc106"/>
             <p:cNvSpPr/>
             <p:nvPr/>
           </p:nvSpPr>
@@ -8439,7 +7144,7 @@
         </p:sp>
         <p:sp>
           <p:nvSpPr>
-            <p:cNvPr id="147" name="tx147"/>
+            <p:cNvPr id="107" name="tx107"/>
             <p:cNvSpPr/>
             <p:nvPr/>
           </p:nvSpPr>
@@ -8485,7 +7190,7 @@
         </p:sp>
         <p:sp>
           <p:nvSpPr>
-            <p:cNvPr id="148" name="rc148"/>
+            <p:cNvPr id="108" name="rc108"/>
             <p:cNvSpPr/>
             <p:nvPr/>
           </p:nvSpPr>
@@ -8520,7 +7225,7 @@
         </p:sp>
         <p:sp>
           <p:nvSpPr>
-            <p:cNvPr id="149" name="tx149"/>
+            <p:cNvPr id="109" name="tx109"/>
             <p:cNvSpPr/>
             <p:nvPr/>
           </p:nvSpPr>
@@ -8566,13 +7271,13 @@
         </p:sp>
         <p:sp>
           <p:nvSpPr>
-            <p:cNvPr id="150" name="pl150"/>
-            <p:cNvSpPr/>
-            <p:nvPr/>
-          </p:nvSpPr>
-          <p:spPr>
-            <a:xfrm>
-              <a:off x="2274694" y="5054641"/>
+            <p:cNvPr id="110" name="pl110"/>
+            <p:cNvSpPr/>
+            <p:nvPr/>
+          </p:nvSpPr>
+          <p:spPr>
+            <a:xfrm>
+              <a:off x="2364991" y="5274097"/>
               <a:ext cx="0" cy="34794"/>
             </a:xfrm>
             <a:custGeom>
@@ -8606,13 +7311,13 @@
         </p:sp>
         <p:sp>
           <p:nvSpPr>
-            <p:cNvPr id="151" name="pl151"/>
-            <p:cNvSpPr/>
-            <p:nvPr/>
-          </p:nvSpPr>
-          <p:spPr>
-            <a:xfrm>
-              <a:off x="2432715" y="5054641"/>
+            <p:cNvPr id="111" name="pl111"/>
+            <p:cNvSpPr/>
+            <p:nvPr/>
+          </p:nvSpPr>
+          <p:spPr>
+            <a:xfrm>
+              <a:off x="2673508" y="5274097"/>
               <a:ext cx="0" cy="34794"/>
             </a:xfrm>
             <a:custGeom>
@@ -8646,13 +7351,13 @@
         </p:sp>
         <p:sp>
           <p:nvSpPr>
-            <p:cNvPr id="152" name="pl152"/>
-            <p:cNvSpPr/>
-            <p:nvPr/>
-          </p:nvSpPr>
-          <p:spPr>
-            <a:xfrm>
-              <a:off x="2590735" y="5054641"/>
+            <p:cNvPr id="112" name="pl112"/>
+            <p:cNvSpPr/>
+            <p:nvPr/>
+          </p:nvSpPr>
+          <p:spPr>
+            <a:xfrm>
+              <a:off x="2982025" y="5274097"/>
               <a:ext cx="0" cy="34794"/>
             </a:xfrm>
             <a:custGeom>
@@ -8686,13 +7391,13 @@
         </p:sp>
         <p:sp>
           <p:nvSpPr>
-            <p:cNvPr id="153" name="pl153"/>
-            <p:cNvSpPr/>
-            <p:nvPr/>
-          </p:nvSpPr>
-          <p:spPr>
-            <a:xfrm>
-              <a:off x="2748756" y="5054641"/>
+            <p:cNvPr id="113" name="pl113"/>
+            <p:cNvSpPr/>
+            <p:nvPr/>
+          </p:nvSpPr>
+          <p:spPr>
+            <a:xfrm>
+              <a:off x="3290542" y="5274097"/>
               <a:ext cx="0" cy="34794"/>
             </a:xfrm>
             <a:custGeom>
@@ -8726,13 +7431,13 @@
         </p:sp>
         <p:sp>
           <p:nvSpPr>
-            <p:cNvPr id="154" name="pl154"/>
-            <p:cNvSpPr/>
-            <p:nvPr/>
-          </p:nvSpPr>
-          <p:spPr>
-            <a:xfrm>
-              <a:off x="2906777" y="5054641"/>
+            <p:cNvPr id="114" name="pl114"/>
+            <p:cNvSpPr/>
+            <p:nvPr/>
+          </p:nvSpPr>
+          <p:spPr>
+            <a:xfrm>
+              <a:off x="3730351" y="5274097"/>
               <a:ext cx="0" cy="34794"/>
             </a:xfrm>
             <a:custGeom>
@@ -8766,13 +7471,13 @@
         </p:sp>
         <p:sp>
           <p:nvSpPr>
-            <p:cNvPr id="155" name="pl155"/>
-            <p:cNvSpPr/>
-            <p:nvPr/>
-          </p:nvSpPr>
-          <p:spPr>
-            <a:xfrm>
-              <a:off x="3064798" y="5054641"/>
+            <p:cNvPr id="115" name="pl115"/>
+            <p:cNvSpPr/>
+            <p:nvPr/>
+          </p:nvSpPr>
+          <p:spPr>
+            <a:xfrm>
+              <a:off x="4038868" y="5274097"/>
               <a:ext cx="0" cy="34794"/>
             </a:xfrm>
             <a:custGeom>
@@ -8806,13 +7511,13 @@
         </p:sp>
         <p:sp>
           <p:nvSpPr>
-            <p:cNvPr id="156" name="pl156"/>
-            <p:cNvSpPr/>
-            <p:nvPr/>
-          </p:nvSpPr>
-          <p:spPr>
-            <a:xfrm>
-              <a:off x="3222819" y="5054641"/>
+            <p:cNvPr id="116" name="pl116"/>
+            <p:cNvSpPr/>
+            <p:nvPr/>
+          </p:nvSpPr>
+          <p:spPr>
+            <a:xfrm>
+              <a:off x="4347385" y="5274097"/>
               <a:ext cx="0" cy="34794"/>
             </a:xfrm>
             <a:custGeom>
@@ -8846,13 +7551,13 @@
         </p:sp>
         <p:sp>
           <p:nvSpPr>
-            <p:cNvPr id="157" name="pl157"/>
-            <p:cNvSpPr/>
-            <p:nvPr/>
-          </p:nvSpPr>
-          <p:spPr>
-            <a:xfrm>
-              <a:off x="3380840" y="5054641"/>
+            <p:cNvPr id="117" name="pl117"/>
+            <p:cNvSpPr/>
+            <p:nvPr/>
+          </p:nvSpPr>
+          <p:spPr>
+            <a:xfrm>
+              <a:off x="4655902" y="5274097"/>
               <a:ext cx="0" cy="34794"/>
             </a:xfrm>
             <a:custGeom>
@@ -8886,13 +7591,13 @@
         </p:sp>
         <p:sp>
           <p:nvSpPr>
-            <p:cNvPr id="158" name="pl158"/>
-            <p:cNvSpPr/>
-            <p:nvPr/>
-          </p:nvSpPr>
-          <p:spPr>
-            <a:xfrm>
-              <a:off x="3640054" y="5054641"/>
+            <p:cNvPr id="118" name="pl118"/>
+            <p:cNvSpPr/>
+            <p:nvPr/>
+          </p:nvSpPr>
+          <p:spPr>
+            <a:xfrm>
+              <a:off x="5095711" y="5274097"/>
               <a:ext cx="0" cy="34794"/>
             </a:xfrm>
             <a:custGeom>
@@ -8926,13 +7631,13 @@
         </p:sp>
         <p:sp>
           <p:nvSpPr>
-            <p:cNvPr id="159" name="pl159"/>
-            <p:cNvSpPr/>
-            <p:nvPr/>
-          </p:nvSpPr>
-          <p:spPr>
-            <a:xfrm>
-              <a:off x="3798075" y="5054641"/>
+            <p:cNvPr id="119" name="pl119"/>
+            <p:cNvSpPr/>
+            <p:nvPr/>
+          </p:nvSpPr>
+          <p:spPr>
+            <a:xfrm>
+              <a:off x="5404228" y="5274097"/>
               <a:ext cx="0" cy="34794"/>
             </a:xfrm>
             <a:custGeom>
@@ -8966,13 +7671,13 @@
         </p:sp>
         <p:sp>
           <p:nvSpPr>
-            <p:cNvPr id="160" name="pl160"/>
-            <p:cNvSpPr/>
-            <p:nvPr/>
-          </p:nvSpPr>
-          <p:spPr>
-            <a:xfrm>
-              <a:off x="3956095" y="5054641"/>
+            <p:cNvPr id="120" name="pl120"/>
+            <p:cNvSpPr/>
+            <p:nvPr/>
+          </p:nvSpPr>
+          <p:spPr>
+            <a:xfrm>
+              <a:off x="5712745" y="5274097"/>
               <a:ext cx="0" cy="34794"/>
             </a:xfrm>
             <a:custGeom>
@@ -9006,13 +7711,13 @@
         </p:sp>
         <p:sp>
           <p:nvSpPr>
-            <p:cNvPr id="161" name="pl161"/>
-            <p:cNvSpPr/>
-            <p:nvPr/>
-          </p:nvSpPr>
-          <p:spPr>
-            <a:xfrm>
-              <a:off x="4114116" y="5054641"/>
+            <p:cNvPr id="121" name="pl121"/>
+            <p:cNvSpPr/>
+            <p:nvPr/>
+          </p:nvSpPr>
+          <p:spPr>
+            <a:xfrm>
+              <a:off x="6021262" y="5274097"/>
               <a:ext cx="0" cy="34794"/>
             </a:xfrm>
             <a:custGeom>
@@ -9046,13 +7751,13 @@
         </p:sp>
         <p:sp>
           <p:nvSpPr>
-            <p:cNvPr id="162" name="pl162"/>
-            <p:cNvSpPr/>
-            <p:nvPr/>
-          </p:nvSpPr>
-          <p:spPr>
-            <a:xfrm>
-              <a:off x="4272137" y="5054641"/>
+            <p:cNvPr id="122" name="pl122"/>
+            <p:cNvSpPr/>
+            <p:nvPr/>
+          </p:nvSpPr>
+          <p:spPr>
+            <a:xfrm>
+              <a:off x="6461071" y="5274097"/>
               <a:ext cx="0" cy="34794"/>
             </a:xfrm>
             <a:custGeom>
@@ -9086,13 +7791,13 @@
         </p:sp>
         <p:sp>
           <p:nvSpPr>
-            <p:cNvPr id="163" name="pl163"/>
-            <p:cNvSpPr/>
-            <p:nvPr/>
-          </p:nvSpPr>
-          <p:spPr>
-            <a:xfrm>
-              <a:off x="4430158" y="5054641"/>
+            <p:cNvPr id="123" name="pl123"/>
+            <p:cNvSpPr/>
+            <p:nvPr/>
+          </p:nvSpPr>
+          <p:spPr>
+            <a:xfrm>
+              <a:off x="6769588" y="5274097"/>
               <a:ext cx="0" cy="34794"/>
             </a:xfrm>
             <a:custGeom>
@@ -9126,13 +7831,13 @@
         </p:sp>
         <p:sp>
           <p:nvSpPr>
-            <p:cNvPr id="164" name="pl164"/>
-            <p:cNvSpPr/>
-            <p:nvPr/>
-          </p:nvSpPr>
-          <p:spPr>
-            <a:xfrm>
-              <a:off x="4588179" y="5054641"/>
+            <p:cNvPr id="124" name="pl124"/>
+            <p:cNvSpPr/>
+            <p:nvPr/>
+          </p:nvSpPr>
+          <p:spPr>
+            <a:xfrm>
+              <a:off x="7078105" y="5274097"/>
               <a:ext cx="0" cy="34794"/>
             </a:xfrm>
             <a:custGeom>
@@ -9166,13 +7871,13 @@
         </p:sp>
         <p:sp>
           <p:nvSpPr>
-            <p:cNvPr id="165" name="pl165"/>
-            <p:cNvSpPr/>
-            <p:nvPr/>
-          </p:nvSpPr>
-          <p:spPr>
-            <a:xfrm>
-              <a:off x="4746200" y="5054641"/>
+            <p:cNvPr id="125" name="pl125"/>
+            <p:cNvSpPr/>
+            <p:nvPr/>
+          </p:nvSpPr>
+          <p:spPr>
+            <a:xfrm>
+              <a:off x="7386622" y="5274097"/>
               <a:ext cx="0" cy="34794"/>
             </a:xfrm>
             <a:custGeom>
@@ -9206,13 +7911,13 @@
         </p:sp>
         <p:sp>
           <p:nvSpPr>
-            <p:cNvPr id="166" name="pl166"/>
-            <p:cNvSpPr/>
-            <p:nvPr/>
-          </p:nvSpPr>
-          <p:spPr>
-            <a:xfrm>
-              <a:off x="5005414" y="5054641"/>
+            <p:cNvPr id="126" name="pl126"/>
+            <p:cNvSpPr/>
+            <p:nvPr/>
+          </p:nvSpPr>
+          <p:spPr>
+            <a:xfrm>
+              <a:off x="7826431" y="5274097"/>
               <a:ext cx="0" cy="34794"/>
             </a:xfrm>
             <a:custGeom>
@@ -9246,13 +7951,13 @@
         </p:sp>
         <p:sp>
           <p:nvSpPr>
-            <p:cNvPr id="167" name="pl167"/>
-            <p:cNvSpPr/>
-            <p:nvPr/>
-          </p:nvSpPr>
-          <p:spPr>
-            <a:xfrm>
-              <a:off x="5163434" y="5054641"/>
+            <p:cNvPr id="127" name="pl127"/>
+            <p:cNvSpPr/>
+            <p:nvPr/>
+          </p:nvSpPr>
+          <p:spPr>
+            <a:xfrm>
+              <a:off x="8134948" y="5274097"/>
               <a:ext cx="0" cy="34794"/>
             </a:xfrm>
             <a:custGeom>
@@ -9286,13 +7991,13 @@
         </p:sp>
         <p:sp>
           <p:nvSpPr>
-            <p:cNvPr id="168" name="pl168"/>
-            <p:cNvSpPr/>
-            <p:nvPr/>
-          </p:nvSpPr>
-          <p:spPr>
-            <a:xfrm>
-              <a:off x="5321455" y="5054641"/>
+            <p:cNvPr id="128" name="pl128"/>
+            <p:cNvSpPr/>
+            <p:nvPr/>
+          </p:nvSpPr>
+          <p:spPr>
+            <a:xfrm>
+              <a:off x="8443465" y="5274097"/>
               <a:ext cx="0" cy="34794"/>
             </a:xfrm>
             <a:custGeom>
@@ -9326,13 +8031,13 @@
         </p:sp>
         <p:sp>
           <p:nvSpPr>
-            <p:cNvPr id="169" name="pl169"/>
-            <p:cNvSpPr/>
-            <p:nvPr/>
-          </p:nvSpPr>
-          <p:spPr>
-            <a:xfrm>
-              <a:off x="5479476" y="5054641"/>
+            <p:cNvPr id="129" name="pl129"/>
+            <p:cNvSpPr/>
+            <p:nvPr/>
+          </p:nvSpPr>
+          <p:spPr>
+            <a:xfrm>
+              <a:off x="8751982" y="5274097"/>
               <a:ext cx="0" cy="34794"/>
             </a:xfrm>
             <a:custGeom>
@@ -9366,813 +8071,13 @@
         </p:sp>
         <p:sp>
           <p:nvSpPr>
-            <p:cNvPr id="170" name="pl170"/>
-            <p:cNvSpPr/>
-            <p:nvPr/>
-          </p:nvSpPr>
-          <p:spPr>
-            <a:xfrm>
-              <a:off x="5637497" y="5054641"/>
-              <a:ext cx="0" cy="34794"/>
-            </a:xfrm>
-            <a:custGeom>
-              <a:avLst/>
-              <a:pathLst>
-                <a:path w="0" h="34794">
-                  <a:moveTo>
-                    <a:pt x="0" y="34794"/>
-                  </a:moveTo>
-                  <a:lnTo>
-                    <a:pt x="0" y="0"/>
-                  </a:lnTo>
-                </a:path>
-              </a:pathLst>
-            </a:custGeom>
-            <a:ln w="13550" cap="flat">
-              <a:solidFill>
-                <a:srgbClr val="333333">
-                  <a:alpha val="100000"/>
-                </a:srgbClr>
-              </a:solidFill>
-              <a:prstDash val="solid"/>
-              <a:round/>
-            </a:ln>
-          </p:spPr>
-          <p:txBody>
-            <a:bodyPr/>
-            <a:lstStyle/>
-            <a:p/>
-          </p:txBody>
-        </p:sp>
-        <p:sp>
-          <p:nvSpPr>
-            <p:cNvPr id="171" name="pl171"/>
-            <p:cNvSpPr/>
-            <p:nvPr/>
-          </p:nvSpPr>
-          <p:spPr>
-            <a:xfrm>
-              <a:off x="5795518" y="5054641"/>
-              <a:ext cx="0" cy="34794"/>
-            </a:xfrm>
-            <a:custGeom>
-              <a:avLst/>
-              <a:pathLst>
-                <a:path w="0" h="34794">
-                  <a:moveTo>
-                    <a:pt x="0" y="34794"/>
-                  </a:moveTo>
-                  <a:lnTo>
-                    <a:pt x="0" y="0"/>
-                  </a:lnTo>
-                </a:path>
-              </a:pathLst>
-            </a:custGeom>
-            <a:ln w="13550" cap="flat">
-              <a:solidFill>
-                <a:srgbClr val="333333">
-                  <a:alpha val="100000"/>
-                </a:srgbClr>
-              </a:solidFill>
-              <a:prstDash val="solid"/>
-              <a:round/>
-            </a:ln>
-          </p:spPr>
-          <p:txBody>
-            <a:bodyPr/>
-            <a:lstStyle/>
-            <a:p/>
-          </p:txBody>
-        </p:sp>
-        <p:sp>
-          <p:nvSpPr>
-            <p:cNvPr id="172" name="pl172"/>
-            <p:cNvSpPr/>
-            <p:nvPr/>
-          </p:nvSpPr>
-          <p:spPr>
-            <a:xfrm>
-              <a:off x="5953539" y="5054641"/>
-              <a:ext cx="0" cy="34794"/>
-            </a:xfrm>
-            <a:custGeom>
-              <a:avLst/>
-              <a:pathLst>
-                <a:path w="0" h="34794">
-                  <a:moveTo>
-                    <a:pt x="0" y="34794"/>
-                  </a:moveTo>
-                  <a:lnTo>
-                    <a:pt x="0" y="0"/>
-                  </a:lnTo>
-                </a:path>
-              </a:pathLst>
-            </a:custGeom>
-            <a:ln w="13550" cap="flat">
-              <a:solidFill>
-                <a:srgbClr val="333333">
-                  <a:alpha val="100000"/>
-                </a:srgbClr>
-              </a:solidFill>
-              <a:prstDash val="solid"/>
-              <a:round/>
-            </a:ln>
-          </p:spPr>
-          <p:txBody>
-            <a:bodyPr/>
-            <a:lstStyle/>
-            <a:p/>
-          </p:txBody>
-        </p:sp>
-        <p:sp>
-          <p:nvSpPr>
-            <p:cNvPr id="173" name="pl173"/>
-            <p:cNvSpPr/>
-            <p:nvPr/>
-          </p:nvSpPr>
-          <p:spPr>
-            <a:xfrm>
-              <a:off x="6111560" y="5054641"/>
-              <a:ext cx="0" cy="34794"/>
-            </a:xfrm>
-            <a:custGeom>
-              <a:avLst/>
-              <a:pathLst>
-                <a:path w="0" h="34794">
-                  <a:moveTo>
-                    <a:pt x="0" y="34794"/>
-                  </a:moveTo>
-                  <a:lnTo>
-                    <a:pt x="0" y="0"/>
-                  </a:lnTo>
-                </a:path>
-              </a:pathLst>
-            </a:custGeom>
-            <a:ln w="13550" cap="flat">
-              <a:solidFill>
-                <a:srgbClr val="333333">
-                  <a:alpha val="100000"/>
-                </a:srgbClr>
-              </a:solidFill>
-              <a:prstDash val="solid"/>
-              <a:round/>
-            </a:ln>
-          </p:spPr>
-          <p:txBody>
-            <a:bodyPr/>
-            <a:lstStyle/>
-            <a:p/>
-          </p:txBody>
-        </p:sp>
-        <p:sp>
-          <p:nvSpPr>
-            <p:cNvPr id="174" name="pl174"/>
-            <p:cNvSpPr/>
-            <p:nvPr/>
-          </p:nvSpPr>
-          <p:spPr>
-            <a:xfrm>
-              <a:off x="6370774" y="5054641"/>
-              <a:ext cx="0" cy="34794"/>
-            </a:xfrm>
-            <a:custGeom>
-              <a:avLst/>
-              <a:pathLst>
-                <a:path w="0" h="34794">
-                  <a:moveTo>
-                    <a:pt x="0" y="34794"/>
-                  </a:moveTo>
-                  <a:lnTo>
-                    <a:pt x="0" y="0"/>
-                  </a:lnTo>
-                </a:path>
-              </a:pathLst>
-            </a:custGeom>
-            <a:ln w="13550" cap="flat">
-              <a:solidFill>
-                <a:srgbClr val="333333">
-                  <a:alpha val="100000"/>
-                </a:srgbClr>
-              </a:solidFill>
-              <a:prstDash val="solid"/>
-              <a:round/>
-            </a:ln>
-          </p:spPr>
-          <p:txBody>
-            <a:bodyPr/>
-            <a:lstStyle/>
-            <a:p/>
-          </p:txBody>
-        </p:sp>
-        <p:sp>
-          <p:nvSpPr>
-            <p:cNvPr id="175" name="pl175"/>
-            <p:cNvSpPr/>
-            <p:nvPr/>
-          </p:nvSpPr>
-          <p:spPr>
-            <a:xfrm>
-              <a:off x="6528794" y="5054641"/>
-              <a:ext cx="0" cy="34794"/>
-            </a:xfrm>
-            <a:custGeom>
-              <a:avLst/>
-              <a:pathLst>
-                <a:path w="0" h="34794">
-                  <a:moveTo>
-                    <a:pt x="0" y="34794"/>
-                  </a:moveTo>
-                  <a:lnTo>
-                    <a:pt x="0" y="0"/>
-                  </a:lnTo>
-                </a:path>
-              </a:pathLst>
-            </a:custGeom>
-            <a:ln w="13550" cap="flat">
-              <a:solidFill>
-                <a:srgbClr val="333333">
-                  <a:alpha val="100000"/>
-                </a:srgbClr>
-              </a:solidFill>
-              <a:prstDash val="solid"/>
-              <a:round/>
-            </a:ln>
-          </p:spPr>
-          <p:txBody>
-            <a:bodyPr/>
-            <a:lstStyle/>
-            <a:p/>
-          </p:txBody>
-        </p:sp>
-        <p:sp>
-          <p:nvSpPr>
-            <p:cNvPr id="176" name="pl176"/>
-            <p:cNvSpPr/>
-            <p:nvPr/>
-          </p:nvSpPr>
-          <p:spPr>
-            <a:xfrm>
-              <a:off x="6686815" y="5054641"/>
-              <a:ext cx="0" cy="34794"/>
-            </a:xfrm>
-            <a:custGeom>
-              <a:avLst/>
-              <a:pathLst>
-                <a:path w="0" h="34794">
-                  <a:moveTo>
-                    <a:pt x="0" y="34794"/>
-                  </a:moveTo>
-                  <a:lnTo>
-                    <a:pt x="0" y="0"/>
-                  </a:lnTo>
-                </a:path>
-              </a:pathLst>
-            </a:custGeom>
-            <a:ln w="13550" cap="flat">
-              <a:solidFill>
-                <a:srgbClr val="333333">
-                  <a:alpha val="100000"/>
-                </a:srgbClr>
-              </a:solidFill>
-              <a:prstDash val="solid"/>
-              <a:round/>
-            </a:ln>
-          </p:spPr>
-          <p:txBody>
-            <a:bodyPr/>
-            <a:lstStyle/>
-            <a:p/>
-          </p:txBody>
-        </p:sp>
-        <p:sp>
-          <p:nvSpPr>
-            <p:cNvPr id="177" name="pl177"/>
-            <p:cNvSpPr/>
-            <p:nvPr/>
-          </p:nvSpPr>
-          <p:spPr>
-            <a:xfrm>
-              <a:off x="6844836" y="5054641"/>
-              <a:ext cx="0" cy="34794"/>
-            </a:xfrm>
-            <a:custGeom>
-              <a:avLst/>
-              <a:pathLst>
-                <a:path w="0" h="34794">
-                  <a:moveTo>
-                    <a:pt x="0" y="34794"/>
-                  </a:moveTo>
-                  <a:lnTo>
-                    <a:pt x="0" y="0"/>
-                  </a:lnTo>
-                </a:path>
-              </a:pathLst>
-            </a:custGeom>
-            <a:ln w="13550" cap="flat">
-              <a:solidFill>
-                <a:srgbClr val="333333">
-                  <a:alpha val="100000"/>
-                </a:srgbClr>
-              </a:solidFill>
-              <a:prstDash val="solid"/>
-              <a:round/>
-            </a:ln>
-          </p:spPr>
-          <p:txBody>
-            <a:bodyPr/>
-            <a:lstStyle/>
-            <a:p/>
-          </p:txBody>
-        </p:sp>
-        <p:sp>
-          <p:nvSpPr>
-            <p:cNvPr id="178" name="pl178"/>
-            <p:cNvSpPr/>
-            <p:nvPr/>
-          </p:nvSpPr>
-          <p:spPr>
-            <a:xfrm>
-              <a:off x="7002857" y="5054641"/>
-              <a:ext cx="0" cy="34794"/>
-            </a:xfrm>
-            <a:custGeom>
-              <a:avLst/>
-              <a:pathLst>
-                <a:path w="0" h="34794">
-                  <a:moveTo>
-                    <a:pt x="0" y="34794"/>
-                  </a:moveTo>
-                  <a:lnTo>
-                    <a:pt x="0" y="0"/>
-                  </a:lnTo>
-                </a:path>
-              </a:pathLst>
-            </a:custGeom>
-            <a:ln w="13550" cap="flat">
-              <a:solidFill>
-                <a:srgbClr val="333333">
-                  <a:alpha val="100000"/>
-                </a:srgbClr>
-              </a:solidFill>
-              <a:prstDash val="solid"/>
-              <a:round/>
-            </a:ln>
-          </p:spPr>
-          <p:txBody>
-            <a:bodyPr/>
-            <a:lstStyle/>
-            <a:p/>
-          </p:txBody>
-        </p:sp>
-        <p:sp>
-          <p:nvSpPr>
-            <p:cNvPr id="179" name="pl179"/>
-            <p:cNvSpPr/>
-            <p:nvPr/>
-          </p:nvSpPr>
-          <p:spPr>
-            <a:xfrm>
-              <a:off x="7160878" y="5054641"/>
-              <a:ext cx="0" cy="34794"/>
-            </a:xfrm>
-            <a:custGeom>
-              <a:avLst/>
-              <a:pathLst>
-                <a:path w="0" h="34794">
-                  <a:moveTo>
-                    <a:pt x="0" y="34794"/>
-                  </a:moveTo>
-                  <a:lnTo>
-                    <a:pt x="0" y="0"/>
-                  </a:lnTo>
-                </a:path>
-              </a:pathLst>
-            </a:custGeom>
-            <a:ln w="13550" cap="flat">
-              <a:solidFill>
-                <a:srgbClr val="333333">
-                  <a:alpha val="100000"/>
-                </a:srgbClr>
-              </a:solidFill>
-              <a:prstDash val="solid"/>
-              <a:round/>
-            </a:ln>
-          </p:spPr>
-          <p:txBody>
-            <a:bodyPr/>
-            <a:lstStyle/>
-            <a:p/>
-          </p:txBody>
-        </p:sp>
-        <p:sp>
-          <p:nvSpPr>
-            <p:cNvPr id="180" name="pl180"/>
-            <p:cNvSpPr/>
-            <p:nvPr/>
-          </p:nvSpPr>
-          <p:spPr>
-            <a:xfrm>
-              <a:off x="7318899" y="5054641"/>
-              <a:ext cx="0" cy="34794"/>
-            </a:xfrm>
-            <a:custGeom>
-              <a:avLst/>
-              <a:pathLst>
-                <a:path w="0" h="34794">
-                  <a:moveTo>
-                    <a:pt x="0" y="34794"/>
-                  </a:moveTo>
-                  <a:lnTo>
-                    <a:pt x="0" y="0"/>
-                  </a:lnTo>
-                </a:path>
-              </a:pathLst>
-            </a:custGeom>
-            <a:ln w="13550" cap="flat">
-              <a:solidFill>
-                <a:srgbClr val="333333">
-                  <a:alpha val="100000"/>
-                </a:srgbClr>
-              </a:solidFill>
-              <a:prstDash val="solid"/>
-              <a:round/>
-            </a:ln>
-          </p:spPr>
-          <p:txBody>
-            <a:bodyPr/>
-            <a:lstStyle/>
-            <a:p/>
-          </p:txBody>
-        </p:sp>
-        <p:sp>
-          <p:nvSpPr>
-            <p:cNvPr id="181" name="pl181"/>
-            <p:cNvSpPr/>
-            <p:nvPr/>
-          </p:nvSpPr>
-          <p:spPr>
-            <a:xfrm>
-              <a:off x="7476919" y="5054641"/>
-              <a:ext cx="0" cy="34794"/>
-            </a:xfrm>
-            <a:custGeom>
-              <a:avLst/>
-              <a:pathLst>
-                <a:path w="0" h="34794">
-                  <a:moveTo>
-                    <a:pt x="0" y="34794"/>
-                  </a:moveTo>
-                  <a:lnTo>
-                    <a:pt x="0" y="0"/>
-                  </a:lnTo>
-                </a:path>
-              </a:pathLst>
-            </a:custGeom>
-            <a:ln w="13550" cap="flat">
-              <a:solidFill>
-                <a:srgbClr val="333333">
-                  <a:alpha val="100000"/>
-                </a:srgbClr>
-              </a:solidFill>
-              <a:prstDash val="solid"/>
-              <a:round/>
-            </a:ln>
-          </p:spPr>
-          <p:txBody>
-            <a:bodyPr/>
-            <a:lstStyle/>
-            <a:p/>
-          </p:txBody>
-        </p:sp>
-        <p:sp>
-          <p:nvSpPr>
-            <p:cNvPr id="182" name="pl182"/>
-            <p:cNvSpPr/>
-            <p:nvPr/>
-          </p:nvSpPr>
-          <p:spPr>
-            <a:xfrm>
-              <a:off x="7736134" y="5054641"/>
-              <a:ext cx="0" cy="34794"/>
-            </a:xfrm>
-            <a:custGeom>
-              <a:avLst/>
-              <a:pathLst>
-                <a:path w="0" h="34794">
-                  <a:moveTo>
-                    <a:pt x="0" y="34794"/>
-                  </a:moveTo>
-                  <a:lnTo>
-                    <a:pt x="0" y="0"/>
-                  </a:lnTo>
-                </a:path>
-              </a:pathLst>
-            </a:custGeom>
-            <a:ln w="13550" cap="flat">
-              <a:solidFill>
-                <a:srgbClr val="333333">
-                  <a:alpha val="100000"/>
-                </a:srgbClr>
-              </a:solidFill>
-              <a:prstDash val="solid"/>
-              <a:round/>
-            </a:ln>
-          </p:spPr>
-          <p:txBody>
-            <a:bodyPr/>
-            <a:lstStyle/>
-            <a:p/>
-          </p:txBody>
-        </p:sp>
-        <p:sp>
-          <p:nvSpPr>
-            <p:cNvPr id="183" name="pl183"/>
-            <p:cNvSpPr/>
-            <p:nvPr/>
-          </p:nvSpPr>
-          <p:spPr>
-            <a:xfrm>
-              <a:off x="7894154" y="5054641"/>
-              <a:ext cx="0" cy="34794"/>
-            </a:xfrm>
-            <a:custGeom>
-              <a:avLst/>
-              <a:pathLst>
-                <a:path w="0" h="34794">
-                  <a:moveTo>
-                    <a:pt x="0" y="34794"/>
-                  </a:moveTo>
-                  <a:lnTo>
-                    <a:pt x="0" y="0"/>
-                  </a:lnTo>
-                </a:path>
-              </a:pathLst>
-            </a:custGeom>
-            <a:ln w="13550" cap="flat">
-              <a:solidFill>
-                <a:srgbClr val="333333">
-                  <a:alpha val="100000"/>
-                </a:srgbClr>
-              </a:solidFill>
-              <a:prstDash val="solid"/>
-              <a:round/>
-            </a:ln>
-          </p:spPr>
-          <p:txBody>
-            <a:bodyPr/>
-            <a:lstStyle/>
-            <a:p/>
-          </p:txBody>
-        </p:sp>
-        <p:sp>
-          <p:nvSpPr>
-            <p:cNvPr id="184" name="pl184"/>
-            <p:cNvSpPr/>
-            <p:nvPr/>
-          </p:nvSpPr>
-          <p:spPr>
-            <a:xfrm>
-              <a:off x="8052175" y="5054641"/>
-              <a:ext cx="0" cy="34794"/>
-            </a:xfrm>
-            <a:custGeom>
-              <a:avLst/>
-              <a:pathLst>
-                <a:path w="0" h="34794">
-                  <a:moveTo>
-                    <a:pt x="0" y="34794"/>
-                  </a:moveTo>
-                  <a:lnTo>
-                    <a:pt x="0" y="0"/>
-                  </a:lnTo>
-                </a:path>
-              </a:pathLst>
-            </a:custGeom>
-            <a:ln w="13550" cap="flat">
-              <a:solidFill>
-                <a:srgbClr val="333333">
-                  <a:alpha val="100000"/>
-                </a:srgbClr>
-              </a:solidFill>
-              <a:prstDash val="solid"/>
-              <a:round/>
-            </a:ln>
-          </p:spPr>
-          <p:txBody>
-            <a:bodyPr/>
-            <a:lstStyle/>
-            <a:p/>
-          </p:txBody>
-        </p:sp>
-        <p:sp>
-          <p:nvSpPr>
-            <p:cNvPr id="185" name="pl185"/>
-            <p:cNvSpPr/>
-            <p:nvPr/>
-          </p:nvSpPr>
-          <p:spPr>
-            <a:xfrm>
-              <a:off x="8210196" y="5054641"/>
-              <a:ext cx="0" cy="34794"/>
-            </a:xfrm>
-            <a:custGeom>
-              <a:avLst/>
-              <a:pathLst>
-                <a:path w="0" h="34794">
-                  <a:moveTo>
-                    <a:pt x="0" y="34794"/>
-                  </a:moveTo>
-                  <a:lnTo>
-                    <a:pt x="0" y="0"/>
-                  </a:lnTo>
-                </a:path>
-              </a:pathLst>
-            </a:custGeom>
-            <a:ln w="13550" cap="flat">
-              <a:solidFill>
-                <a:srgbClr val="333333">
-                  <a:alpha val="100000"/>
-                </a:srgbClr>
-              </a:solidFill>
-              <a:prstDash val="solid"/>
-              <a:round/>
-            </a:ln>
-          </p:spPr>
-          <p:txBody>
-            <a:bodyPr/>
-            <a:lstStyle/>
-            <a:p/>
-          </p:txBody>
-        </p:sp>
-        <p:sp>
-          <p:nvSpPr>
-            <p:cNvPr id="186" name="pl186"/>
-            <p:cNvSpPr/>
-            <p:nvPr/>
-          </p:nvSpPr>
-          <p:spPr>
-            <a:xfrm>
-              <a:off x="8368217" y="5054641"/>
-              <a:ext cx="0" cy="34794"/>
-            </a:xfrm>
-            <a:custGeom>
-              <a:avLst/>
-              <a:pathLst>
-                <a:path w="0" h="34794">
-                  <a:moveTo>
-                    <a:pt x="0" y="34794"/>
-                  </a:moveTo>
-                  <a:lnTo>
-                    <a:pt x="0" y="0"/>
-                  </a:lnTo>
-                </a:path>
-              </a:pathLst>
-            </a:custGeom>
-            <a:ln w="13550" cap="flat">
-              <a:solidFill>
-                <a:srgbClr val="333333">
-                  <a:alpha val="100000"/>
-                </a:srgbClr>
-              </a:solidFill>
-              <a:prstDash val="solid"/>
-              <a:round/>
-            </a:ln>
-          </p:spPr>
-          <p:txBody>
-            <a:bodyPr/>
-            <a:lstStyle/>
-            <a:p/>
-          </p:txBody>
-        </p:sp>
-        <p:sp>
-          <p:nvSpPr>
-            <p:cNvPr id="187" name="pl187"/>
-            <p:cNvSpPr/>
-            <p:nvPr/>
-          </p:nvSpPr>
-          <p:spPr>
-            <a:xfrm>
-              <a:off x="8526238" y="5054641"/>
-              <a:ext cx="0" cy="34794"/>
-            </a:xfrm>
-            <a:custGeom>
-              <a:avLst/>
-              <a:pathLst>
-                <a:path w="0" h="34794">
-                  <a:moveTo>
-                    <a:pt x="0" y="34794"/>
-                  </a:moveTo>
-                  <a:lnTo>
-                    <a:pt x="0" y="0"/>
-                  </a:lnTo>
-                </a:path>
-              </a:pathLst>
-            </a:custGeom>
-            <a:ln w="13550" cap="flat">
-              <a:solidFill>
-                <a:srgbClr val="333333">
-                  <a:alpha val="100000"/>
-                </a:srgbClr>
-              </a:solidFill>
-              <a:prstDash val="solid"/>
-              <a:round/>
-            </a:ln>
-          </p:spPr>
-          <p:txBody>
-            <a:bodyPr/>
-            <a:lstStyle/>
-            <a:p/>
-          </p:txBody>
-        </p:sp>
-        <p:sp>
-          <p:nvSpPr>
-            <p:cNvPr id="188" name="pl188"/>
-            <p:cNvSpPr/>
-            <p:nvPr/>
-          </p:nvSpPr>
-          <p:spPr>
-            <a:xfrm>
-              <a:off x="8684259" y="5054641"/>
-              <a:ext cx="0" cy="34794"/>
-            </a:xfrm>
-            <a:custGeom>
-              <a:avLst/>
-              <a:pathLst>
-                <a:path w="0" h="34794">
-                  <a:moveTo>
-                    <a:pt x="0" y="34794"/>
-                  </a:moveTo>
-                  <a:lnTo>
-                    <a:pt x="0" y="0"/>
-                  </a:lnTo>
-                </a:path>
-              </a:pathLst>
-            </a:custGeom>
-            <a:ln w="13550" cap="flat">
-              <a:solidFill>
-                <a:srgbClr val="333333">
-                  <a:alpha val="100000"/>
-                </a:srgbClr>
-              </a:solidFill>
-              <a:prstDash val="solid"/>
-              <a:round/>
-            </a:ln>
-          </p:spPr>
-          <p:txBody>
-            <a:bodyPr/>
-            <a:lstStyle/>
-            <a:p/>
-          </p:txBody>
-        </p:sp>
-        <p:sp>
-          <p:nvSpPr>
-            <p:cNvPr id="189" name="pl189"/>
-            <p:cNvSpPr/>
-            <p:nvPr/>
-          </p:nvSpPr>
-          <p:spPr>
-            <a:xfrm>
-              <a:off x="8842279" y="5054641"/>
-              <a:ext cx="0" cy="34794"/>
-            </a:xfrm>
-            <a:custGeom>
-              <a:avLst/>
-              <a:pathLst>
-                <a:path w="0" h="34794">
-                  <a:moveTo>
-                    <a:pt x="0" y="34794"/>
-                  </a:moveTo>
-                  <a:lnTo>
-                    <a:pt x="0" y="0"/>
-                  </a:lnTo>
-                </a:path>
-              </a:pathLst>
-            </a:custGeom>
-            <a:ln w="13550" cap="flat">
-              <a:solidFill>
-                <a:srgbClr val="333333">
-                  <a:alpha val="100000"/>
-                </a:srgbClr>
-              </a:solidFill>
-              <a:prstDash val="solid"/>
-              <a:round/>
-            </a:ln>
-          </p:spPr>
-          <p:txBody>
-            <a:bodyPr/>
-            <a:lstStyle/>
-            <a:p/>
-          </p:txBody>
-        </p:sp>
-        <p:sp>
-          <p:nvSpPr>
-            <p:cNvPr id="190" name="tx190"/>
-            <p:cNvSpPr/>
-            <p:nvPr/>
-          </p:nvSpPr>
-          <p:spPr>
-            <a:xfrm>
-              <a:off x="2055095" y="4865428"/>
+            <p:cNvPr id="130" name="tx130"/>
+            <p:cNvSpPr/>
+            <p:nvPr/>
+          </p:nvSpPr>
+          <p:spPr>
+            <a:xfrm>
+              <a:off x="2055095" y="5074909"/>
               <a:ext cx="62155" cy="81691"/>
             </a:xfrm>
             <a:prstGeom prst="rect">
@@ -10212,59 +8117,13 @@
         </p:sp>
         <p:sp>
           <p:nvSpPr>
-            <p:cNvPr id="191" name="tx191"/>
-            <p:cNvSpPr/>
-            <p:nvPr/>
-          </p:nvSpPr>
-          <p:spPr>
-            <a:xfrm>
-              <a:off x="1992940" y="4149305"/>
-              <a:ext cx="124311" cy="81691"/>
-            </a:xfrm>
-            <a:prstGeom prst="rect">
-              <a:avLst/>
-            </a:prstGeom>
-            <a:noFill/>
-          </p:spPr>
-          <p:txBody>
-            <a:bodyPr lIns="0" rIns="0" tIns="0" bIns="0" anchorCtr="1" anchor="ctr" wrap="none"/>
-            <a:lstStyle/>
-            <a:p>
-              <a:pPr algn="l" marL="0" marR="0" indent="0">
-                <a:lnSpc>
-                  <a:spcPts val="880"/>
-                </a:lnSpc>
-                <a:spcBef>
-                  <a:spcPts val="0"/>
-                </a:spcBef>
-                <a:spcAft>
-                  <a:spcPts val="0"/>
-                </a:spcAft>
-              </a:pPr>
-              <a:r>
-                <a:rPr sz="880">
-                  <a:solidFill>
-                    <a:srgbClr val="4D4D4D">
-                      <a:alpha val="100000"/>
-                    </a:srgbClr>
-                  </a:solidFill>
-                  <a:latin typeface="Arial"/>
-                  <a:cs typeface="Arial"/>
-                </a:rPr>
-                <a:t>25</a:t>
-              </a:r>
-            </a:p>
-          </p:txBody>
-        </p:sp>
-        <p:sp>
-          <p:nvSpPr>
-            <p:cNvPr id="192" name="tx192"/>
-            <p:cNvSpPr/>
-            <p:nvPr/>
-          </p:nvSpPr>
-          <p:spPr>
-            <a:xfrm>
-              <a:off x="1992940" y="3433182"/>
+            <p:cNvPr id="131" name="tx131"/>
+            <p:cNvSpPr/>
+            <p:nvPr/>
+          </p:nvSpPr>
+          <p:spPr>
+            <a:xfrm>
+              <a:off x="1992940" y="4396044"/>
               <a:ext cx="124311" cy="81691"/>
             </a:xfrm>
             <a:prstGeom prst="rect">
@@ -10304,59 +8163,13 @@
         </p:sp>
         <p:sp>
           <p:nvSpPr>
-            <p:cNvPr id="193" name="tx193"/>
-            <p:cNvSpPr/>
-            <p:nvPr/>
-          </p:nvSpPr>
-          <p:spPr>
-            <a:xfrm>
-              <a:off x="1992940" y="2718424"/>
-              <a:ext cx="124311" cy="80327"/>
-            </a:xfrm>
-            <a:prstGeom prst="rect">
-              <a:avLst/>
-            </a:prstGeom>
-            <a:noFill/>
-          </p:spPr>
-          <p:txBody>
-            <a:bodyPr lIns="0" rIns="0" tIns="0" bIns="0" anchorCtr="1" anchor="ctr" wrap="none"/>
-            <a:lstStyle/>
-            <a:p>
-              <a:pPr algn="l" marL="0" marR="0" indent="0">
-                <a:lnSpc>
-                  <a:spcPts val="880"/>
-                </a:lnSpc>
-                <a:spcBef>
-                  <a:spcPts val="0"/>
-                </a:spcBef>
-                <a:spcAft>
-                  <a:spcPts val="0"/>
-                </a:spcAft>
-              </a:pPr>
-              <a:r>
-                <a:rPr sz="880">
-                  <a:solidFill>
-                    <a:srgbClr val="4D4D4D">
-                      <a:alpha val="100000"/>
-                    </a:srgbClr>
-                  </a:solidFill>
-                  <a:latin typeface="Arial"/>
-                  <a:cs typeface="Arial"/>
-                </a:rPr>
-                <a:t>75</a:t>
-              </a:r>
-            </a:p>
-          </p:txBody>
-        </p:sp>
-        <p:sp>
-          <p:nvSpPr>
-            <p:cNvPr id="194" name="tx194"/>
-            <p:cNvSpPr/>
-            <p:nvPr/>
-          </p:nvSpPr>
-          <p:spPr>
-            <a:xfrm>
-              <a:off x="1930784" y="2000937"/>
+            <p:cNvPr id="132" name="tx132"/>
+            <p:cNvSpPr/>
+            <p:nvPr/>
+          </p:nvSpPr>
+          <p:spPr>
+            <a:xfrm>
+              <a:off x="1930784" y="3717180"/>
               <a:ext cx="186466" cy="81691"/>
             </a:xfrm>
             <a:prstGeom prst="rect">
@@ -10396,13 +8209,105 @@
         </p:sp>
         <p:sp>
           <p:nvSpPr>
-            <p:cNvPr id="195" name="pl195"/>
-            <p:cNvSpPr/>
-            <p:nvPr/>
-          </p:nvSpPr>
-          <p:spPr>
-            <a:xfrm>
-              <a:off x="2145087" y="4907120"/>
+            <p:cNvPr id="133" name="tx133"/>
+            <p:cNvSpPr/>
+            <p:nvPr/>
+          </p:nvSpPr>
+          <p:spPr>
+            <a:xfrm>
+              <a:off x="1930784" y="3038315"/>
+              <a:ext cx="186466" cy="81691"/>
+            </a:xfrm>
+            <a:prstGeom prst="rect">
+              <a:avLst/>
+            </a:prstGeom>
+            <a:noFill/>
+          </p:spPr>
+          <p:txBody>
+            <a:bodyPr lIns="0" rIns="0" tIns="0" bIns="0" anchorCtr="1" anchor="ctr" wrap="none"/>
+            <a:lstStyle/>
+            <a:p>
+              <a:pPr algn="l" marL="0" marR="0" indent="0">
+                <a:lnSpc>
+                  <a:spcPts val="880"/>
+                </a:lnSpc>
+                <a:spcBef>
+                  <a:spcPts val="0"/>
+                </a:spcBef>
+                <a:spcAft>
+                  <a:spcPts val="0"/>
+                </a:spcAft>
+              </a:pPr>
+              <a:r>
+                <a:rPr sz="880">
+                  <a:solidFill>
+                    <a:srgbClr val="4D4D4D">
+                      <a:alpha val="100000"/>
+                    </a:srgbClr>
+                  </a:solidFill>
+                  <a:latin typeface="Arial"/>
+                  <a:cs typeface="Arial"/>
+                </a:rPr>
+                <a:t>150</a:t>
+              </a:r>
+            </a:p>
+          </p:txBody>
+        </p:sp>
+        <p:sp>
+          <p:nvSpPr>
+            <p:cNvPr id="134" name="tx134"/>
+            <p:cNvSpPr/>
+            <p:nvPr/>
+          </p:nvSpPr>
+          <p:spPr>
+            <a:xfrm>
+              <a:off x="1930784" y="2359451"/>
+              <a:ext cx="186466" cy="81691"/>
+            </a:xfrm>
+            <a:prstGeom prst="rect">
+              <a:avLst/>
+            </a:prstGeom>
+            <a:noFill/>
+          </p:spPr>
+          <p:txBody>
+            <a:bodyPr lIns="0" rIns="0" tIns="0" bIns="0" anchorCtr="1" anchor="ctr" wrap="none"/>
+            <a:lstStyle/>
+            <a:p>
+              <a:pPr algn="l" marL="0" marR="0" indent="0">
+                <a:lnSpc>
+                  <a:spcPts val="880"/>
+                </a:lnSpc>
+                <a:spcBef>
+                  <a:spcPts val="0"/>
+                </a:spcBef>
+                <a:spcAft>
+                  <a:spcPts val="0"/>
+                </a:spcAft>
+              </a:pPr>
+              <a:r>
+                <a:rPr sz="880">
+                  <a:solidFill>
+                    <a:srgbClr val="4D4D4D">
+                      <a:alpha val="100000"/>
+                    </a:srgbClr>
+                  </a:solidFill>
+                  <a:latin typeface="Arial"/>
+                  <a:cs typeface="Arial"/>
+                </a:rPr>
+                <a:t>200</a:t>
+              </a:r>
+            </a:p>
+          </p:txBody>
+        </p:sp>
+        <p:sp>
+          <p:nvSpPr>
+            <p:cNvPr id="135" name="pl135"/>
+            <p:cNvSpPr/>
+            <p:nvPr/>
+          </p:nvSpPr>
+          <p:spPr>
+            <a:xfrm>
+              <a:off x="2145087" y="5116600"/>
               <a:ext cx="34794" cy="0"/>
             </a:xfrm>
             <a:custGeom>
@@ -10436,13 +8341,13 @@
         </p:sp>
         <p:sp>
           <p:nvSpPr>
-            <p:cNvPr id="196" name="pl196"/>
-            <p:cNvSpPr/>
-            <p:nvPr/>
-          </p:nvSpPr>
-          <p:spPr>
-            <a:xfrm>
-              <a:off x="2145087" y="4190997"/>
+            <p:cNvPr id="136" name="pl136"/>
+            <p:cNvSpPr/>
+            <p:nvPr/>
+          </p:nvSpPr>
+          <p:spPr>
+            <a:xfrm>
+              <a:off x="2145087" y="4437736"/>
               <a:ext cx="34794" cy="0"/>
             </a:xfrm>
             <a:custGeom>
@@ -10476,13 +8381,13 @@
         </p:sp>
         <p:sp>
           <p:nvSpPr>
-            <p:cNvPr id="197" name="pl197"/>
-            <p:cNvSpPr/>
-            <p:nvPr/>
-          </p:nvSpPr>
-          <p:spPr>
-            <a:xfrm>
-              <a:off x="2145087" y="3474874"/>
+            <p:cNvPr id="137" name="pl137"/>
+            <p:cNvSpPr/>
+            <p:nvPr/>
+          </p:nvSpPr>
+          <p:spPr>
+            <a:xfrm>
+              <a:off x="2145087" y="3758871"/>
               <a:ext cx="34794" cy="0"/>
             </a:xfrm>
             <a:custGeom>
@@ -10516,13 +8421,13 @@
         </p:sp>
         <p:sp>
           <p:nvSpPr>
-            <p:cNvPr id="198" name="pl198"/>
-            <p:cNvSpPr/>
-            <p:nvPr/>
-          </p:nvSpPr>
-          <p:spPr>
-            <a:xfrm>
-              <a:off x="2145087" y="2758751"/>
+            <p:cNvPr id="138" name="pl138"/>
+            <p:cNvSpPr/>
+            <p:nvPr/>
+          </p:nvSpPr>
+          <p:spPr>
+            <a:xfrm>
+              <a:off x="2145087" y="3080007"/>
               <a:ext cx="34794" cy="0"/>
             </a:xfrm>
             <a:custGeom>
@@ -10556,13 +8461,13 @@
         </p:sp>
         <p:sp>
           <p:nvSpPr>
-            <p:cNvPr id="199" name="pl199"/>
-            <p:cNvSpPr/>
-            <p:nvPr/>
-          </p:nvSpPr>
-          <p:spPr>
-            <a:xfrm>
-              <a:off x="2145087" y="2042629"/>
+            <p:cNvPr id="139" name="pl139"/>
+            <p:cNvSpPr/>
+            <p:nvPr/>
+          </p:nvSpPr>
+          <p:spPr>
+            <a:xfrm>
+              <a:off x="2145087" y="2401142"/>
               <a:ext cx="34794" cy="0"/>
             </a:xfrm>
             <a:custGeom>
@@ -10596,14 +8501,14 @@
         </p:sp>
         <p:sp>
           <p:nvSpPr>
-            <p:cNvPr id="200" name="rc200"/>
-            <p:cNvSpPr/>
-            <p:nvPr/>
-          </p:nvSpPr>
-          <p:spPr>
-            <a:xfrm>
-              <a:off x="2202794" y="5394142"/>
-              <a:ext cx="6711385" cy="578090"/>
+            <p:cNvPr id="140" name="rc140"/>
+            <p:cNvSpPr/>
+            <p:nvPr/>
+          </p:nvSpPr>
+          <p:spPr>
+            <a:xfrm>
+              <a:off x="4009020" y="5613598"/>
+              <a:ext cx="3098933" cy="358634"/>
             </a:xfrm>
             <a:prstGeom prst="rect">
               <a:avLst/>
@@ -10622,14 +8527,14 @@
         </p:sp>
         <p:sp>
           <p:nvSpPr>
-            <p:cNvPr id="201" name="rc201"/>
-            <p:cNvSpPr/>
-            <p:nvPr/>
-          </p:nvSpPr>
-          <p:spPr>
-            <a:xfrm>
-              <a:off x="2341972" y="5463731"/>
-              <a:ext cx="219456" cy="219455"/>
+            <p:cNvPr id="141" name="rc141"/>
+            <p:cNvSpPr/>
+            <p:nvPr/>
+          </p:nvSpPr>
+          <p:spPr>
+            <a:xfrm>
+              <a:off x="4148198" y="5683187"/>
+              <a:ext cx="219455" cy="219455"/>
             </a:xfrm>
             <a:prstGeom prst="rect">
               <a:avLst/>
@@ -10648,20 +8553,20 @@
         </p:sp>
         <p:sp>
           <p:nvSpPr>
-            <p:cNvPr id="202" name="rc202"/>
-            <p:cNvSpPr/>
-            <p:nvPr/>
-          </p:nvSpPr>
-          <p:spPr>
-            <a:xfrm>
-              <a:off x="2350972" y="5472731"/>
-              <a:ext cx="201455" cy="201456"/>
+            <p:cNvPr id="142" name="rc142"/>
+            <p:cNvSpPr/>
+            <p:nvPr/>
+          </p:nvSpPr>
+          <p:spPr>
+            <a:xfrm>
+              <a:off x="4157198" y="5692187"/>
+              <a:ext cx="201456" cy="201456"/>
             </a:xfrm>
             <a:prstGeom prst="rect">
               <a:avLst/>
             </a:prstGeom>
             <a:solidFill>
-              <a:srgbClr val="FFF5F0">
+              <a:srgbClr val="FEE5D9">
                 <a:alpha val="100000"/>
               </a:srgbClr>
             </a:solidFill>
@@ -10674,14 +8579,14 @@
         </p:sp>
         <p:sp>
           <p:nvSpPr>
-            <p:cNvPr id="203" name="rc203"/>
-            <p:cNvSpPr/>
-            <p:nvPr/>
-          </p:nvSpPr>
-          <p:spPr>
-            <a:xfrm>
-              <a:off x="2341972" y="5683187"/>
-              <a:ext cx="219456" cy="219455"/>
+            <p:cNvPr id="143" name="rc143"/>
+            <p:cNvSpPr/>
+            <p:nvPr/>
+          </p:nvSpPr>
+          <p:spPr>
+            <a:xfrm>
+              <a:off x="4983463" y="5683187"/>
+              <a:ext cx="219455" cy="219455"/>
             </a:xfrm>
             <a:prstGeom prst="rect">
               <a:avLst/>
@@ -10700,20 +8605,20 @@
         </p:sp>
         <p:sp>
           <p:nvSpPr>
-            <p:cNvPr id="204" name="rc204"/>
-            <p:cNvSpPr/>
-            <p:nvPr/>
-          </p:nvSpPr>
-          <p:spPr>
-            <a:xfrm>
-              <a:off x="2350972" y="5692187"/>
-              <a:ext cx="201455" cy="201456"/>
+            <p:cNvPr id="144" name="rc144"/>
+            <p:cNvSpPr/>
+            <p:nvPr/>
+          </p:nvSpPr>
+          <p:spPr>
+            <a:xfrm>
+              <a:off x="4992463" y="5692187"/>
+              <a:ext cx="201456" cy="201456"/>
             </a:xfrm>
             <a:prstGeom prst="rect">
               <a:avLst/>
             </a:prstGeom>
             <a:solidFill>
-              <a:srgbClr val="FEE0D2">
+              <a:srgbClr val="FCAE91">
                 <a:alpha val="100000"/>
               </a:srgbClr>
             </a:solidFill>
@@ -10726,13 +8631,13 @@
         </p:sp>
         <p:sp>
           <p:nvSpPr>
-            <p:cNvPr id="205" name="rc205"/>
-            <p:cNvSpPr/>
-            <p:nvPr/>
-          </p:nvSpPr>
-          <p:spPr>
-            <a:xfrm>
-              <a:off x="3669642" y="5463731"/>
+            <p:cNvPr id="145" name="rc145"/>
+            <p:cNvSpPr/>
+            <p:nvPr/>
+          </p:nvSpPr>
+          <p:spPr>
+            <a:xfrm>
+              <a:off x="5628076" y="5683187"/>
               <a:ext cx="219455" cy="219455"/>
             </a:xfrm>
             <a:prstGeom prst="rect">
@@ -10752,20 +8657,20 @@
         </p:sp>
         <p:sp>
           <p:nvSpPr>
-            <p:cNvPr id="206" name="rc206"/>
-            <p:cNvSpPr/>
-            <p:nvPr/>
-          </p:nvSpPr>
-          <p:spPr>
-            <a:xfrm>
-              <a:off x="3678642" y="5472731"/>
+            <p:cNvPr id="146" name="rc146"/>
+            <p:cNvSpPr/>
+            <p:nvPr/>
+          </p:nvSpPr>
+          <p:spPr>
+            <a:xfrm>
+              <a:off x="5637076" y="5692187"/>
               <a:ext cx="201456" cy="201456"/>
             </a:xfrm>
             <a:prstGeom prst="rect">
               <a:avLst/>
             </a:prstGeom>
             <a:solidFill>
-              <a:srgbClr val="FCBBA1">
+              <a:srgbClr val="FB6A4A">
                 <a:alpha val="100000"/>
               </a:srgbClr>
             </a:solidFill>
@@ -10778,13 +8683,13 @@
         </p:sp>
         <p:sp>
           <p:nvSpPr>
-            <p:cNvPr id="207" name="rc207"/>
-            <p:cNvSpPr/>
-            <p:nvPr/>
-          </p:nvSpPr>
-          <p:spPr>
-            <a:xfrm>
-              <a:off x="3669642" y="5683187"/>
+            <p:cNvPr id="147" name="rc147"/>
+            <p:cNvSpPr/>
+            <p:nvPr/>
+          </p:nvSpPr>
+          <p:spPr>
+            <a:xfrm>
+              <a:off x="6368015" y="5683187"/>
               <a:ext cx="219455" cy="219455"/>
             </a:xfrm>
             <a:prstGeom prst="rect">
@@ -10804,169 +8709,13 @@
         </p:sp>
         <p:sp>
           <p:nvSpPr>
-            <p:cNvPr id="208" name="rc208"/>
-            <p:cNvSpPr/>
-            <p:nvPr/>
-          </p:nvSpPr>
-          <p:spPr>
-            <a:xfrm>
-              <a:off x="3678642" y="5692187"/>
-              <a:ext cx="201456" cy="201456"/>
-            </a:xfrm>
-            <a:prstGeom prst="rect">
-              <a:avLst/>
-            </a:prstGeom>
-            <a:solidFill>
-              <a:srgbClr val="FC9272">
-                <a:alpha val="100000"/>
-              </a:srgbClr>
-            </a:solidFill>
-          </p:spPr>
-          <p:txBody>
-            <a:bodyPr/>
-            <a:lstStyle/>
-            <a:p/>
-          </p:txBody>
-        </p:sp>
-        <p:sp>
-          <p:nvSpPr>
-            <p:cNvPr id="209" name="rc209"/>
-            <p:cNvSpPr/>
-            <p:nvPr/>
-          </p:nvSpPr>
-          <p:spPr>
-            <a:xfrm>
-              <a:off x="4571658" y="5463731"/>
-              <a:ext cx="219455" cy="219455"/>
-            </a:xfrm>
-            <a:prstGeom prst="rect">
-              <a:avLst/>
-            </a:prstGeom>
-            <a:solidFill>
-              <a:srgbClr val="FFFFFF">
-                <a:alpha val="100000"/>
-              </a:srgbClr>
-            </a:solidFill>
-          </p:spPr>
-          <p:txBody>
-            <a:bodyPr/>
-            <a:lstStyle/>
-            <a:p/>
-          </p:txBody>
-        </p:sp>
-        <p:sp>
-          <p:nvSpPr>
-            <p:cNvPr id="210" name="rc210"/>
-            <p:cNvSpPr/>
-            <p:nvPr/>
-          </p:nvSpPr>
-          <p:spPr>
-            <a:xfrm>
-              <a:off x="4580658" y="5472731"/>
-              <a:ext cx="201456" cy="201456"/>
-            </a:xfrm>
-            <a:prstGeom prst="rect">
-              <a:avLst/>
-            </a:prstGeom>
-            <a:solidFill>
-              <a:srgbClr val="FB6A4A">
-                <a:alpha val="100000"/>
-              </a:srgbClr>
-            </a:solidFill>
-          </p:spPr>
-          <p:txBody>
-            <a:bodyPr/>
-            <a:lstStyle/>
-            <a:p/>
-          </p:txBody>
-        </p:sp>
-        <p:sp>
-          <p:nvSpPr>
-            <p:cNvPr id="211" name="rc211"/>
-            <p:cNvSpPr/>
-            <p:nvPr/>
-          </p:nvSpPr>
-          <p:spPr>
-            <a:xfrm>
-              <a:off x="4571658" y="5683187"/>
-              <a:ext cx="219455" cy="219455"/>
-            </a:xfrm>
-            <a:prstGeom prst="rect">
-              <a:avLst/>
-            </a:prstGeom>
-            <a:solidFill>
-              <a:srgbClr val="FFFFFF">
-                <a:alpha val="100000"/>
-              </a:srgbClr>
-            </a:solidFill>
-          </p:spPr>
-          <p:txBody>
-            <a:bodyPr/>
-            <a:lstStyle/>
-            <a:p/>
-          </p:txBody>
-        </p:sp>
-        <p:sp>
-          <p:nvSpPr>
-            <p:cNvPr id="212" name="rc212"/>
-            <p:cNvSpPr/>
-            <p:nvPr/>
-          </p:nvSpPr>
-          <p:spPr>
-            <a:xfrm>
-              <a:off x="4580658" y="5692187"/>
-              <a:ext cx="201456" cy="201456"/>
-            </a:xfrm>
-            <a:prstGeom prst="rect">
-              <a:avLst/>
-            </a:prstGeom>
-            <a:solidFill>
-              <a:srgbClr val="EF3B2C">
-                <a:alpha val="100000"/>
-              </a:srgbClr>
-            </a:solidFill>
-          </p:spPr>
-          <p:txBody>
-            <a:bodyPr/>
-            <a:lstStyle/>
-            <a:p/>
-          </p:txBody>
-        </p:sp>
-        <p:sp>
-          <p:nvSpPr>
-            <p:cNvPr id="213" name="rc213"/>
-            <p:cNvSpPr/>
-            <p:nvPr/>
-          </p:nvSpPr>
-          <p:spPr>
-            <a:xfrm>
-              <a:off x="5772226" y="5463731"/>
-              <a:ext cx="219455" cy="219455"/>
-            </a:xfrm>
-            <a:prstGeom prst="rect">
-              <a:avLst/>
-            </a:prstGeom>
-            <a:solidFill>
-              <a:srgbClr val="FFFFFF">
-                <a:alpha val="100000"/>
-              </a:srgbClr>
-            </a:solidFill>
-          </p:spPr>
-          <p:txBody>
-            <a:bodyPr/>
-            <a:lstStyle/>
-            <a:p/>
-          </p:txBody>
-        </p:sp>
-        <p:sp>
-          <p:nvSpPr>
-            <p:cNvPr id="214" name="rc214"/>
-            <p:cNvSpPr/>
-            <p:nvPr/>
-          </p:nvSpPr>
-          <p:spPr>
-            <a:xfrm>
-              <a:off x="5781226" y="5472731"/>
+            <p:cNvPr id="148" name="rc148"/>
+            <p:cNvSpPr/>
+            <p:nvPr/>
+          </p:nvSpPr>
+          <p:spPr>
+            <a:xfrm>
+              <a:off x="6377015" y="5692187"/>
               <a:ext cx="201456" cy="201456"/>
             </a:xfrm>
             <a:prstGeom prst="rect">
@@ -10986,66 +8735,14 @@
         </p:sp>
         <p:sp>
           <p:nvSpPr>
-            <p:cNvPr id="215" name="rc215"/>
-            <p:cNvSpPr/>
-            <p:nvPr/>
-          </p:nvSpPr>
-          <p:spPr>
-            <a:xfrm>
-              <a:off x="5772226" y="5683187"/>
-              <a:ext cx="219455" cy="219455"/>
-            </a:xfrm>
-            <a:prstGeom prst="rect">
-              <a:avLst/>
-            </a:prstGeom>
-            <a:solidFill>
-              <a:srgbClr val="FFFFFF">
-                <a:alpha val="100000"/>
-              </a:srgbClr>
-            </a:solidFill>
-          </p:spPr>
-          <p:txBody>
-            <a:bodyPr/>
-            <a:lstStyle/>
-            <a:p/>
-          </p:txBody>
-        </p:sp>
-        <p:sp>
-          <p:nvSpPr>
-            <p:cNvPr id="216" name="rc216"/>
-            <p:cNvSpPr/>
-            <p:nvPr/>
-          </p:nvSpPr>
-          <p:spPr>
-            <a:xfrm>
-              <a:off x="5781226" y="5692187"/>
-              <a:ext cx="201456" cy="201456"/>
-            </a:xfrm>
-            <a:prstGeom prst="rect">
-              <a:avLst/>
-            </a:prstGeom>
-            <a:solidFill>
-              <a:srgbClr val="99000D">
-                <a:alpha val="100000"/>
-              </a:srgbClr>
-            </a:solidFill>
-          </p:spPr>
-          <p:txBody>
-            <a:bodyPr/>
-            <a:lstStyle/>
-            <a:p/>
-          </p:txBody>
-        </p:sp>
-        <p:sp>
-          <p:nvSpPr>
-            <p:cNvPr id="217" name="tx217"/>
-            <p:cNvSpPr/>
-            <p:nvPr/>
-          </p:nvSpPr>
-          <p:spPr>
-            <a:xfrm>
-              <a:off x="2631017" y="5531767"/>
-              <a:ext cx="999346" cy="81691"/>
+            <p:cNvPr id="149" name="tx149"/>
+            <p:cNvSpPr/>
+            <p:nvPr/>
+          </p:nvSpPr>
+          <p:spPr>
+            <a:xfrm>
+              <a:off x="4437243" y="5763065"/>
+              <a:ext cx="419100" cy="69850"/>
             </a:xfrm>
             <a:prstGeom prst="rect">
               <a:avLst/>
@@ -11077,21 +8774,21 @@
                   <a:latin typeface="Arial"/>
                   <a:cs typeface="Arial"/>
                 </a:rPr>
-                <a:t>≥10的10次方（100亿）</a:t>
+                <a:t>完全不认同</a:t>
               </a:r>
             </a:p>
           </p:txBody>
         </p:sp>
         <p:sp>
           <p:nvSpPr>
-            <p:cNvPr id="218" name="tx218"/>
-            <p:cNvSpPr/>
-            <p:nvPr/>
-          </p:nvSpPr>
-          <p:spPr>
-            <a:xfrm>
-              <a:off x="2631017" y="5751223"/>
-              <a:ext cx="499263" cy="81691"/>
+            <p:cNvPr id="150" name="tx150"/>
+            <p:cNvSpPr/>
+            <p:nvPr/>
+          </p:nvSpPr>
+          <p:spPr>
+            <a:xfrm>
+              <a:off x="5272508" y="5763065"/>
+              <a:ext cx="251460" cy="69850"/>
             </a:xfrm>
             <a:prstGeom prst="rect">
               <a:avLst/>
@@ -11123,21 +8820,21 @@
                   <a:latin typeface="Arial"/>
                   <a:cs typeface="Arial"/>
                 </a:rPr>
-                <a:t>≥10的5次方</a:t>
+                <a:t>不认同</a:t>
               </a:r>
             </a:p>
           </p:txBody>
         </p:sp>
         <p:sp>
           <p:nvSpPr>
-            <p:cNvPr id="219" name="tx219"/>
-            <p:cNvSpPr/>
-            <p:nvPr/>
-          </p:nvSpPr>
-          <p:spPr>
-            <a:xfrm>
-              <a:off x="3958687" y="5531767"/>
-              <a:ext cx="499263" cy="81691"/>
+            <p:cNvPr id="151" name="tx151"/>
+            <p:cNvSpPr/>
+            <p:nvPr/>
+          </p:nvSpPr>
+          <p:spPr>
+            <a:xfrm>
+              <a:off x="5917121" y="5763065"/>
+              <a:ext cx="335280" cy="69850"/>
             </a:xfrm>
             <a:prstGeom prst="rect">
               <a:avLst/>
@@ -11169,21 +8866,21 @@
                   <a:latin typeface="Arial"/>
                   <a:cs typeface="Arial"/>
                 </a:rPr>
-                <a:t>≥10的6次方</a:t>
+                <a:t>有限认同</a:t>
               </a:r>
             </a:p>
           </p:txBody>
         </p:sp>
         <p:sp>
           <p:nvSpPr>
-            <p:cNvPr id="220" name="tx220"/>
-            <p:cNvSpPr/>
-            <p:nvPr/>
-          </p:nvSpPr>
-          <p:spPr>
-            <a:xfrm>
-              <a:off x="3958687" y="5751223"/>
-              <a:ext cx="499263" cy="81691"/>
+            <p:cNvPr id="152" name="tx152"/>
+            <p:cNvSpPr/>
+            <p:nvPr/>
+          </p:nvSpPr>
+          <p:spPr>
+            <a:xfrm>
+              <a:off x="6657060" y="5763065"/>
+              <a:ext cx="335280" cy="69850"/>
             </a:xfrm>
             <a:prstGeom prst="rect">
               <a:avLst/>
@@ -11215,191 +8912,7 @@
                   <a:latin typeface="Arial"/>
                   <a:cs typeface="Arial"/>
                 </a:rPr>
-                <a:t>≥10的7次方</a:t>
-              </a:r>
-            </a:p>
-          </p:txBody>
-        </p:sp>
-        <p:sp>
-          <p:nvSpPr>
-            <p:cNvPr id="221" name="tx221"/>
-            <p:cNvSpPr/>
-            <p:nvPr/>
-          </p:nvSpPr>
-          <p:spPr>
-            <a:xfrm>
-              <a:off x="4860703" y="5531767"/>
-              <a:ext cx="812879" cy="81691"/>
-            </a:xfrm>
-            <a:prstGeom prst="rect">
-              <a:avLst/>
-            </a:prstGeom>
-            <a:noFill/>
-          </p:spPr>
-          <p:txBody>
-            <a:bodyPr lIns="0" rIns="0" tIns="0" bIns="0" anchorCtr="1" anchor="ctr" wrap="none"/>
-            <a:lstStyle/>
-            <a:p>
-              <a:pPr algn="l" marL="0" marR="0" indent="0">
-                <a:lnSpc>
-                  <a:spcPts val="880"/>
-                </a:lnSpc>
-                <a:spcBef>
-                  <a:spcPts val="0"/>
-                </a:spcBef>
-                <a:spcAft>
-                  <a:spcPts val="0"/>
-                </a:spcAft>
-              </a:pPr>
-              <a:r>
-                <a:rPr sz="880">
-                  <a:solidFill>
-                    <a:srgbClr val="000000">
-                      <a:alpha val="100000"/>
-                    </a:srgbClr>
-                  </a:solidFill>
-                  <a:latin typeface="Arial"/>
-                  <a:cs typeface="Arial"/>
-                </a:rPr>
-                <a:t>≥10的8次方（1亿）</a:t>
-              </a:r>
-            </a:p>
-          </p:txBody>
-        </p:sp>
-        <p:sp>
-          <p:nvSpPr>
-            <p:cNvPr id="222" name="tx222"/>
-            <p:cNvSpPr/>
-            <p:nvPr/>
-          </p:nvSpPr>
-          <p:spPr>
-            <a:xfrm>
-              <a:off x="4860703" y="5751223"/>
-              <a:ext cx="875034" cy="81691"/>
-            </a:xfrm>
-            <a:prstGeom prst="rect">
-              <a:avLst/>
-            </a:prstGeom>
-            <a:noFill/>
-          </p:spPr>
-          <p:txBody>
-            <a:bodyPr lIns="0" rIns="0" tIns="0" bIns="0" anchorCtr="1" anchor="ctr" wrap="none"/>
-            <a:lstStyle/>
-            <a:p>
-              <a:pPr algn="l" marL="0" marR="0" indent="0">
-                <a:lnSpc>
-                  <a:spcPts val="880"/>
-                </a:lnSpc>
-                <a:spcBef>
-                  <a:spcPts val="0"/>
-                </a:spcBef>
-                <a:spcAft>
-                  <a:spcPts val="0"/>
-                </a:spcAft>
-              </a:pPr>
-              <a:r>
-                <a:rPr sz="880">
-                  <a:solidFill>
-                    <a:srgbClr val="000000">
-                      <a:alpha val="100000"/>
-                    </a:srgbClr>
-                  </a:solidFill>
-                  <a:latin typeface="Arial"/>
-                  <a:cs typeface="Arial"/>
-                </a:rPr>
-                <a:t>≥10的9次方（10亿）</a:t>
-              </a:r>
-            </a:p>
-          </p:txBody>
-        </p:sp>
-        <p:sp>
-          <p:nvSpPr>
-            <p:cNvPr id="223" name="tx223"/>
-            <p:cNvSpPr/>
-            <p:nvPr/>
-          </p:nvSpPr>
-          <p:spPr>
-            <a:xfrm>
-              <a:off x="6061271" y="5509885"/>
-              <a:ext cx="2694954" cy="103574"/>
-            </a:xfrm>
-            <a:prstGeom prst="rect">
-              <a:avLst/>
-            </a:prstGeom>
-            <a:noFill/>
-          </p:spPr>
-          <p:txBody>
-            <a:bodyPr lIns="0" rIns="0" tIns="0" bIns="0" anchorCtr="1" anchor="ctr" wrap="none"/>
-            <a:lstStyle/>
-            <a:p>
-              <a:pPr algn="l" marL="0" marR="0" indent="0">
-                <a:lnSpc>
-                  <a:spcPts val="880"/>
-                </a:lnSpc>
-                <a:spcBef>
-                  <a:spcPts val="0"/>
-                </a:spcBef>
-                <a:spcAft>
-                  <a:spcPts val="0"/>
-                </a:spcAft>
-              </a:pPr>
-              <a:r>
-                <a:rPr sz="880">
-                  <a:solidFill>
-                    <a:srgbClr val="000000">
-                      <a:alpha val="100000"/>
-                    </a:srgbClr>
-                  </a:solidFill>
-                  <a:latin typeface="Arial"/>
-                  <a:cs typeface="Arial"/>
-                </a:rPr>
-                <a:t>不能低于出厂活菌数的一定百分比：____%（如选该项，请填写数值）</a:t>
-              </a:r>
-            </a:p>
-          </p:txBody>
-        </p:sp>
-        <p:sp>
-          <p:nvSpPr>
-            <p:cNvPr id="224" name="tx224"/>
-            <p:cNvSpPr/>
-            <p:nvPr/>
-          </p:nvSpPr>
-          <p:spPr>
-            <a:xfrm>
-              <a:off x="6061271" y="5763065"/>
-              <a:ext cx="1089659" cy="69850"/>
-            </a:xfrm>
-            <a:prstGeom prst="rect">
-              <a:avLst/>
-            </a:prstGeom>
-            <a:noFill/>
-          </p:spPr>
-          <p:txBody>
-            <a:bodyPr lIns="0" rIns="0" tIns="0" bIns="0" anchorCtr="1" anchor="ctr" wrap="none"/>
-            <a:lstStyle/>
-            <a:p>
-              <a:pPr algn="l" marL="0" marR="0" indent="0">
-                <a:lnSpc>
-                  <a:spcPts val="880"/>
-                </a:lnSpc>
-                <a:spcBef>
-                  <a:spcPts val="0"/>
-                </a:spcBef>
-                <a:spcAft>
-                  <a:spcPts val="0"/>
-                </a:spcAft>
-              </a:pPr>
-              <a:r>
-                <a:rPr sz="880">
-                  <a:solidFill>
-                    <a:srgbClr val="000000">
-                      <a:alpha val="100000"/>
-                    </a:srgbClr>
-                  </a:solidFill>
-                  <a:latin typeface="Arial"/>
-                  <a:cs typeface="Arial"/>
-                </a:rPr>
-                <a:t>无所谓死活，只要产品还有效</a:t>
+                <a:t>完全认同</a:t>
               </a:r>
             </a:p>
           </p:txBody>
